--- a/results/test-code.pptx
+++ b/results/test-code.pptx
@@ -5,7 +5,7 @@
     <p:sldMasterId id="2147483648" r:id="rId1"/>
   </p:sldMasterIdLst>
   <p:notesMasterIdLst>
-    <p:notesMasterId r:id="rId23"/>
+    <p:notesMasterId r:id="rId73"/>
   </p:notesMasterIdLst>
   <p:sldIdLst>
     <p:sldId id="256" r:id="rId2"/>
@@ -29,6 +29,56 @@
     <p:sldId id="274" r:id="rId20"/>
     <p:sldId id="275" r:id="rId21"/>
     <p:sldId id="276" r:id="rId22"/>
+    <p:sldId id="277" r:id="rId23"/>
+    <p:sldId id="278" r:id="rId24"/>
+    <p:sldId id="279" r:id="rId25"/>
+    <p:sldId id="280" r:id="rId26"/>
+    <p:sldId id="281" r:id="rId27"/>
+    <p:sldId id="282" r:id="rId28"/>
+    <p:sldId id="283" r:id="rId29"/>
+    <p:sldId id="284" r:id="rId30"/>
+    <p:sldId id="285" r:id="rId31"/>
+    <p:sldId id="286" r:id="rId32"/>
+    <p:sldId id="287" r:id="rId33"/>
+    <p:sldId id="288" r:id="rId34"/>
+    <p:sldId id="289" r:id="rId35"/>
+    <p:sldId id="290" r:id="rId36"/>
+    <p:sldId id="291" r:id="rId37"/>
+    <p:sldId id="292" r:id="rId38"/>
+    <p:sldId id="293" r:id="rId39"/>
+    <p:sldId id="294" r:id="rId40"/>
+    <p:sldId id="295" r:id="rId41"/>
+    <p:sldId id="296" r:id="rId42"/>
+    <p:sldId id="297" r:id="rId43"/>
+    <p:sldId id="298" r:id="rId44"/>
+    <p:sldId id="299" r:id="rId45"/>
+    <p:sldId id="300" r:id="rId46"/>
+    <p:sldId id="301" r:id="rId47"/>
+    <p:sldId id="302" r:id="rId48"/>
+    <p:sldId id="303" r:id="rId49"/>
+    <p:sldId id="304" r:id="rId50"/>
+    <p:sldId id="305" r:id="rId51"/>
+    <p:sldId id="306" r:id="rId52"/>
+    <p:sldId id="307" r:id="rId53"/>
+    <p:sldId id="308" r:id="rId54"/>
+    <p:sldId id="309" r:id="rId55"/>
+    <p:sldId id="310" r:id="rId56"/>
+    <p:sldId id="311" r:id="rId57"/>
+    <p:sldId id="312" r:id="rId58"/>
+    <p:sldId id="313" r:id="rId59"/>
+    <p:sldId id="314" r:id="rId60"/>
+    <p:sldId id="315" r:id="rId61"/>
+    <p:sldId id="316" r:id="rId62"/>
+    <p:sldId id="317" r:id="rId63"/>
+    <p:sldId id="318" r:id="rId64"/>
+    <p:sldId id="319" r:id="rId65"/>
+    <p:sldId id="320" r:id="rId66"/>
+    <p:sldId id="321" r:id="rId67"/>
+    <p:sldId id="322" r:id="rId68"/>
+    <p:sldId id="323" r:id="rId69"/>
+    <p:sldId id="324" r:id="rId70"/>
+    <p:sldId id="325" r:id="rId71"/>
+    <p:sldId id="326" r:id="rId72"/>
   </p:sldIdLst>
   <p:sldSz cx="12192000" cy="6858000"/>
   <p:notesSz cx="6858000" cy="9144000"/>
@@ -544,7 +594,7 @@
             </a:pPr>
             <a:r>
               <a:rPr/>
-              <a:t>Notes00 This is the standard documentation header.</a:t>
+              <a:t>Speaker notes: This is the standard documentation header.</a:t>
             </a:r>
           </a:p>
         </p:txBody>
@@ -567,6 +617,1106 @@
             <a:fld id="{18BDFEC3-8487-43E8-A154-7C12CBC1FFF2}" type="slidenum">
               <a:rPr lang="en-US"/>
               <a:t>5</a:t>
+            </a:fld>
+            <a:endParaRPr lang="en-US"/>
+          </a:p>
+        </p:txBody>
+      </p:sp>
+    </p:spTree>
+  </p:cSld>
+</p:notes>
+</file>
+
+<file path=ppt/notesSlides/notesSlide10.xml><?xml version="1.0" encoding="utf-8"?>
+<p:notes xmlns:a="http://schemas.openxmlformats.org/drawingml/2006/main" xmlns:r="http://schemas.openxmlformats.org/officeDocument/2006/relationships" xmlns:p="http://schemas.openxmlformats.org/presentationml/2006/main">
+  <p:cSld>
+    <p:spTree>
+      <p:nvGrpSpPr>
+        <p:cNvPr id="1" name=""/>
+        <p:cNvGrpSpPr/>
+        <p:nvPr/>
+      </p:nvGrpSpPr>
+      <p:grpSpPr>
+        <a:xfrm>
+          <a:off x="0" y="0"/>
+          <a:ext cx="0" cy="0"/>
+          <a:chOff x="0" y="0"/>
+          <a:chExt cx="0" cy="0"/>
+        </a:xfrm>
+      </p:grpSpPr>
+      <p:sp>
+        <p:nvSpPr>
+          <p:cNvPr id="2" name="Slide Image Placeholder 1"/>
+          <p:cNvSpPr>
+            <a:spLocks noGrp="1" noRot="1" noChangeAspect="1"/>
+          </p:cNvSpPr>
+          <p:nvPr>
+            <p:ph type="sldImg"/>
+          </p:nvPr>
+        </p:nvSpPr>
+        <p:spPr/>
+      </p:sp>
+      <p:sp>
+        <p:nvSpPr>
+          <p:cNvPr id="3" name="Notes Placeholder 2"/>
+          <p:cNvSpPr>
+            <a:spLocks noGrp="1"/>
+          </p:cNvSpPr>
+          <p:nvPr>
+            <p:ph type="body" idx="1"/>
+          </p:nvPr>
+        </p:nvSpPr>
+        <p:spPr/>
+        <p:txBody>
+          <a:bodyPr/>
+          <a:lstStyle/>
+          <a:p>
+            <a:pPr lvl="0" indent="0" marL="0">
+              <a:buNone/>
+            </a:pPr>
+            <a:r>
+              <a:rPr/>
+              <a:t>Output, proc print</a:t>
+            </a:r>
+          </a:p>
+          <a:p>
+            <a:pPr lvl="0" indent="0" marL="0">
+              <a:buNone/>
+            </a:pPr>
+          </a:p>
+          <a:p>
+            <a:pPr lvl="0" indent="0" marL="0">
+              <a:buNone/>
+            </a:pPr>
+            <a:r>
+              <a:rPr/>
+              <a:t>Speaker notes: This is what your output looks like.</a:t>
+            </a:r>
+          </a:p>
+          <a:p>
+            <a:pPr lvl="0" indent="0" marL="0">
+              <a:buNone/>
+            </a:pPr>
+          </a:p>
+          <a:p>
+            <a:pPr lvl="0" indent="0" marL="0">
+              <a:buNone/>
+            </a:pPr>
+            <a:r>
+              <a:rPr/>
+              <a:t>There is no possible way that a height of 29.5 inches could be paired with a weight of 205 pounds.</a:t>
+            </a:r>
+          </a:p>
+          <a:p>
+            <a:pPr lvl="0" indent="0" marL="0">
+              <a:buNone/>
+            </a:pPr>
+          </a:p>
+          <a:p>
+            <a:pPr lvl="0" indent="0" marL="0">
+              <a:buNone/>
+            </a:pPr>
+            <a:r>
+              <a:rPr/>
+              <a:t>With this outlier on the low end, you might consider doing nothing other than noting the unusual value.</a:t>
+            </a:r>
+          </a:p>
+          <a:p>
+            <a:pPr lvl="0" indent="0" marL="0">
+              <a:buNone/>
+            </a:pPr>
+          </a:p>
+          <a:p>
+            <a:pPr lvl="0" indent="0" marL="0">
+              <a:buNone/>
+            </a:pPr>
+            <a:r>
+              <a:rPr/>
+              <a:t>Alternately, you could delete the entire row associated with this value. Finally, you might consider converting the small ht value to a missing value code.</a:t>
+            </a:r>
+          </a:p>
+          <a:p>
+            <a:pPr lvl="0" indent="0" marL="0">
+              <a:buNone/>
+            </a:pPr>
+          </a:p>
+          <a:p>
+            <a:pPr lvl="0" indent="0" marL="0">
+              <a:buNone/>
+            </a:pPr>
+            <a:r>
+              <a:rPr/>
+              <a:t>There is no one method that is preferred in this setting. If you encounter an unusual value, you should discuss it with your research team, investigate the original data sources, if possible, and review any procedures for handling unusual data values that might be specified in your research protocol.</a:t>
+            </a:r>
+          </a:p>
+          <a:p>
+            <a:pPr lvl="0" indent="0" marL="0">
+              <a:buNone/>
+            </a:pPr>
+          </a:p>
+          <a:p>
+            <a:pPr lvl="0" indent="0" marL="0">
+              <a:buNone/>
+            </a:pPr>
+            <a:r>
+              <a:rPr/>
+              <a:t>Your data set may arrive with missing values in it already. Data might be designated as missing for a variety of reasons (lab result lost, value below the limit of detection, patient refused to answer this question) and how you handle missing values is way beyond the scope of this class. Just remember to tread cautiously around missing values as they are a minefield.</a:t>
+            </a:r>
+          </a:p>
+          <a:p>
+            <a:pPr lvl="0" indent="0" marL="0">
+              <a:buNone/>
+            </a:pPr>
+          </a:p>
+          <a:p>
+            <a:pPr lvl="0" indent="0" marL="0">
+              <a:buNone/>
+            </a:pPr>
+            <a:r>
+              <a:rPr/>
+              <a:t>Notice that I store the revised data sets with the row removed and with the 29.5 replaced by a missing value in different data frames. This is good programming practice. If you ever have to make a destructive change to your data set (a change that wipes out one or more values or a change that is difficult to undo), it is good form to store the new results in a fresh spot. That way, if you get cold feet, you can easily backtrack.</a:t>
+            </a:r>
+          </a:p>
+          <a:p>
+            <a:pPr lvl="0" indent="0" marL="0">
+              <a:buNone/>
+            </a:pPr>
+          </a:p>
+          <a:p>
+            <a:pPr lvl="0" indent="0" marL="0">
+              <a:buNone/>
+            </a:pPr>
+            <a:r>
+              <a:rPr/>
+              <a:t>We’ll use the data set with the 29.5 changed to a missing value for all of the remaining analyses of this data set.</a:t>
+            </a:r>
+          </a:p>
+          <a:p>
+            <a:pPr lvl="0" indent="0" marL="0">
+              <a:buNone/>
+            </a:pPr>
+          </a:p>
+          <a:p>
+            <a:pPr lvl="0" indent="0" marL="0">
+              <a:buNone/>
+            </a:pPr>
+            <a:r>
+              <a:rPr/>
+              <a:t>Logic statements involving missing value codes are tricky. SAS stores missing value codes as the most extreme legal negative number. So if you want, for example, to exclude negative values, make sure that you account for missing values as well.</a:t>
+            </a:r>
+          </a:p>
+          <a:p>
+            <a:pPr lvl="0" indent="0" marL="0">
+              <a:buNone/>
+            </a:pPr>
+          </a:p>
+          <a:p>
+            <a:pPr lvl="0" indent="0" marL="0">
+              <a:buNone/>
+            </a:pPr>
+            <a:r>
+              <a:rPr/>
+              <a:t>(ht &lt; 0) &amp; (ht ~= .);</a:t>
+            </a:r>
+          </a:p>
+        </p:txBody>
+      </p:sp>
+      <p:sp>
+        <p:nvSpPr>
+          <p:cNvPr id="4" name="Slide Number Placeholder 3"/>
+          <p:cNvSpPr>
+            <a:spLocks noGrp="1"/>
+          </p:cNvSpPr>
+          <p:nvPr>
+            <p:ph type="sldNum" sz="quarter" idx="10"/>
+          </p:nvPr>
+        </p:nvSpPr>
+        <p:spPr/>
+        <p:txBody>
+          <a:bodyPr/>
+          <a:lstStyle/>
+          <a:p>
+            <a:fld id="{18BDFEC3-8487-43E8-A154-7C12CBC1FFF2}" type="slidenum">
+              <a:rPr lang="en-US"/>
+              <a:t>25</a:t>
+            </a:fld>
+            <a:endParaRPr lang="en-US"/>
+          </a:p>
+        </p:txBody>
+      </p:sp>
+    </p:spTree>
+  </p:cSld>
+</p:notes>
+</file>
+
+<file path=ppt/notesSlides/notesSlide11.xml><?xml version="1.0" encoding="utf-8"?>
+<p:notes xmlns:a="http://schemas.openxmlformats.org/drawingml/2006/main" xmlns:r="http://schemas.openxmlformats.org/officeDocument/2006/relationships" xmlns:p="http://schemas.openxmlformats.org/presentationml/2006/main">
+  <p:cSld>
+    <p:spTree>
+      <p:nvGrpSpPr>
+        <p:cNvPr id="1" name=""/>
+        <p:cNvGrpSpPr/>
+        <p:nvPr/>
+      </p:nvGrpSpPr>
+      <p:grpSpPr>
+        <a:xfrm>
+          <a:off x="0" y="0"/>
+          <a:ext cx="0" cy="0"/>
+          <a:chOff x="0" y="0"/>
+          <a:chExt cx="0" cy="0"/>
+        </a:xfrm>
+      </p:grpSpPr>
+      <p:sp>
+        <p:nvSpPr>
+          <p:cNvPr id="2" name="Slide Image Placeholder 1"/>
+          <p:cNvSpPr>
+            <a:spLocks noGrp="1" noRot="1" noChangeAspect="1"/>
+          </p:cNvSpPr>
+          <p:nvPr>
+            <p:ph type="sldImg"/>
+          </p:nvPr>
+        </p:nvSpPr>
+        <p:spPr/>
+      </p:sp>
+      <p:sp>
+        <p:nvSpPr>
+          <p:cNvPr id="3" name="Notes Placeholder 2"/>
+          <p:cNvSpPr>
+            <a:spLocks noGrp="1"/>
+          </p:cNvSpPr>
+          <p:nvPr>
+            <p:ph type="body" idx="1"/>
+          </p:nvPr>
+        </p:nvSpPr>
+        <p:spPr/>
+        <p:txBody>
+          <a:bodyPr/>
+          <a:lstStyle/>
+          <a:p>
+            <a:pPr lvl="0" indent="0" marL="0">
+              <a:buNone/>
+            </a:pPr>
+            <a:r>
+              <a:rPr/>
+              <a:t>Speaker notes: Just for the sake of completeness, let’s look at the row of data with the largest height value. Add the keyword desc to sort the data in reverse order.</a:t>
+            </a:r>
+          </a:p>
+        </p:txBody>
+      </p:sp>
+      <p:sp>
+        <p:nvSpPr>
+          <p:cNvPr id="4" name="Slide Number Placeholder 3"/>
+          <p:cNvSpPr>
+            <a:spLocks noGrp="1"/>
+          </p:cNvSpPr>
+          <p:nvPr>
+            <p:ph type="sldNum" sz="quarter" idx="10"/>
+          </p:nvPr>
+        </p:nvSpPr>
+        <p:spPr/>
+        <p:txBody>
+          <a:bodyPr/>
+          <a:lstStyle/>
+          <a:p>
+            <a:fld id="{18BDFEC3-8487-43E8-A154-7C12CBC1FFF2}" type="slidenum">
+              <a:rPr lang="en-US"/>
+              <a:t>28</a:t>
+            </a:fld>
+            <a:endParaRPr lang="en-US"/>
+          </a:p>
+        </p:txBody>
+      </p:sp>
+    </p:spTree>
+  </p:cSld>
+</p:notes>
+</file>
+
+<file path=ppt/notesSlides/notesSlide12.xml><?xml version="1.0" encoding="utf-8"?>
+<p:notes xmlns:a="http://schemas.openxmlformats.org/drawingml/2006/main" xmlns:r="http://schemas.openxmlformats.org/officeDocument/2006/relationships" xmlns:p="http://schemas.openxmlformats.org/presentationml/2006/main">
+  <p:cSld>
+    <p:spTree>
+      <p:nvGrpSpPr>
+        <p:cNvPr id="1" name=""/>
+        <p:cNvGrpSpPr/>
+        <p:nvPr/>
+      </p:nvGrpSpPr>
+      <p:grpSpPr>
+        <a:xfrm>
+          <a:off x="0" y="0"/>
+          <a:ext cx="0" cy="0"/>
+          <a:chOff x="0" y="0"/>
+          <a:chExt cx="0" cy="0"/>
+        </a:xfrm>
+      </p:grpSpPr>
+      <p:sp>
+        <p:nvSpPr>
+          <p:cNvPr id="2" name="Slide Image Placeholder 1"/>
+          <p:cNvSpPr>
+            <a:spLocks noGrp="1" noRot="1" noChangeAspect="1"/>
+          </p:cNvSpPr>
+          <p:nvPr>
+            <p:ph type="sldImg"/>
+          </p:nvPr>
+        </p:nvSpPr>
+        <p:spPr/>
+      </p:sp>
+      <p:sp>
+        <p:nvSpPr>
+          <p:cNvPr id="3" name="Notes Placeholder 2"/>
+          <p:cNvSpPr>
+            <a:spLocks noGrp="1"/>
+          </p:cNvSpPr>
+          <p:nvPr>
+            <p:ph type="body" idx="1"/>
+          </p:nvPr>
+        </p:nvSpPr>
+        <p:spPr/>
+        <p:txBody>
+          <a:bodyPr/>
+          <a:lstStyle/>
+          <a:p>
+            <a:pPr lvl="0" indent="0" marL="0">
+              <a:buNone/>
+            </a:pPr>
+            <a:r>
+              <a:rPr/>
+              <a:t>Output, proc print.</a:t>
+            </a:r>
+          </a:p>
+          <a:p>
+            <a:pPr lvl="0" indent="0" marL="0">
+              <a:buNone/>
+            </a:pPr>
+          </a:p>
+          <a:p>
+            <a:pPr lvl="0" indent="0" marL="0">
+              <a:buNone/>
+            </a:pPr>
+            <a:r>
+              <a:rPr/>
+              <a:t>Speaker notes: This is what your output looks like. These values seem reasonable to me.</a:t>
+            </a:r>
+          </a:p>
+        </p:txBody>
+      </p:sp>
+      <p:sp>
+        <p:nvSpPr>
+          <p:cNvPr id="4" name="Slide Number Placeholder 3"/>
+          <p:cNvSpPr>
+            <a:spLocks noGrp="1"/>
+          </p:cNvSpPr>
+          <p:nvPr>
+            <p:ph type="sldNum" sz="quarter" idx="10"/>
+          </p:nvPr>
+        </p:nvSpPr>
+        <p:spPr/>
+        <p:txBody>
+          <a:bodyPr/>
+          <a:lstStyle/>
+          <a:p>
+            <a:fld id="{18BDFEC3-8487-43E8-A154-7C12CBC1FFF2}" type="slidenum">
+              <a:rPr lang="en-US"/>
+              <a:t>29</a:t>
+            </a:fld>
+            <a:endParaRPr lang="en-US"/>
+          </a:p>
+        </p:txBody>
+      </p:sp>
+    </p:spTree>
+  </p:cSld>
+</p:notes>
+</file>
+
+<file path=ppt/notesSlides/notesSlide13.xml><?xml version="1.0" encoding="utf-8"?>
+<p:notes xmlns:a="http://schemas.openxmlformats.org/drawingml/2006/main" xmlns:r="http://schemas.openxmlformats.org/officeDocument/2006/relationships" xmlns:p="http://schemas.openxmlformats.org/presentationml/2006/main">
+  <p:cSld>
+    <p:spTree>
+      <p:nvGrpSpPr>
+        <p:cNvPr id="1" name=""/>
+        <p:cNvGrpSpPr/>
+        <p:nvPr/>
+      </p:nvGrpSpPr>
+      <p:grpSpPr>
+        <a:xfrm>
+          <a:off x="0" y="0"/>
+          <a:ext cx="0" cy="0"/>
+          <a:chOff x="0" y="0"/>
+          <a:chExt cx="0" cy="0"/>
+        </a:xfrm>
+      </p:grpSpPr>
+      <p:sp>
+        <p:nvSpPr>
+          <p:cNvPr id="2" name="Slide Image Placeholder 1"/>
+          <p:cNvSpPr>
+            <a:spLocks noGrp="1" noRot="1" noChangeAspect="1"/>
+          </p:cNvSpPr>
+          <p:nvPr>
+            <p:ph type="sldImg"/>
+          </p:nvPr>
+        </p:nvSpPr>
+        <p:spPr/>
+      </p:sp>
+      <p:sp>
+        <p:nvSpPr>
+          <p:cNvPr id="3" name="Notes Placeholder 2"/>
+          <p:cNvSpPr>
+            <a:spLocks noGrp="1"/>
+          </p:cNvSpPr>
+          <p:nvPr>
+            <p:ph type="body" idx="1"/>
+          </p:nvPr>
+        </p:nvSpPr>
+        <p:spPr/>
+        <p:txBody>
+          <a:bodyPr/>
+          <a:lstStyle/>
+          <a:p>
+            <a:pPr lvl="0" indent="0" marL="0">
+              <a:buNone/>
+            </a:pPr>
+            <a:r>
+              <a:rPr/>
+              <a:t>Speaker notes: This code removes the entire row of data. Notice that I store the modified data under a new name. That way, if I regret tossing the entire row out, I can easily revert to the original data.</a:t>
+            </a:r>
+          </a:p>
+        </p:txBody>
+      </p:sp>
+      <p:sp>
+        <p:nvSpPr>
+          <p:cNvPr id="4" name="Slide Number Placeholder 3"/>
+          <p:cNvSpPr>
+            <a:spLocks noGrp="1"/>
+          </p:cNvSpPr>
+          <p:nvPr>
+            <p:ph type="sldNum" sz="quarter" idx="10"/>
+          </p:nvPr>
+        </p:nvSpPr>
+        <p:spPr/>
+        <p:txBody>
+          <a:bodyPr/>
+          <a:lstStyle/>
+          <a:p>
+            <a:fld id="{18BDFEC3-8487-43E8-A154-7C12CBC1FFF2}" type="slidenum">
+              <a:rPr lang="en-US"/>
+              <a:t>31</a:t>
+            </a:fld>
+            <a:endParaRPr lang="en-US"/>
+          </a:p>
+        </p:txBody>
+      </p:sp>
+    </p:spTree>
+  </p:cSld>
+</p:notes>
+</file>
+
+<file path=ppt/notesSlides/notesSlide14.xml><?xml version="1.0" encoding="utf-8"?>
+<p:notes xmlns:a="http://schemas.openxmlformats.org/drawingml/2006/main" xmlns:r="http://schemas.openxmlformats.org/officeDocument/2006/relationships" xmlns:p="http://schemas.openxmlformats.org/presentationml/2006/main">
+  <p:cSld>
+    <p:spTree>
+      <p:nvGrpSpPr>
+        <p:cNvPr id="1" name=""/>
+        <p:cNvGrpSpPr/>
+        <p:nvPr/>
+      </p:nvGrpSpPr>
+      <p:grpSpPr>
+        <a:xfrm>
+          <a:off x="0" y="0"/>
+          <a:ext cx="0" cy="0"/>
+          <a:chOff x="0" y="0"/>
+          <a:chExt cx="0" cy="0"/>
+        </a:xfrm>
+      </p:grpSpPr>
+      <p:sp>
+        <p:nvSpPr>
+          <p:cNvPr id="2" name="Slide Image Placeholder 1"/>
+          <p:cNvSpPr>
+            <a:spLocks noGrp="1" noRot="1" noChangeAspect="1"/>
+          </p:cNvSpPr>
+          <p:nvPr>
+            <p:ph type="sldImg"/>
+          </p:nvPr>
+        </p:nvSpPr>
+        <p:spPr/>
+      </p:sp>
+      <p:sp>
+        <p:nvSpPr>
+          <p:cNvPr id="3" name="Notes Placeholder 2"/>
+          <p:cNvSpPr>
+            <a:spLocks noGrp="1"/>
+          </p:cNvSpPr>
+          <p:nvPr>
+            <p:ph type="body" idx="1"/>
+          </p:nvPr>
+        </p:nvSpPr>
+        <p:spPr/>
+        <p:txBody>
+          <a:bodyPr/>
+          <a:lstStyle/>
+          <a:p>
+            <a:pPr lvl="0" indent="0" marL="0">
+              <a:buNone/>
+            </a:pPr>
+            <a:r>
+              <a:rPr/>
+              <a:t>Speaker notes: This code converts the height to a missing value, but keeps the original data.</a:t>
+            </a:r>
+          </a:p>
+          <a:p>
+            <a:pPr lvl="0" indent="0" marL="0">
+              <a:buNone/>
+            </a:pPr>
+          </a:p>
+          <a:p>
+            <a:pPr lvl="0" indent="0" marL="0">
+              <a:buNone/>
+            </a:pPr>
+            <a:r>
+              <a:rPr/>
+              <a:t>There is no one method that is preferred in this setting. If you encounter an unusual value, you should discuss it with your research team, investigate the original data sources, if possible, and review any procedures for handling unusual data values that might be specified in your research protocol.</a:t>
+            </a:r>
+          </a:p>
+          <a:p>
+            <a:pPr lvl="0" indent="0" marL="0">
+              <a:buNone/>
+            </a:pPr>
+          </a:p>
+          <a:p>
+            <a:pPr lvl="0" indent="0" marL="0">
+              <a:buNone/>
+            </a:pPr>
+            <a:r>
+              <a:rPr/>
+              <a:t>Your data set may arrive with missing values in it already. Data might be designated as missing for a variety of reasons (lab result lost, value below the limit of detection, patient refused to answer this question) and how you handle missing values is way beyond the scope of this class. Just remember to tread cautiously around missing values as they are a minefield.</a:t>
+            </a:r>
+          </a:p>
+          <a:p>
+            <a:pPr lvl="0" indent="0" marL="0">
+              <a:buNone/>
+            </a:pPr>
+          </a:p>
+          <a:p>
+            <a:pPr lvl="0" indent="0" marL="0">
+              <a:buNone/>
+            </a:pPr>
+            <a:r>
+              <a:rPr/>
+              <a:t>Notice that I store the revised data sets with the row removed and with the 29.5 replaced by a missing value in different data frames. This is good programming practice. If you ever have to make a destructive change to your data set (a change that wipes out one or more values or a change that is difficult to undo), it is good form to store the new results in a fresh spot. That way, if you get cold feet, you can easily backtrack.</a:t>
+            </a:r>
+          </a:p>
+          <a:p>
+            <a:pPr lvl="0" indent="0" marL="0">
+              <a:buNone/>
+            </a:pPr>
+          </a:p>
+          <a:p>
+            <a:pPr lvl="0" indent="0" marL="0">
+              <a:buNone/>
+            </a:pPr>
+            <a:r>
+              <a:rPr/>
+              <a:t>We’ll use the data set with the 29.5 changed to a missing value for all of the remaining analyses of this data set.</a:t>
+            </a:r>
+          </a:p>
+        </p:txBody>
+      </p:sp>
+      <p:sp>
+        <p:nvSpPr>
+          <p:cNvPr id="4" name="Slide Number Placeholder 3"/>
+          <p:cNvSpPr>
+            <a:spLocks noGrp="1"/>
+          </p:cNvSpPr>
+          <p:nvPr>
+            <p:ph type="sldNum" sz="quarter" idx="10"/>
+          </p:nvPr>
+        </p:nvSpPr>
+        <p:spPr/>
+        <p:txBody>
+          <a:bodyPr/>
+          <a:lstStyle/>
+          <a:p>
+            <a:fld id="{18BDFEC3-8487-43E8-A154-7C12CBC1FFF2}" type="slidenum">
+              <a:rPr lang="en-US"/>
+              <a:t>33</a:t>
+            </a:fld>
+            <a:endParaRPr lang="en-US"/>
+          </a:p>
+        </p:txBody>
+      </p:sp>
+    </p:spTree>
+  </p:cSld>
+</p:notes>
+</file>
+
+<file path=ppt/notesSlides/notesSlide15.xml><?xml version="1.0" encoding="utf-8"?>
+<p:notes xmlns:a="http://schemas.openxmlformats.org/drawingml/2006/main" xmlns:r="http://schemas.openxmlformats.org/officeDocument/2006/relationships" xmlns:p="http://schemas.openxmlformats.org/presentationml/2006/main">
+  <p:cSld>
+    <p:spTree>
+      <p:nvGrpSpPr>
+        <p:cNvPr id="1" name=""/>
+        <p:cNvGrpSpPr/>
+        <p:nvPr/>
+      </p:nvGrpSpPr>
+      <p:grpSpPr>
+        <a:xfrm>
+          <a:off x="0" y="0"/>
+          <a:ext cx="0" cy="0"/>
+          <a:chOff x="0" y="0"/>
+          <a:chExt cx="0" cy="0"/>
+        </a:xfrm>
+      </p:grpSpPr>
+      <p:sp>
+        <p:nvSpPr>
+          <p:cNvPr id="2" name="Slide Image Placeholder 1"/>
+          <p:cNvSpPr>
+            <a:spLocks noGrp="1" noRot="1" noChangeAspect="1"/>
+          </p:cNvSpPr>
+          <p:nvPr>
+            <p:ph type="sldImg"/>
+          </p:nvPr>
+        </p:nvSpPr>
+        <p:spPr/>
+      </p:sp>
+      <p:sp>
+        <p:nvSpPr>
+          <p:cNvPr id="3" name="Notes Placeholder 2"/>
+          <p:cNvSpPr>
+            <a:spLocks noGrp="1"/>
+          </p:cNvSpPr>
+          <p:nvPr>
+            <p:ph type="body" idx="1"/>
+          </p:nvPr>
+        </p:nvSpPr>
+        <p:spPr/>
+        <p:txBody>
+          <a:bodyPr/>
+          <a:lstStyle/>
+          <a:p>
+            <a:pPr lvl="0" indent="0" marL="0">
+              <a:buNone/>
+            </a:pPr>
+            <a:r>
+              <a:rPr/>
+              <a:t>Speaker notes: Here’s an important thing to remember about missing values. SAS stores missing value codes as the most extreme legal negative number. This can sometimes lead to surprising and misleading results.</a:t>
+            </a:r>
+          </a:p>
+          <a:p>
+            <a:pPr lvl="0" indent="0" marL="0">
+              <a:buNone/>
+            </a:pPr>
+          </a:p>
+          <a:p>
+            <a:pPr lvl="0" indent="0" marL="0">
+              <a:buNone/>
+            </a:pPr>
+            <a:r>
+              <a:rPr/>
+              <a:t>Every procedure in SAS has its own default approach to missing values and often provides you with one or more alternatives. You have to review this carefully for each and every statistical procedure that you run. If you do data manipulations involving missing values, you have to make sure that the result correctly reflects what you want.</a:t>
+            </a:r>
+          </a:p>
+        </p:txBody>
+      </p:sp>
+      <p:sp>
+        <p:nvSpPr>
+          <p:cNvPr id="4" name="Slide Number Placeholder 3"/>
+          <p:cNvSpPr>
+            <a:spLocks noGrp="1"/>
+          </p:cNvSpPr>
+          <p:nvPr>
+            <p:ph type="sldNum" sz="quarter" idx="10"/>
+          </p:nvPr>
+        </p:nvSpPr>
+        <p:spPr/>
+        <p:txBody>
+          <a:bodyPr/>
+          <a:lstStyle/>
+          <a:p>
+            <a:fld id="{18BDFEC3-8487-43E8-A154-7C12CBC1FFF2}" type="slidenum">
+              <a:rPr lang="en-US"/>
+              <a:t>35</a:t>
+            </a:fld>
+            <a:endParaRPr lang="en-US"/>
+          </a:p>
+        </p:txBody>
+      </p:sp>
+    </p:spTree>
+  </p:cSld>
+</p:notes>
+</file>
+
+<file path=ppt/notesSlides/notesSlide16.xml><?xml version="1.0" encoding="utf-8"?>
+<p:notes xmlns:a="http://schemas.openxmlformats.org/drawingml/2006/main" xmlns:r="http://schemas.openxmlformats.org/officeDocument/2006/relationships" xmlns:p="http://schemas.openxmlformats.org/presentationml/2006/main">
+  <p:cSld>
+    <p:spTree>
+      <p:nvGrpSpPr>
+        <p:cNvPr id="1" name=""/>
+        <p:cNvGrpSpPr/>
+        <p:nvPr/>
+      </p:nvGrpSpPr>
+      <p:grpSpPr>
+        <a:xfrm>
+          <a:off x="0" y="0"/>
+          <a:ext cx="0" cy="0"/>
+          <a:chOff x="0" y="0"/>
+          <a:chExt cx="0" cy="0"/>
+        </a:xfrm>
+      </p:grpSpPr>
+      <p:sp>
+        <p:nvSpPr>
+          <p:cNvPr id="2" name="Slide Image Placeholder 1"/>
+          <p:cNvSpPr>
+            <a:spLocks noGrp="1" noRot="1" noChangeAspect="1"/>
+          </p:cNvSpPr>
+          <p:nvPr>
+            <p:ph type="sldImg"/>
+          </p:nvPr>
+        </p:nvSpPr>
+        <p:spPr/>
+      </p:sp>
+      <p:sp>
+        <p:nvSpPr>
+          <p:cNvPr id="3" name="Notes Placeholder 2"/>
+          <p:cNvSpPr>
+            <a:spLocks noGrp="1"/>
+          </p:cNvSpPr>
+          <p:nvPr>
+            <p:ph type="body" idx="1"/>
+          </p:nvPr>
+        </p:nvSpPr>
+        <p:spPr/>
+        <p:txBody>
+          <a:bodyPr/>
+          <a:lstStyle/>
+          <a:p>
+            <a:pPr lvl="0" indent="0" marL="0">
+              <a:buNone/>
+            </a:pPr>
+            <a:r>
+              <a:rPr/>
+              <a:t>Output: proc print.;</a:t>
+            </a:r>
+          </a:p>
+          <a:p>
+            <a:pPr lvl="0" indent="0" marL="0">
+              <a:buNone/>
+            </a:pPr>
+          </a:p>
+          <a:p>
+            <a:pPr lvl="0" indent="0" marL="0">
+              <a:buNone/>
+            </a:pPr>
+            <a:r>
+              <a:rPr/>
+              <a:t>Speaker notes: This is what your output looks like.</a:t>
+            </a:r>
+          </a:p>
+          <a:p>
+            <a:pPr lvl="0" indent="0" marL="0">
+              <a:buNone/>
+            </a:pPr>
+          </a:p>
+          <a:p>
+            <a:pPr lvl="0" indent="0" marL="0">
+              <a:buNone/>
+            </a:pPr>
+            <a:r>
+              <a:rPr/>
+              <a:t>In order to prevent this from happening, you need to check for missingness before applying any other logic statement.</a:t>
+            </a:r>
+          </a:p>
+        </p:txBody>
+      </p:sp>
+      <p:sp>
+        <p:nvSpPr>
+          <p:cNvPr id="4" name="Slide Number Placeholder 3"/>
+          <p:cNvSpPr>
+            <a:spLocks noGrp="1"/>
+          </p:cNvSpPr>
+          <p:nvPr>
+            <p:ph type="sldNum" sz="quarter" idx="10"/>
+          </p:nvPr>
+        </p:nvSpPr>
+        <p:spPr/>
+        <p:txBody>
+          <a:bodyPr/>
+          <a:lstStyle/>
+          <a:p>
+            <a:fld id="{18BDFEC3-8487-43E8-A154-7C12CBC1FFF2}" type="slidenum">
+              <a:rPr lang="en-US"/>
+              <a:t>36</a:t>
+            </a:fld>
+            <a:endParaRPr lang="en-US"/>
+          </a:p>
+        </p:txBody>
+      </p:sp>
+    </p:spTree>
+  </p:cSld>
+</p:notes>
+</file>
+
+<file path=ppt/notesSlides/notesSlide17.xml><?xml version="1.0" encoding="utf-8"?>
+<p:notes xmlns:a="http://schemas.openxmlformats.org/drawingml/2006/main" xmlns:r="http://schemas.openxmlformats.org/officeDocument/2006/relationships" xmlns:p="http://schemas.openxmlformats.org/presentationml/2006/main">
+  <p:cSld>
+    <p:spTree>
+      <p:nvGrpSpPr>
+        <p:cNvPr id="1" name=""/>
+        <p:cNvGrpSpPr/>
+        <p:nvPr/>
+      </p:nvGrpSpPr>
+      <p:grpSpPr>
+        <a:xfrm>
+          <a:off x="0" y="0"/>
+          <a:ext cx="0" cy="0"/>
+          <a:chOff x="0" y="0"/>
+          <a:chExt cx="0" cy="0"/>
+        </a:xfrm>
+      </p:grpSpPr>
+      <p:sp>
+        <p:nvSpPr>
+          <p:cNvPr id="2" name="Slide Image Placeholder 1"/>
+          <p:cNvSpPr>
+            <a:spLocks noGrp="1" noRot="1" noChangeAspect="1"/>
+          </p:cNvSpPr>
+          <p:nvPr>
+            <p:ph type="sldImg"/>
+          </p:nvPr>
+        </p:nvSpPr>
+        <p:spPr/>
+      </p:sp>
+      <p:sp>
+        <p:nvSpPr>
+          <p:cNvPr id="3" name="Notes Placeholder 2"/>
+          <p:cNvSpPr>
+            <a:spLocks noGrp="1"/>
+          </p:cNvSpPr>
+          <p:nvPr>
+            <p:ph type="body" idx="1"/>
+          </p:nvPr>
+        </p:nvSpPr>
+        <p:spPr/>
+        <p:txBody>
+          <a:bodyPr/>
+          <a:lstStyle/>
+          <a:p>
+            <a:pPr lvl="0" indent="0" marL="0">
+              <a:buNone/>
+            </a:pPr>
+            <a:r>
+              <a:rPr/>
+              <a:t>Speaker notes: If you are concerned at all about missing values (and you should be), ask for the number of missing values in proc means using nmiss.</a:t>
+            </a:r>
+          </a:p>
+        </p:txBody>
+      </p:sp>
+      <p:sp>
+        <p:nvSpPr>
+          <p:cNvPr id="4" name="Slide Number Placeholder 3"/>
+          <p:cNvSpPr>
+            <a:spLocks noGrp="1"/>
+          </p:cNvSpPr>
+          <p:nvPr>
+            <p:ph type="sldNum" sz="quarter" idx="10"/>
+          </p:nvPr>
+        </p:nvSpPr>
+        <p:spPr/>
+        <p:txBody>
+          <a:bodyPr/>
+          <a:lstStyle/>
+          <a:p>
+            <a:fld id="{18BDFEC3-8487-43E8-A154-7C12CBC1FFF2}" type="slidenum">
+              <a:rPr lang="en-US"/>
+              <a:t>38</a:t>
+            </a:fld>
+            <a:endParaRPr lang="en-US"/>
+          </a:p>
+        </p:txBody>
+      </p:sp>
+    </p:spTree>
+  </p:cSld>
+</p:notes>
+</file>
+
+<file path=ppt/notesSlides/notesSlide18.xml><?xml version="1.0" encoding="utf-8"?>
+<p:notes xmlns:a="http://schemas.openxmlformats.org/drawingml/2006/main" xmlns:r="http://schemas.openxmlformats.org/officeDocument/2006/relationships" xmlns:p="http://schemas.openxmlformats.org/presentationml/2006/main">
+  <p:cSld>
+    <p:spTree>
+      <p:nvGrpSpPr>
+        <p:cNvPr id="1" name=""/>
+        <p:cNvGrpSpPr/>
+        <p:nvPr/>
+      </p:nvGrpSpPr>
+      <p:grpSpPr>
+        <a:xfrm>
+          <a:off x="0" y="0"/>
+          <a:ext cx="0" cy="0"/>
+          <a:chOff x="0" y="0"/>
+          <a:chExt cx="0" cy="0"/>
+        </a:xfrm>
+      </p:grpSpPr>
+      <p:sp>
+        <p:nvSpPr>
+          <p:cNvPr id="2" name="Slide Image Placeholder 1"/>
+          <p:cNvSpPr>
+            <a:spLocks noGrp="1" noRot="1" noChangeAspect="1"/>
+          </p:cNvSpPr>
+          <p:nvPr>
+            <p:ph type="sldImg"/>
+          </p:nvPr>
+        </p:nvSpPr>
+        <p:spPr/>
+      </p:sp>
+      <p:sp>
+        <p:nvSpPr>
+          <p:cNvPr id="3" name="Notes Placeholder 2"/>
+          <p:cNvSpPr>
+            <a:spLocks noGrp="1"/>
+          </p:cNvSpPr>
+          <p:nvPr>
+            <p:ph type="body" idx="1"/>
+          </p:nvPr>
+        </p:nvSpPr>
+        <p:spPr/>
+        <p:txBody>
+          <a:bodyPr/>
+          <a:lstStyle/>
+          <a:p>
+            <a:pPr lvl="0" indent="0" marL="0">
+              <a:buNone/>
+            </a:pPr>
+            <a:r>
+              <a:rPr/>
+              <a:t>Output, proc means.</a:t>
+            </a:r>
+          </a:p>
+          <a:p>
+            <a:pPr lvl="0" indent="0" marL="0">
+              <a:buNone/>
+            </a:pPr>
+          </a:p>
+          <a:p>
+            <a:pPr lvl="0" indent="0" marL="0">
+              <a:buNone/>
+            </a:pPr>
+            <a:r>
+              <a:rPr/>
+              <a:t>Speaker notes: This is what your output looks like. Note that your data set has 251 observations and 1 missing value.</a:t>
+            </a:r>
+          </a:p>
+        </p:txBody>
+      </p:sp>
+      <p:sp>
+        <p:nvSpPr>
+          <p:cNvPr id="4" name="Slide Number Placeholder 3"/>
+          <p:cNvSpPr>
+            <a:spLocks noGrp="1"/>
+          </p:cNvSpPr>
+          <p:nvPr>
+            <p:ph type="sldNum" sz="quarter" idx="10"/>
+          </p:nvPr>
+        </p:nvSpPr>
+        <p:spPr/>
+        <p:txBody>
+          <a:bodyPr/>
+          <a:lstStyle/>
+          <a:p>
+            <a:fld id="{18BDFEC3-8487-43E8-A154-7C12CBC1FFF2}" type="slidenum">
+              <a:rPr lang="en-US"/>
+              <a:t>39</a:t>
+            </a:fld>
+            <a:endParaRPr lang="en-US"/>
+          </a:p>
+        </p:txBody>
+      </p:sp>
+    </p:spTree>
+  </p:cSld>
+</p:notes>
+</file>
+
+<file path=ppt/notesSlides/notesSlide19.xml><?xml version="1.0" encoding="utf-8"?>
+<p:notes xmlns:a="http://schemas.openxmlformats.org/drawingml/2006/main" xmlns:r="http://schemas.openxmlformats.org/officeDocument/2006/relationships" xmlns:p="http://schemas.openxmlformats.org/presentationml/2006/main">
+  <p:cSld>
+    <p:spTree>
+      <p:nvGrpSpPr>
+        <p:cNvPr id="1" name=""/>
+        <p:cNvGrpSpPr/>
+        <p:nvPr/>
+      </p:nvGrpSpPr>
+      <p:grpSpPr>
+        <a:xfrm>
+          <a:off x="0" y="0"/>
+          <a:ext cx="0" cy="0"/>
+          <a:chOff x="0" y="0"/>
+          <a:chExt cx="0" cy="0"/>
+        </a:xfrm>
+      </p:grpSpPr>
+      <p:sp>
+        <p:nvSpPr>
+          <p:cNvPr id="2" name="Slide Image Placeholder 1"/>
+          <p:cNvSpPr>
+            <a:spLocks noGrp="1" noRot="1" noChangeAspect="1"/>
+          </p:cNvSpPr>
+          <p:nvPr>
+            <p:ph type="sldImg"/>
+          </p:nvPr>
+        </p:nvSpPr>
+        <p:spPr/>
+      </p:sp>
+      <p:sp>
+        <p:nvSpPr>
+          <p:cNvPr id="3" name="Notes Placeholder 2"/>
+          <p:cNvSpPr>
+            <a:spLocks noGrp="1"/>
+          </p:cNvSpPr>
+          <p:nvPr>
+            <p:ph type="body" idx="1"/>
+          </p:nvPr>
+        </p:nvSpPr>
+        <p:spPr/>
+        <p:txBody>
+          <a:bodyPr/>
+          <a:lstStyle/>
+          <a:p>
+            <a:pPr lvl="0" indent="0" marL="0">
+              <a:buNone/>
+            </a:pPr>
+            <a:r>
+              <a:rPr/>
+              <a:t>Speaker notes: You can do simple transformations like unit conversions in SAS. Create a new dataset with the data statement. Use the set command to tell SAS that you plan to use and modify an existing dataset.</a:t>
+            </a:r>
+          </a:p>
+          <a:p>
+            <a:pPr lvl="0" indent="0" marL="0">
+              <a:buNone/>
+            </a:pPr>
+          </a:p>
+          <a:p>
+            <a:pPr lvl="0" indent="0" marL="0">
+              <a:buNone/>
+            </a:pPr>
+            <a:r>
+              <a:rPr/>
+              <a:t>The conversions done here will turn height and weight into centimeters and kilograms, respectively.</a:t>
+            </a:r>
+          </a:p>
+        </p:txBody>
+      </p:sp>
+      <p:sp>
+        <p:nvSpPr>
+          <p:cNvPr id="4" name="Slide Number Placeholder 3"/>
+          <p:cNvSpPr>
+            <a:spLocks noGrp="1"/>
+          </p:cNvSpPr>
+          <p:nvPr>
+            <p:ph type="sldNum" sz="quarter" idx="10"/>
+          </p:nvPr>
+        </p:nvSpPr>
+        <p:spPr/>
+        <p:txBody>
+          <a:bodyPr/>
+          <a:lstStyle/>
+          <a:p>
+            <a:fld id="{18BDFEC3-8487-43E8-A154-7C12CBC1FFF2}" type="slidenum">
+              <a:rPr lang="en-US"/>
+              <a:t>42</a:t>
             </a:fld>
             <a:endParaRPr lang="en-US"/>
           </a:p>
@@ -626,7 +1776,7 @@
             </a:pPr>
             <a:r>
               <a:rPr/>
-              <a:t>Notes01. You should already be familiar with this. The filename statement tells you where the raw data is stored. The libname statement tells you where SAS will store any permanent datsets. The ods statement tells you that SAS is going to store the results with a particular filename and in pdf format.</a:t>
+              <a:t>Speaker notes: You should already be familiar with this. The filename statement tells you where the raw data is stored. The libname statement tells you where SAS will store any permanent datsets. The ods statement tells you that SAS is going to store the results with a particular filename and in pdf format.</a:t>
             </a:r>
           </a:p>
           <a:p>
@@ -677,6 +1827,910 @@
             <a:fld id="{18BDFEC3-8487-43E8-A154-7C12CBC1FFF2}" type="slidenum">
               <a:rPr lang="en-US"/>
               <a:t>7</a:t>
+            </a:fld>
+            <a:endParaRPr lang="en-US"/>
+          </a:p>
+        </p:txBody>
+      </p:sp>
+    </p:spTree>
+  </p:cSld>
+</p:notes>
+</file>
+
+<file path=ppt/notesSlides/notesSlide20.xml><?xml version="1.0" encoding="utf-8"?>
+<p:notes xmlns:a="http://schemas.openxmlformats.org/drawingml/2006/main" xmlns:r="http://schemas.openxmlformats.org/officeDocument/2006/relationships" xmlns:p="http://schemas.openxmlformats.org/presentationml/2006/main">
+  <p:cSld>
+    <p:spTree>
+      <p:nvGrpSpPr>
+        <p:cNvPr id="1" name=""/>
+        <p:cNvGrpSpPr/>
+        <p:nvPr/>
+      </p:nvGrpSpPr>
+      <p:grpSpPr>
+        <a:xfrm>
+          <a:off x="0" y="0"/>
+          <a:ext cx="0" cy="0"/>
+          <a:chOff x="0" y="0"/>
+          <a:chExt cx="0" cy="0"/>
+        </a:xfrm>
+      </p:grpSpPr>
+      <p:sp>
+        <p:nvSpPr>
+          <p:cNvPr id="2" name="Slide Image Placeholder 1"/>
+          <p:cNvSpPr>
+            <a:spLocks noGrp="1" noRot="1" noChangeAspect="1"/>
+          </p:cNvSpPr>
+          <p:nvPr>
+            <p:ph type="sldImg"/>
+          </p:nvPr>
+        </p:nvSpPr>
+        <p:spPr/>
+      </p:sp>
+      <p:sp>
+        <p:nvSpPr>
+          <p:cNvPr id="3" name="Notes Placeholder 2"/>
+          <p:cNvSpPr>
+            <a:spLocks noGrp="1"/>
+          </p:cNvSpPr>
+          <p:nvPr>
+            <p:ph type="body" idx="1"/>
+          </p:nvPr>
+        </p:nvSpPr>
+        <p:spPr/>
+        <p:txBody>
+          <a:bodyPr/>
+          <a:lstStyle/>
+          <a:p>
+            <a:pPr lvl="0" indent="0" marL="0">
+              <a:buNone/>
+            </a:pPr>
+            <a:r>
+              <a:rPr/>
+              <a:t>Output, proc print.</a:t>
+            </a:r>
+          </a:p>
+          <a:p>
+            <a:pPr lvl="0" indent="0" marL="0">
+              <a:buNone/>
+            </a:pPr>
+          </a:p>
+          <a:p>
+            <a:pPr lvl="0" indent="0" marL="0">
+              <a:buNone/>
+            </a:pPr>
+            <a:r>
+              <a:rPr/>
+              <a:t>Speaker notes: This is your output with measurements both in the original units and metric. Notice that I did not print any more than 10 rows of data.</a:t>
+            </a:r>
+          </a:p>
+        </p:txBody>
+      </p:sp>
+      <p:sp>
+        <p:nvSpPr>
+          <p:cNvPr id="4" name="Slide Number Placeholder 3"/>
+          <p:cNvSpPr>
+            <a:spLocks noGrp="1"/>
+          </p:cNvSpPr>
+          <p:nvPr>
+            <p:ph type="sldNum" sz="quarter" idx="10"/>
+          </p:nvPr>
+        </p:nvSpPr>
+        <p:spPr/>
+        <p:txBody>
+          <a:bodyPr/>
+          <a:lstStyle/>
+          <a:p>
+            <a:fld id="{18BDFEC3-8487-43E8-A154-7C12CBC1FFF2}" type="slidenum">
+              <a:rPr lang="en-US"/>
+              <a:t>43</a:t>
+            </a:fld>
+            <a:endParaRPr lang="en-US"/>
+          </a:p>
+        </p:txBody>
+      </p:sp>
+    </p:spTree>
+  </p:cSld>
+</p:notes>
+</file>
+
+<file path=ppt/notesSlides/notesSlide21.xml><?xml version="1.0" encoding="utf-8"?>
+<p:notes xmlns:a="http://schemas.openxmlformats.org/drawingml/2006/main" xmlns:r="http://schemas.openxmlformats.org/officeDocument/2006/relationships" xmlns:p="http://schemas.openxmlformats.org/presentationml/2006/main">
+  <p:cSld>
+    <p:spTree>
+      <p:nvGrpSpPr>
+        <p:cNvPr id="1" name=""/>
+        <p:cNvGrpSpPr/>
+        <p:nvPr/>
+      </p:nvGrpSpPr>
+      <p:grpSpPr>
+        <a:xfrm>
+          <a:off x="0" y="0"/>
+          <a:ext cx="0" cy="0"/>
+          <a:chOff x="0" y="0"/>
+          <a:chExt cx="0" cy="0"/>
+        </a:xfrm>
+      </p:grpSpPr>
+      <p:sp>
+        <p:nvSpPr>
+          <p:cNvPr id="2" name="Slide Image Placeholder 1"/>
+          <p:cNvSpPr>
+            <a:spLocks noGrp="1" noRot="1" noChangeAspect="1"/>
+          </p:cNvSpPr>
+          <p:nvPr>
+            <p:ph type="sldImg"/>
+          </p:nvPr>
+        </p:nvSpPr>
+        <p:spPr/>
+      </p:sp>
+      <p:sp>
+        <p:nvSpPr>
+          <p:cNvPr id="3" name="Notes Placeholder 2"/>
+          <p:cNvSpPr>
+            <a:spLocks noGrp="1"/>
+          </p:cNvSpPr>
+          <p:nvPr>
+            <p:ph type="body" idx="1"/>
+          </p:nvPr>
+        </p:nvSpPr>
+        <p:spPr/>
+        <p:txBody>
+          <a:bodyPr/>
+          <a:lstStyle/>
+          <a:p>
+            <a:pPr lvl="0" indent="0" marL="0">
+              <a:buNone/>
+            </a:pPr>
+            <a:r>
+              <a:rPr/>
+              <a:t>Speaker notes: Here’s the code to create a histogram with the default option. Generally, it is wise to modify the defaults for any graphic image.</a:t>
+            </a:r>
+          </a:p>
+        </p:txBody>
+      </p:sp>
+      <p:sp>
+        <p:nvSpPr>
+          <p:cNvPr id="4" name="Slide Number Placeholder 3"/>
+          <p:cNvSpPr>
+            <a:spLocks noGrp="1"/>
+          </p:cNvSpPr>
+          <p:nvPr>
+            <p:ph type="sldNum" sz="quarter" idx="10"/>
+          </p:nvPr>
+        </p:nvSpPr>
+        <p:spPr/>
+        <p:txBody>
+          <a:bodyPr/>
+          <a:lstStyle/>
+          <a:p>
+            <a:fld id="{18BDFEC3-8487-43E8-A154-7C12CBC1FFF2}" type="slidenum">
+              <a:rPr lang="en-US"/>
+              <a:t>45</a:t>
+            </a:fld>
+            <a:endParaRPr lang="en-US"/>
+          </a:p>
+        </p:txBody>
+      </p:sp>
+    </p:spTree>
+  </p:cSld>
+</p:notes>
+</file>
+
+<file path=ppt/notesSlides/notesSlide22.xml><?xml version="1.0" encoding="utf-8"?>
+<p:notes xmlns:a="http://schemas.openxmlformats.org/drawingml/2006/main" xmlns:r="http://schemas.openxmlformats.org/officeDocument/2006/relationships" xmlns:p="http://schemas.openxmlformats.org/presentationml/2006/main">
+  <p:cSld>
+    <p:spTree>
+      <p:nvGrpSpPr>
+        <p:cNvPr id="1" name=""/>
+        <p:cNvGrpSpPr/>
+        <p:nvPr/>
+      </p:nvGrpSpPr>
+      <p:grpSpPr>
+        <a:xfrm>
+          <a:off x="0" y="0"/>
+          <a:ext cx="0" cy="0"/>
+          <a:chOff x="0" y="0"/>
+          <a:chExt cx="0" cy="0"/>
+        </a:xfrm>
+      </p:grpSpPr>
+      <p:sp>
+        <p:nvSpPr>
+          <p:cNvPr id="2" name="Slide Image Placeholder 1"/>
+          <p:cNvSpPr>
+            <a:spLocks noGrp="1" noRot="1" noChangeAspect="1"/>
+          </p:cNvSpPr>
+          <p:nvPr>
+            <p:ph type="sldImg"/>
+          </p:nvPr>
+        </p:nvSpPr>
+        <p:spPr/>
+      </p:sp>
+      <p:sp>
+        <p:nvSpPr>
+          <p:cNvPr id="3" name="Notes Placeholder 2"/>
+          <p:cNvSpPr>
+            <a:spLocks noGrp="1"/>
+          </p:cNvSpPr>
+          <p:nvPr>
+            <p:ph type="body" idx="1"/>
+          </p:nvPr>
+        </p:nvSpPr>
+        <p:spPr/>
+        <p:txBody>
+          <a:bodyPr/>
+          <a:lstStyle/>
+          <a:p>
+            <a:pPr lvl="0" indent="0" marL="0">
+              <a:buNone/>
+            </a:pPr>
+            <a:r>
+              <a:rPr/>
+              <a:t>Output, proc sgplot.</a:t>
+            </a:r>
+          </a:p>
+          <a:p>
+            <a:pPr lvl="0" indent="0" marL="0">
+              <a:buNone/>
+            </a:pPr>
+          </a:p>
+          <a:p>
+            <a:pPr lvl="0" indent="0" marL="0">
+              <a:buNone/>
+            </a:pPr>
+            <a:r>
+              <a:rPr/>
+              <a:t>Speaker notes: This is the default histogram.</a:t>
+            </a:r>
+          </a:p>
+        </p:txBody>
+      </p:sp>
+      <p:sp>
+        <p:nvSpPr>
+          <p:cNvPr id="4" name="Slide Number Placeholder 3"/>
+          <p:cNvSpPr>
+            <a:spLocks noGrp="1"/>
+          </p:cNvSpPr>
+          <p:nvPr>
+            <p:ph type="sldNum" sz="quarter" idx="10"/>
+          </p:nvPr>
+        </p:nvSpPr>
+        <p:spPr/>
+        <p:txBody>
+          <a:bodyPr/>
+          <a:lstStyle/>
+          <a:p>
+            <a:fld id="{18BDFEC3-8487-43E8-A154-7C12CBC1FFF2}" type="slidenum">
+              <a:rPr lang="en-US"/>
+              <a:t>46</a:t>
+            </a:fld>
+            <a:endParaRPr lang="en-US"/>
+          </a:p>
+        </p:txBody>
+      </p:sp>
+    </p:spTree>
+  </p:cSld>
+</p:notes>
+</file>
+
+<file path=ppt/notesSlides/notesSlide23.xml><?xml version="1.0" encoding="utf-8"?>
+<p:notes xmlns:a="http://schemas.openxmlformats.org/drawingml/2006/main" xmlns:r="http://schemas.openxmlformats.org/officeDocument/2006/relationships" xmlns:p="http://schemas.openxmlformats.org/presentationml/2006/main">
+  <p:cSld>
+    <p:spTree>
+      <p:nvGrpSpPr>
+        <p:cNvPr id="1" name=""/>
+        <p:cNvGrpSpPr/>
+        <p:nvPr/>
+      </p:nvGrpSpPr>
+      <p:grpSpPr>
+        <a:xfrm>
+          <a:off x="0" y="0"/>
+          <a:ext cx="0" cy="0"/>
+          <a:chOff x="0" y="0"/>
+          <a:chExt cx="0" cy="0"/>
+        </a:xfrm>
+      </p:grpSpPr>
+      <p:sp>
+        <p:nvSpPr>
+          <p:cNvPr id="2" name="Slide Image Placeholder 1"/>
+          <p:cNvSpPr>
+            <a:spLocks noGrp="1" noRot="1" noChangeAspect="1"/>
+          </p:cNvSpPr>
+          <p:nvPr>
+            <p:ph type="sldImg"/>
+          </p:nvPr>
+        </p:nvSpPr>
+        <p:spPr/>
+      </p:sp>
+      <p:sp>
+        <p:nvSpPr>
+          <p:cNvPr id="3" name="Notes Placeholder 2"/>
+          <p:cNvSpPr>
+            <a:spLocks noGrp="1"/>
+          </p:cNvSpPr>
+          <p:nvPr>
+            <p:ph type="body" idx="1"/>
+          </p:nvPr>
+        </p:nvSpPr>
+        <p:spPr/>
+        <p:txBody>
+          <a:bodyPr/>
+          <a:lstStyle/>
+          <a:p>
+            <a:pPr lvl="0" indent="0" marL="0">
+              <a:buNone/>
+            </a:pPr>
+            <a:r>
+              <a:rPr/>
+              <a:t>Speaker notes: Here’s the code to create a histogram with many bars. The first bar is centered at 60, and each bin has a width of 1 inch (plus or minus 0.5 inches)</a:t>
+            </a:r>
+          </a:p>
+        </p:txBody>
+      </p:sp>
+      <p:sp>
+        <p:nvSpPr>
+          <p:cNvPr id="4" name="Slide Number Placeholder 3"/>
+          <p:cNvSpPr>
+            <a:spLocks noGrp="1"/>
+          </p:cNvSpPr>
+          <p:nvPr>
+            <p:ph type="sldNum" sz="quarter" idx="10"/>
+          </p:nvPr>
+        </p:nvSpPr>
+        <p:spPr/>
+        <p:txBody>
+          <a:bodyPr/>
+          <a:lstStyle/>
+          <a:p>
+            <a:fld id="{18BDFEC3-8487-43E8-A154-7C12CBC1FFF2}" type="slidenum">
+              <a:rPr lang="en-US"/>
+              <a:t>48</a:t>
+            </a:fld>
+            <a:endParaRPr lang="en-US"/>
+          </a:p>
+        </p:txBody>
+      </p:sp>
+    </p:spTree>
+  </p:cSld>
+</p:notes>
+</file>
+
+<file path=ppt/notesSlides/notesSlide24.xml><?xml version="1.0" encoding="utf-8"?>
+<p:notes xmlns:a="http://schemas.openxmlformats.org/drawingml/2006/main" xmlns:r="http://schemas.openxmlformats.org/officeDocument/2006/relationships" xmlns:p="http://schemas.openxmlformats.org/presentationml/2006/main">
+  <p:cSld>
+    <p:spTree>
+      <p:nvGrpSpPr>
+        <p:cNvPr id="1" name=""/>
+        <p:cNvGrpSpPr/>
+        <p:nvPr/>
+      </p:nvGrpSpPr>
+      <p:grpSpPr>
+        <a:xfrm>
+          <a:off x="0" y="0"/>
+          <a:ext cx="0" cy="0"/>
+          <a:chOff x="0" y="0"/>
+          <a:chExt cx="0" cy="0"/>
+        </a:xfrm>
+      </p:grpSpPr>
+      <p:sp>
+        <p:nvSpPr>
+          <p:cNvPr id="2" name="Slide Image Placeholder 1"/>
+          <p:cNvSpPr>
+            <a:spLocks noGrp="1" noRot="1" noChangeAspect="1"/>
+          </p:cNvSpPr>
+          <p:nvPr>
+            <p:ph type="sldImg"/>
+          </p:nvPr>
+        </p:nvSpPr>
+        <p:spPr/>
+      </p:sp>
+      <p:sp>
+        <p:nvSpPr>
+          <p:cNvPr id="3" name="Notes Placeholder 2"/>
+          <p:cNvSpPr>
+            <a:spLocks noGrp="1"/>
+          </p:cNvSpPr>
+          <p:nvPr>
+            <p:ph type="body" idx="1"/>
+          </p:nvPr>
+        </p:nvSpPr>
+        <p:spPr/>
+        <p:txBody>
+          <a:bodyPr/>
+          <a:lstStyle/>
+          <a:p>
+            <a:pPr lvl="0" indent="0" marL="0">
+              <a:buNone/>
+            </a:pPr>
+            <a:r>
+              <a:rPr/>
+              <a:t>Output, proc sgplot.</a:t>
+            </a:r>
+          </a:p>
+          <a:p>
+            <a:pPr lvl="0" indent="0" marL="0">
+              <a:buNone/>
+            </a:pPr>
+          </a:p>
+          <a:p>
+            <a:pPr lvl="0" indent="0" marL="0">
+              <a:buNone/>
+            </a:pPr>
+            <a:r>
+              <a:rPr/>
+              <a:t>Speaker notes: This is what you get. You can also go in the opposite direction.</a:t>
+            </a:r>
+          </a:p>
+        </p:txBody>
+      </p:sp>
+      <p:sp>
+        <p:nvSpPr>
+          <p:cNvPr id="4" name="Slide Number Placeholder 3"/>
+          <p:cNvSpPr>
+            <a:spLocks noGrp="1"/>
+          </p:cNvSpPr>
+          <p:nvPr>
+            <p:ph type="sldNum" sz="quarter" idx="10"/>
+          </p:nvPr>
+        </p:nvSpPr>
+        <p:spPr/>
+        <p:txBody>
+          <a:bodyPr/>
+          <a:lstStyle/>
+          <a:p>
+            <a:fld id="{18BDFEC3-8487-43E8-A154-7C12CBC1FFF2}" type="slidenum">
+              <a:rPr lang="en-US"/>
+              <a:t>49</a:t>
+            </a:fld>
+            <a:endParaRPr lang="en-US"/>
+          </a:p>
+        </p:txBody>
+      </p:sp>
+    </p:spTree>
+  </p:cSld>
+</p:notes>
+</file>
+
+<file path=ppt/notesSlides/notesSlide25.xml><?xml version="1.0" encoding="utf-8"?>
+<p:notes xmlns:a="http://schemas.openxmlformats.org/drawingml/2006/main" xmlns:r="http://schemas.openxmlformats.org/officeDocument/2006/relationships" xmlns:p="http://schemas.openxmlformats.org/presentationml/2006/main">
+  <p:cSld>
+    <p:spTree>
+      <p:nvGrpSpPr>
+        <p:cNvPr id="1" name=""/>
+        <p:cNvGrpSpPr/>
+        <p:nvPr/>
+      </p:nvGrpSpPr>
+      <p:grpSpPr>
+        <a:xfrm>
+          <a:off x="0" y="0"/>
+          <a:ext cx="0" cy="0"/>
+          <a:chOff x="0" y="0"/>
+          <a:chExt cx="0" cy="0"/>
+        </a:xfrm>
+      </p:grpSpPr>
+      <p:sp>
+        <p:nvSpPr>
+          <p:cNvPr id="2" name="Slide Image Placeholder 1"/>
+          <p:cNvSpPr>
+            <a:spLocks noGrp="1" noRot="1" noChangeAspect="1"/>
+          </p:cNvSpPr>
+          <p:nvPr>
+            <p:ph type="sldImg"/>
+          </p:nvPr>
+        </p:nvSpPr>
+        <p:spPr/>
+      </p:sp>
+      <p:sp>
+        <p:nvSpPr>
+          <p:cNvPr id="3" name="Notes Placeholder 2"/>
+          <p:cNvSpPr>
+            <a:spLocks noGrp="1"/>
+          </p:cNvSpPr>
+          <p:nvPr>
+            <p:ph type="body" idx="1"/>
+          </p:nvPr>
+        </p:nvSpPr>
+        <p:spPr/>
+        <p:txBody>
+          <a:bodyPr/>
+          <a:lstStyle/>
+          <a:p>
+            <a:pPr lvl="0" indent="0" marL="0">
+              <a:buNone/>
+            </a:pPr>
+            <a:r>
+              <a:rPr/>
+              <a:t>Speaker notes: Here’s the code to create a histogram with few bars. The first bar is again centered at 60, but now each bin has a width of 5 inches (plus or minus 2.5 inches).</a:t>
+            </a:r>
+          </a:p>
+        </p:txBody>
+      </p:sp>
+      <p:sp>
+        <p:nvSpPr>
+          <p:cNvPr id="4" name="Slide Number Placeholder 3"/>
+          <p:cNvSpPr>
+            <a:spLocks noGrp="1"/>
+          </p:cNvSpPr>
+          <p:nvPr>
+            <p:ph type="sldNum" sz="quarter" idx="10"/>
+          </p:nvPr>
+        </p:nvSpPr>
+        <p:spPr/>
+        <p:txBody>
+          <a:bodyPr/>
+          <a:lstStyle/>
+          <a:p>
+            <a:fld id="{18BDFEC3-8487-43E8-A154-7C12CBC1FFF2}" type="slidenum">
+              <a:rPr lang="en-US"/>
+              <a:t>51</a:t>
+            </a:fld>
+            <a:endParaRPr lang="en-US"/>
+          </a:p>
+        </p:txBody>
+      </p:sp>
+    </p:spTree>
+  </p:cSld>
+</p:notes>
+</file>
+
+<file path=ppt/notesSlides/notesSlide26.xml><?xml version="1.0" encoding="utf-8"?>
+<p:notes xmlns:a="http://schemas.openxmlformats.org/drawingml/2006/main" xmlns:r="http://schemas.openxmlformats.org/officeDocument/2006/relationships" xmlns:p="http://schemas.openxmlformats.org/presentationml/2006/main">
+  <p:cSld>
+    <p:spTree>
+      <p:nvGrpSpPr>
+        <p:cNvPr id="1" name=""/>
+        <p:cNvGrpSpPr/>
+        <p:nvPr/>
+      </p:nvGrpSpPr>
+      <p:grpSpPr>
+        <a:xfrm>
+          <a:off x="0" y="0"/>
+          <a:ext cx="0" cy="0"/>
+          <a:chOff x="0" y="0"/>
+          <a:chExt cx="0" cy="0"/>
+        </a:xfrm>
+      </p:grpSpPr>
+      <p:sp>
+        <p:nvSpPr>
+          <p:cNvPr id="2" name="Slide Image Placeholder 1"/>
+          <p:cNvSpPr>
+            <a:spLocks noGrp="1" noRot="1" noChangeAspect="1"/>
+          </p:cNvSpPr>
+          <p:nvPr>
+            <p:ph type="sldImg"/>
+          </p:nvPr>
+        </p:nvSpPr>
+        <p:spPr/>
+      </p:sp>
+      <p:sp>
+        <p:nvSpPr>
+          <p:cNvPr id="3" name="Notes Placeholder 2"/>
+          <p:cNvSpPr>
+            <a:spLocks noGrp="1"/>
+          </p:cNvSpPr>
+          <p:nvPr>
+            <p:ph type="body" idx="1"/>
+          </p:nvPr>
+        </p:nvSpPr>
+        <p:spPr/>
+        <p:txBody>
+          <a:bodyPr/>
+          <a:lstStyle/>
+          <a:p>
+            <a:pPr lvl="0" indent="0" marL="0">
+              <a:buNone/>
+            </a:pPr>
+            <a:r>
+              <a:rPr/>
+              <a:t>Output, proc sgplot.</a:t>
+            </a:r>
+          </a:p>
+          <a:p>
+            <a:pPr lvl="0" indent="0" marL="0">
+              <a:buNone/>
+            </a:pPr>
+          </a:p>
+          <a:p>
+            <a:pPr lvl="0" indent="0" marL="0">
+              <a:buNone/>
+            </a:pPr>
+            <a:r>
+              <a:rPr/>
+              <a:t>Speaker notes: This is the revised histogram. There is no “correct” version of the histogram. Try several widths and see which one gives the clearest picture of your data.</a:t>
+            </a:r>
+          </a:p>
+        </p:txBody>
+      </p:sp>
+      <p:sp>
+        <p:nvSpPr>
+          <p:cNvPr id="4" name="Slide Number Placeholder 3"/>
+          <p:cNvSpPr>
+            <a:spLocks noGrp="1"/>
+          </p:cNvSpPr>
+          <p:nvPr>
+            <p:ph type="sldNum" sz="quarter" idx="10"/>
+          </p:nvPr>
+        </p:nvSpPr>
+        <p:spPr/>
+        <p:txBody>
+          <a:bodyPr/>
+          <a:lstStyle/>
+          <a:p>
+            <a:fld id="{18BDFEC3-8487-43E8-A154-7C12CBC1FFF2}" type="slidenum">
+              <a:rPr lang="en-US"/>
+              <a:t>52</a:t>
+            </a:fld>
+            <a:endParaRPr lang="en-US"/>
+          </a:p>
+        </p:txBody>
+      </p:sp>
+    </p:spTree>
+  </p:cSld>
+</p:notes>
+</file>
+
+<file path=ppt/notesSlides/notesSlide27.xml><?xml version="1.0" encoding="utf-8"?>
+<p:notes xmlns:a="http://schemas.openxmlformats.org/drawingml/2006/main" xmlns:r="http://schemas.openxmlformats.org/officeDocument/2006/relationships" xmlns:p="http://schemas.openxmlformats.org/presentationml/2006/main">
+  <p:cSld>
+    <p:spTree>
+      <p:nvGrpSpPr>
+        <p:cNvPr id="1" name=""/>
+        <p:cNvGrpSpPr/>
+        <p:nvPr/>
+      </p:nvGrpSpPr>
+      <p:grpSpPr>
+        <a:xfrm>
+          <a:off x="0" y="0"/>
+          <a:ext cx="0" cy="0"/>
+          <a:chOff x="0" y="0"/>
+          <a:chExt cx="0" cy="0"/>
+        </a:xfrm>
+      </p:grpSpPr>
+      <p:sp>
+        <p:nvSpPr>
+          <p:cNvPr id="2" name="Slide Image Placeholder 1"/>
+          <p:cNvSpPr>
+            <a:spLocks noGrp="1" noRot="1" noChangeAspect="1"/>
+          </p:cNvSpPr>
+          <p:nvPr>
+            <p:ph type="sldImg"/>
+          </p:nvPr>
+        </p:nvSpPr>
+        <p:spPr/>
+      </p:sp>
+      <p:sp>
+        <p:nvSpPr>
+          <p:cNvPr id="3" name="Notes Placeholder 2"/>
+          <p:cNvSpPr>
+            <a:spLocks noGrp="1"/>
+          </p:cNvSpPr>
+          <p:nvPr>
+            <p:ph type="body" idx="1"/>
+          </p:nvPr>
+        </p:nvSpPr>
+        <p:spPr/>
+        <p:txBody>
+          <a:bodyPr/>
+          <a:lstStyle/>
+          <a:p>
+            <a:pPr lvl="0" indent="0" marL="0">
+              <a:buNone/>
+            </a:pPr>
+            <a:r>
+              <a:rPr/>
+              <a:t>Speaker notes: Here’s the code to compute correlations.</a:t>
+            </a:r>
+          </a:p>
+        </p:txBody>
+      </p:sp>
+      <p:sp>
+        <p:nvSpPr>
+          <p:cNvPr id="4" name="Slide Number Placeholder 3"/>
+          <p:cNvSpPr>
+            <a:spLocks noGrp="1"/>
+          </p:cNvSpPr>
+          <p:nvPr>
+            <p:ph type="sldNum" sz="quarter" idx="10"/>
+          </p:nvPr>
+        </p:nvSpPr>
+        <p:spPr/>
+        <p:txBody>
+          <a:bodyPr/>
+          <a:lstStyle/>
+          <a:p>
+            <a:fld id="{18BDFEC3-8487-43E8-A154-7C12CBC1FFF2}" type="slidenum">
+              <a:rPr lang="en-US"/>
+              <a:t>54</a:t>
+            </a:fld>
+            <a:endParaRPr lang="en-US"/>
+          </a:p>
+        </p:txBody>
+      </p:sp>
+    </p:spTree>
+  </p:cSld>
+</p:notes>
+</file>
+
+<file path=ppt/notesSlides/notesSlide28.xml><?xml version="1.0" encoding="utf-8"?>
+<p:notes xmlns:a="http://schemas.openxmlformats.org/drawingml/2006/main" xmlns:r="http://schemas.openxmlformats.org/officeDocument/2006/relationships" xmlns:p="http://schemas.openxmlformats.org/presentationml/2006/main">
+  <p:cSld>
+    <p:spTree>
+      <p:nvGrpSpPr>
+        <p:cNvPr id="1" name=""/>
+        <p:cNvGrpSpPr/>
+        <p:nvPr/>
+      </p:nvGrpSpPr>
+      <p:grpSpPr>
+        <a:xfrm>
+          <a:off x="0" y="0"/>
+          <a:ext cx="0" cy="0"/>
+          <a:chOff x="0" y="0"/>
+          <a:chExt cx="0" cy="0"/>
+        </a:xfrm>
+      </p:grpSpPr>
+      <p:sp>
+        <p:nvSpPr>
+          <p:cNvPr id="2" name="Slide Image Placeholder 1"/>
+          <p:cNvSpPr>
+            <a:spLocks noGrp="1" noRot="1" noChangeAspect="1"/>
+          </p:cNvSpPr>
+          <p:nvPr>
+            <p:ph type="sldImg"/>
+          </p:nvPr>
+        </p:nvSpPr>
+        <p:spPr/>
+      </p:sp>
+      <p:sp>
+        <p:nvSpPr>
+          <p:cNvPr id="3" name="Notes Placeholder 2"/>
+          <p:cNvSpPr>
+            <a:spLocks noGrp="1"/>
+          </p:cNvSpPr>
+          <p:nvPr>
+            <p:ph type="body" idx="1"/>
+          </p:nvPr>
+        </p:nvSpPr>
+        <p:spPr/>
+        <p:txBody>
+          <a:bodyPr/>
+          <a:lstStyle/>
+          <a:p>
+            <a:pPr lvl="0" indent="0" marL="0">
+              <a:buNone/>
+            </a:pPr>
+            <a:r>
+              <a:rPr/>
+              <a:t>Output, proc corr.</a:t>
+            </a:r>
+          </a:p>
+          <a:p>
+            <a:pPr lvl="0" indent="0" marL="0">
+              <a:buNone/>
+            </a:pPr>
+          </a:p>
+          <a:p>
+            <a:pPr lvl="0" indent="0" marL="0">
+              <a:buNone/>
+            </a:pPr>
+            <a:r>
+              <a:rPr/>
+              <a:t>Speaker notes: The output here extends to a fresh page.</a:t>
+            </a:r>
+          </a:p>
+        </p:txBody>
+      </p:sp>
+      <p:sp>
+        <p:nvSpPr>
+          <p:cNvPr id="4" name="Slide Number Placeholder 3"/>
+          <p:cNvSpPr>
+            <a:spLocks noGrp="1"/>
+          </p:cNvSpPr>
+          <p:nvPr>
+            <p:ph type="sldNum" sz="quarter" idx="10"/>
+          </p:nvPr>
+        </p:nvSpPr>
+        <p:spPr/>
+        <p:txBody>
+          <a:bodyPr/>
+          <a:lstStyle/>
+          <a:p>
+            <a:fld id="{18BDFEC3-8487-43E8-A154-7C12CBC1FFF2}" type="slidenum">
+              <a:rPr lang="en-US"/>
+              <a:t>55</a:t>
+            </a:fld>
+            <a:endParaRPr lang="en-US"/>
+          </a:p>
+        </p:txBody>
+      </p:sp>
+    </p:spTree>
+  </p:cSld>
+</p:notes>
+</file>
+
+<file path=ppt/notesSlides/notesSlide29.xml><?xml version="1.0" encoding="utf-8"?>
+<p:notes xmlns:a="http://schemas.openxmlformats.org/drawingml/2006/main" xmlns:r="http://schemas.openxmlformats.org/officeDocument/2006/relationships" xmlns:p="http://schemas.openxmlformats.org/presentationml/2006/main">
+  <p:cSld>
+    <p:spTree>
+      <p:nvGrpSpPr>
+        <p:cNvPr id="1" name=""/>
+        <p:cNvGrpSpPr/>
+        <p:nvPr/>
+      </p:nvGrpSpPr>
+      <p:grpSpPr>
+        <a:xfrm>
+          <a:off x="0" y="0"/>
+          <a:ext cx="0" cy="0"/>
+          <a:chOff x="0" y="0"/>
+          <a:chExt cx="0" cy="0"/>
+        </a:xfrm>
+      </p:grpSpPr>
+      <p:sp>
+        <p:nvSpPr>
+          <p:cNvPr id="2" name="Slide Image Placeholder 1"/>
+          <p:cNvSpPr>
+            <a:spLocks noGrp="1" noRot="1" noChangeAspect="1"/>
+          </p:cNvSpPr>
+          <p:nvPr>
+            <p:ph type="sldImg"/>
+          </p:nvPr>
+        </p:nvSpPr>
+        <p:spPr/>
+      </p:sp>
+      <p:sp>
+        <p:nvSpPr>
+          <p:cNvPr id="3" name="Notes Placeholder 2"/>
+          <p:cNvSpPr>
+            <a:spLocks noGrp="1"/>
+          </p:cNvSpPr>
+          <p:nvPr>
+            <p:ph type="body" idx="1"/>
+          </p:nvPr>
+        </p:nvSpPr>
+        <p:spPr/>
+        <p:txBody>
+          <a:bodyPr/>
+          <a:lstStyle/>
+          <a:p>
+            <a:pPr lvl="0" indent="0" marL="0">
+              <a:buNone/>
+            </a:pPr>
+            <a:r>
+              <a:rPr/>
+              <a:t>Output, proc corr (continued).</a:t>
+            </a:r>
+          </a:p>
+          <a:p>
+            <a:pPr lvl="0" indent="0" marL="0">
+              <a:buNone/>
+            </a:pPr>
+          </a:p>
+          <a:p>
+            <a:pPr lvl="0" indent="0" marL="0">
+              <a:buNone/>
+            </a:pPr>
+            <a:r>
+              <a:rPr/>
+              <a:t>Speaker notes: The output here really annoys me. I want to show something a bit advanced here.</a:t>
+            </a:r>
+          </a:p>
+        </p:txBody>
+      </p:sp>
+      <p:sp>
+        <p:nvSpPr>
+          <p:cNvPr id="4" name="Slide Number Placeholder 3"/>
+          <p:cNvSpPr>
+            <a:spLocks noGrp="1"/>
+          </p:cNvSpPr>
+          <p:nvPr>
+            <p:ph type="sldNum" sz="quarter" idx="10"/>
+          </p:nvPr>
+        </p:nvSpPr>
+        <p:spPr/>
+        <p:txBody>
+          <a:bodyPr/>
+          <a:lstStyle/>
+          <a:p>
+            <a:fld id="{18BDFEC3-8487-43E8-A154-7C12CBC1FFF2}" type="slidenum">
+              <a:rPr lang="en-US"/>
+              <a:t>56</a:t>
             </a:fld>
             <a:endParaRPr lang="en-US"/>
           </a:p>
@@ -736,7 +2790,7 @@
             </a:pPr>
             <a:r>
               <a:rPr/>
-              <a:t>Notes02. This is the code to input all the variables in this data set. It is quite long and does not fit on a single Powerpoint slide.</a:t>
+              <a:t>Speaker notes: This is the code to input all the variables in this data set. It is quite long and does not fit on a single Powerpoint slide.</a:t>
             </a:r>
           </a:p>
         </p:txBody>
@@ -759,6 +2813,924 @@
             <a:fld id="{18BDFEC3-8487-43E8-A154-7C12CBC1FFF2}" type="slidenum">
               <a:rPr lang="en-US"/>
               <a:t>11</a:t>
+            </a:fld>
+            <a:endParaRPr lang="en-US"/>
+          </a:p>
+        </p:txBody>
+      </p:sp>
+    </p:spTree>
+  </p:cSld>
+</p:notes>
+</file>
+
+<file path=ppt/notesSlides/notesSlide30.xml><?xml version="1.0" encoding="utf-8"?>
+<p:notes xmlns:a="http://schemas.openxmlformats.org/drawingml/2006/main" xmlns:r="http://schemas.openxmlformats.org/officeDocument/2006/relationships" xmlns:p="http://schemas.openxmlformats.org/presentationml/2006/main">
+  <p:cSld>
+    <p:spTree>
+      <p:nvGrpSpPr>
+        <p:cNvPr id="1" name=""/>
+        <p:cNvGrpSpPr/>
+        <p:nvPr/>
+      </p:nvGrpSpPr>
+      <p:grpSpPr>
+        <a:xfrm>
+          <a:off x="0" y="0"/>
+          <a:ext cx="0" cy="0"/>
+          <a:chOff x="0" y="0"/>
+          <a:chExt cx="0" cy="0"/>
+        </a:xfrm>
+      </p:grpSpPr>
+      <p:sp>
+        <p:nvSpPr>
+          <p:cNvPr id="2" name="Slide Image Placeholder 1"/>
+          <p:cNvSpPr>
+            <a:spLocks noGrp="1" noRot="1" noChangeAspect="1"/>
+          </p:cNvSpPr>
+          <p:nvPr>
+            <p:ph type="sldImg"/>
+          </p:nvPr>
+        </p:nvSpPr>
+        <p:spPr/>
+      </p:sp>
+      <p:sp>
+        <p:nvSpPr>
+          <p:cNvPr id="3" name="Notes Placeholder 2"/>
+          <p:cNvSpPr>
+            <a:spLocks noGrp="1"/>
+          </p:cNvSpPr>
+          <p:nvPr>
+            <p:ph type="body" idx="1"/>
+          </p:nvPr>
+        </p:nvSpPr>
+        <p:spPr/>
+        <p:txBody>
+          <a:bodyPr/>
+          <a:lstStyle/>
+          <a:p>
+            <a:pPr lvl="0" indent="0" marL="0">
+              <a:buNone/>
+            </a:pPr>
+            <a:r>
+              <a:rPr/>
+              <a:t>Speaker notes: You can save the correlations in a separate data file.</a:t>
+            </a:r>
+          </a:p>
+        </p:txBody>
+      </p:sp>
+      <p:sp>
+        <p:nvSpPr>
+          <p:cNvPr id="4" name="Slide Number Placeholder 3"/>
+          <p:cNvSpPr>
+            <a:spLocks noGrp="1"/>
+          </p:cNvSpPr>
+          <p:nvPr>
+            <p:ph type="sldNum" sz="quarter" idx="10"/>
+          </p:nvPr>
+        </p:nvSpPr>
+        <p:spPr/>
+        <p:txBody>
+          <a:bodyPr/>
+          <a:lstStyle/>
+          <a:p>
+            <a:fld id="{18BDFEC3-8487-43E8-A154-7C12CBC1FFF2}" type="slidenum">
+              <a:rPr lang="en-US"/>
+              <a:t>58</a:t>
+            </a:fld>
+            <a:endParaRPr lang="en-US"/>
+          </a:p>
+        </p:txBody>
+      </p:sp>
+    </p:spTree>
+  </p:cSld>
+</p:notes>
+</file>
+
+<file path=ppt/notesSlides/notesSlide31.xml><?xml version="1.0" encoding="utf-8"?>
+<p:notes xmlns:a="http://schemas.openxmlformats.org/drawingml/2006/main" xmlns:r="http://schemas.openxmlformats.org/officeDocument/2006/relationships" xmlns:p="http://schemas.openxmlformats.org/presentationml/2006/main">
+  <p:cSld>
+    <p:spTree>
+      <p:nvGrpSpPr>
+        <p:cNvPr id="1" name=""/>
+        <p:cNvGrpSpPr/>
+        <p:nvPr/>
+      </p:nvGrpSpPr>
+      <p:grpSpPr>
+        <a:xfrm>
+          <a:off x="0" y="0"/>
+          <a:ext cx="0" cy="0"/>
+          <a:chOff x="0" y="0"/>
+          <a:chExt cx="0" cy="0"/>
+        </a:xfrm>
+      </p:grpSpPr>
+      <p:sp>
+        <p:nvSpPr>
+          <p:cNvPr id="2" name="Slide Image Placeholder 1"/>
+          <p:cNvSpPr>
+            <a:spLocks noGrp="1" noRot="1" noChangeAspect="1"/>
+          </p:cNvSpPr>
+          <p:nvPr>
+            <p:ph type="sldImg"/>
+          </p:nvPr>
+        </p:nvSpPr>
+        <p:spPr/>
+      </p:sp>
+      <p:sp>
+        <p:nvSpPr>
+          <p:cNvPr id="3" name="Notes Placeholder 2"/>
+          <p:cNvSpPr>
+            <a:spLocks noGrp="1"/>
+          </p:cNvSpPr>
+          <p:nvPr>
+            <p:ph type="body" idx="1"/>
+          </p:nvPr>
+        </p:nvSpPr>
+        <p:spPr/>
+        <p:txBody>
+          <a:bodyPr/>
+          <a:lstStyle/>
+          <a:p>
+            <a:pPr lvl="0" indent="0" marL="0">
+              <a:buNone/>
+            </a:pPr>
+            <a:r>
+              <a:rPr/>
+              <a:t>Output, proc print.</a:t>
+            </a:r>
+          </a:p>
+          <a:p>
+            <a:pPr lvl="0" indent="0" marL="0">
+              <a:buNone/>
+            </a:pPr>
+          </a:p>
+          <a:p>
+            <a:pPr lvl="0" indent="0" marL="0">
+              <a:buNone/>
+            </a:pPr>
+            <a:r>
+              <a:rPr/>
+              <a:t>Speaker notes: Continues on the next slide.</a:t>
+            </a:r>
+          </a:p>
+        </p:txBody>
+      </p:sp>
+      <p:sp>
+        <p:nvSpPr>
+          <p:cNvPr id="4" name="Slide Number Placeholder 3"/>
+          <p:cNvSpPr>
+            <a:spLocks noGrp="1"/>
+          </p:cNvSpPr>
+          <p:nvPr>
+            <p:ph type="sldNum" sz="quarter" idx="10"/>
+          </p:nvPr>
+        </p:nvSpPr>
+        <p:spPr/>
+        <p:txBody>
+          <a:bodyPr/>
+          <a:lstStyle/>
+          <a:p>
+            <a:fld id="{18BDFEC3-8487-43E8-A154-7C12CBC1FFF2}" type="slidenum">
+              <a:rPr lang="en-US"/>
+              <a:t>59</a:t>
+            </a:fld>
+            <a:endParaRPr lang="en-US"/>
+          </a:p>
+        </p:txBody>
+      </p:sp>
+    </p:spTree>
+  </p:cSld>
+</p:notes>
+</file>
+
+<file path=ppt/notesSlides/notesSlide32.xml><?xml version="1.0" encoding="utf-8"?>
+<p:notes xmlns:a="http://schemas.openxmlformats.org/drawingml/2006/main" xmlns:r="http://schemas.openxmlformats.org/officeDocument/2006/relationships" xmlns:p="http://schemas.openxmlformats.org/presentationml/2006/main">
+  <p:cSld>
+    <p:spTree>
+      <p:nvGrpSpPr>
+        <p:cNvPr id="1" name=""/>
+        <p:cNvGrpSpPr/>
+        <p:nvPr/>
+      </p:nvGrpSpPr>
+      <p:grpSpPr>
+        <a:xfrm>
+          <a:off x="0" y="0"/>
+          <a:ext cx="0" cy="0"/>
+          <a:chOff x="0" y="0"/>
+          <a:chExt cx="0" cy="0"/>
+        </a:xfrm>
+      </p:grpSpPr>
+      <p:sp>
+        <p:nvSpPr>
+          <p:cNvPr id="2" name="Slide Image Placeholder 1"/>
+          <p:cNvSpPr>
+            <a:spLocks noGrp="1" noRot="1" noChangeAspect="1"/>
+          </p:cNvSpPr>
+          <p:nvPr>
+            <p:ph type="sldImg"/>
+          </p:nvPr>
+        </p:nvSpPr>
+        <p:spPr/>
+      </p:sp>
+      <p:sp>
+        <p:nvSpPr>
+          <p:cNvPr id="3" name="Notes Placeholder 2"/>
+          <p:cNvSpPr>
+            <a:spLocks noGrp="1"/>
+          </p:cNvSpPr>
+          <p:nvPr>
+            <p:ph type="body" idx="1"/>
+          </p:nvPr>
+        </p:nvSpPr>
+        <p:spPr/>
+        <p:txBody>
+          <a:bodyPr/>
+          <a:lstStyle/>
+          <a:p>
+            <a:pPr lvl="0" indent="0" marL="0">
+              <a:buNone/>
+            </a:pPr>
+            <a:r>
+              <a:rPr/>
+              <a:t>Output, proc print (continued).</a:t>
+            </a:r>
+          </a:p>
+          <a:p>
+            <a:pPr lvl="0" indent="0" marL="0">
+              <a:buNone/>
+            </a:pPr>
+          </a:p>
+          <a:p>
+            <a:pPr lvl="0" indent="0" marL="0">
+              <a:buNone/>
+            </a:pPr>
+            <a:r>
+              <a:rPr/>
+              <a:t>Speaker notes: The output is a bit unusual because SAS wants to include means and standard deviations in your output. You can and should remove this. It would be easy enough to do (use the where statement), but I wanted to show you the full data set.</a:t>
+            </a:r>
+          </a:p>
+        </p:txBody>
+      </p:sp>
+      <p:sp>
+        <p:nvSpPr>
+          <p:cNvPr id="4" name="Slide Number Placeholder 3"/>
+          <p:cNvSpPr>
+            <a:spLocks noGrp="1"/>
+          </p:cNvSpPr>
+          <p:nvPr>
+            <p:ph type="sldNum" sz="quarter" idx="10"/>
+          </p:nvPr>
+        </p:nvSpPr>
+        <p:spPr/>
+        <p:txBody>
+          <a:bodyPr/>
+          <a:lstStyle/>
+          <a:p>
+            <a:fld id="{18BDFEC3-8487-43E8-A154-7C12CBC1FFF2}" type="slidenum">
+              <a:rPr lang="en-US"/>
+              <a:t>60</a:t>
+            </a:fld>
+            <a:endParaRPr lang="en-US"/>
+          </a:p>
+        </p:txBody>
+      </p:sp>
+    </p:spTree>
+  </p:cSld>
+</p:notes>
+</file>
+
+<file path=ppt/notesSlides/notesSlide33.xml><?xml version="1.0" encoding="utf-8"?>
+<p:notes xmlns:a="http://schemas.openxmlformats.org/drawingml/2006/main" xmlns:r="http://schemas.openxmlformats.org/officeDocument/2006/relationships" xmlns:p="http://schemas.openxmlformats.org/presentationml/2006/main">
+  <p:cSld>
+    <p:spTree>
+      <p:nvGrpSpPr>
+        <p:cNvPr id="1" name=""/>
+        <p:cNvGrpSpPr/>
+        <p:nvPr/>
+      </p:nvGrpSpPr>
+      <p:grpSpPr>
+        <a:xfrm>
+          <a:off x="0" y="0"/>
+          <a:ext cx="0" cy="0"/>
+          <a:chOff x="0" y="0"/>
+          <a:chExt cx="0" cy="0"/>
+        </a:xfrm>
+      </p:grpSpPr>
+      <p:sp>
+        <p:nvSpPr>
+          <p:cNvPr id="2" name="Slide Image Placeholder 1"/>
+          <p:cNvSpPr>
+            <a:spLocks noGrp="1" noRot="1" noChangeAspect="1"/>
+          </p:cNvSpPr>
+          <p:nvPr>
+            <p:ph type="sldImg"/>
+          </p:nvPr>
+        </p:nvSpPr>
+        <p:spPr/>
+      </p:sp>
+      <p:sp>
+        <p:nvSpPr>
+          <p:cNvPr id="3" name="Notes Placeholder 2"/>
+          <p:cNvSpPr>
+            <a:spLocks noGrp="1"/>
+          </p:cNvSpPr>
+          <p:nvPr>
+            <p:ph type="body" idx="1"/>
+          </p:nvPr>
+        </p:nvSpPr>
+        <p:spPr/>
+        <p:txBody>
+          <a:bodyPr/>
+          <a:lstStyle/>
+          <a:p>
+            <a:pPr lvl="0" indent="0" marL="0">
+              <a:buNone/>
+            </a:pPr>
+            <a:r>
+              <a:rPr/>
+              <a:t>Speaker notes: Saving as a data file allows you to manipulate the individual correlations. Here we multiply the correlations by 100, round them, and sort them. This can often simplify the interpretation of large correlation matrices.</a:t>
+            </a:r>
+          </a:p>
+          <a:p>
+            <a:pPr lvl="0" indent="0" marL="0">
+              <a:buNone/>
+            </a:pPr>
+          </a:p>
+          <a:p>
+            <a:pPr lvl="0" indent="0" marL="0">
+              <a:buNone/>
+            </a:pPr>
+            <a:r>
+              <a:rPr/>
+              <a:t>This code does the reordering and printing</a:t>
+            </a:r>
+          </a:p>
+        </p:txBody>
+      </p:sp>
+      <p:sp>
+        <p:nvSpPr>
+          <p:cNvPr id="4" name="Slide Number Placeholder 3"/>
+          <p:cNvSpPr>
+            <a:spLocks noGrp="1"/>
+          </p:cNvSpPr>
+          <p:nvPr>
+            <p:ph type="sldNum" sz="quarter" idx="10"/>
+          </p:nvPr>
+        </p:nvSpPr>
+        <p:spPr/>
+        <p:txBody>
+          <a:bodyPr/>
+          <a:lstStyle/>
+          <a:p>
+            <a:fld id="{18BDFEC3-8487-43E8-A154-7C12CBC1FFF2}" type="slidenum">
+              <a:rPr lang="en-US"/>
+              <a:t>62</a:t>
+            </a:fld>
+            <a:endParaRPr lang="en-US"/>
+          </a:p>
+        </p:txBody>
+      </p:sp>
+    </p:spTree>
+  </p:cSld>
+</p:notes>
+</file>
+
+<file path=ppt/notesSlides/notesSlide34.xml><?xml version="1.0" encoding="utf-8"?>
+<p:notes xmlns:a="http://schemas.openxmlformats.org/drawingml/2006/main" xmlns:r="http://schemas.openxmlformats.org/officeDocument/2006/relationships" xmlns:p="http://schemas.openxmlformats.org/presentationml/2006/main">
+  <p:cSld>
+    <p:spTree>
+      <p:nvGrpSpPr>
+        <p:cNvPr id="1" name=""/>
+        <p:cNvGrpSpPr/>
+        <p:nvPr/>
+      </p:nvGrpSpPr>
+      <p:grpSpPr>
+        <a:xfrm>
+          <a:off x="0" y="0"/>
+          <a:ext cx="0" cy="0"/>
+          <a:chOff x="0" y="0"/>
+          <a:chExt cx="0" cy="0"/>
+        </a:xfrm>
+      </p:grpSpPr>
+      <p:sp>
+        <p:nvSpPr>
+          <p:cNvPr id="2" name="Slide Image Placeholder 1"/>
+          <p:cNvSpPr>
+            <a:spLocks noGrp="1" noRot="1" noChangeAspect="1"/>
+          </p:cNvSpPr>
+          <p:nvPr>
+            <p:ph type="sldImg"/>
+          </p:nvPr>
+        </p:nvSpPr>
+        <p:spPr/>
+      </p:sp>
+      <p:sp>
+        <p:nvSpPr>
+          <p:cNvPr id="3" name="Notes Placeholder 2"/>
+          <p:cNvSpPr>
+            <a:spLocks noGrp="1"/>
+          </p:cNvSpPr>
+          <p:nvPr>
+            <p:ph type="body" idx="1"/>
+          </p:nvPr>
+        </p:nvSpPr>
+        <p:spPr/>
+        <p:txBody>
+          <a:bodyPr/>
+          <a:lstStyle/>
+          <a:p>
+            <a:pPr lvl="0" indent="0" marL="0">
+              <a:buNone/>
+            </a:pPr>
+            <a:r>
+              <a:rPr/>
+              <a:t>Speaker notes: Just to help visualize things, let’s print the file before we modify it.</a:t>
+            </a:r>
+          </a:p>
+        </p:txBody>
+      </p:sp>
+      <p:sp>
+        <p:nvSpPr>
+          <p:cNvPr id="4" name="Slide Number Placeholder 3"/>
+          <p:cNvSpPr>
+            <a:spLocks noGrp="1"/>
+          </p:cNvSpPr>
+          <p:nvPr>
+            <p:ph type="sldNum" sz="quarter" idx="10"/>
+          </p:nvPr>
+        </p:nvSpPr>
+        <p:spPr/>
+        <p:txBody>
+          <a:bodyPr/>
+          <a:lstStyle/>
+          <a:p>
+            <a:fld id="{18BDFEC3-8487-43E8-A154-7C12CBC1FFF2}" type="slidenum">
+              <a:rPr lang="en-US"/>
+              <a:t>64</a:t>
+            </a:fld>
+            <a:endParaRPr lang="en-US"/>
+          </a:p>
+        </p:txBody>
+      </p:sp>
+    </p:spTree>
+  </p:cSld>
+</p:notes>
+</file>
+
+<file path=ppt/notesSlides/notesSlide35.xml><?xml version="1.0" encoding="utf-8"?>
+<p:notes xmlns:a="http://schemas.openxmlformats.org/drawingml/2006/main" xmlns:r="http://schemas.openxmlformats.org/officeDocument/2006/relationships" xmlns:p="http://schemas.openxmlformats.org/presentationml/2006/main">
+  <p:cSld>
+    <p:spTree>
+      <p:nvGrpSpPr>
+        <p:cNvPr id="1" name=""/>
+        <p:cNvGrpSpPr/>
+        <p:nvPr/>
+      </p:nvGrpSpPr>
+      <p:grpSpPr>
+        <a:xfrm>
+          <a:off x="0" y="0"/>
+          <a:ext cx="0" cy="0"/>
+          <a:chOff x="0" y="0"/>
+          <a:chExt cx="0" cy="0"/>
+        </a:xfrm>
+      </p:grpSpPr>
+      <p:sp>
+        <p:nvSpPr>
+          <p:cNvPr id="2" name="Slide Image Placeholder 1"/>
+          <p:cNvSpPr>
+            <a:spLocks noGrp="1" noRot="1" noChangeAspect="1"/>
+          </p:cNvSpPr>
+          <p:nvPr>
+            <p:ph type="sldImg"/>
+          </p:nvPr>
+        </p:nvSpPr>
+        <p:spPr/>
+      </p:sp>
+      <p:sp>
+        <p:nvSpPr>
+          <p:cNvPr id="3" name="Notes Placeholder 2"/>
+          <p:cNvSpPr>
+            <a:spLocks noGrp="1"/>
+          </p:cNvSpPr>
+          <p:nvPr>
+            <p:ph type="body" idx="1"/>
+          </p:nvPr>
+        </p:nvSpPr>
+        <p:spPr/>
+        <p:txBody>
+          <a:bodyPr/>
+          <a:lstStyle/>
+          <a:p>
+            <a:pPr lvl="0" indent="0" marL="0">
+              <a:buNone/>
+            </a:pPr>
+            <a:r>
+              <a:rPr/>
+              <a:t>Output, proc print.</a:t>
+            </a:r>
+          </a:p>
+          <a:p>
+            <a:pPr lvl="0" indent="0" marL="0">
+              <a:buNone/>
+            </a:pPr>
+          </a:p>
+          <a:p>
+            <a:pPr lvl="0" indent="0" marL="0">
+              <a:buNone/>
+            </a:pPr>
+            <a:r>
+              <a:rPr/>
+              <a:t>Speaker notes: This is the output. You can see that measurements at the extremities are poor predictors of body fat. Apparently, we grow fat from the middle outward.</a:t>
+            </a:r>
+          </a:p>
+        </p:txBody>
+      </p:sp>
+      <p:sp>
+        <p:nvSpPr>
+          <p:cNvPr id="4" name="Slide Number Placeholder 3"/>
+          <p:cNvSpPr>
+            <a:spLocks noGrp="1"/>
+          </p:cNvSpPr>
+          <p:nvPr>
+            <p:ph type="sldNum" sz="quarter" idx="10"/>
+          </p:nvPr>
+        </p:nvSpPr>
+        <p:spPr/>
+        <p:txBody>
+          <a:bodyPr/>
+          <a:lstStyle/>
+          <a:p>
+            <a:fld id="{18BDFEC3-8487-43E8-A154-7C12CBC1FFF2}" type="slidenum">
+              <a:rPr lang="en-US"/>
+              <a:t>65</a:t>
+            </a:fld>
+            <a:endParaRPr lang="en-US"/>
+          </a:p>
+        </p:txBody>
+      </p:sp>
+    </p:spTree>
+  </p:cSld>
+</p:notes>
+</file>
+
+<file path=ppt/notesSlides/notesSlide36.xml><?xml version="1.0" encoding="utf-8"?>
+<p:notes xmlns:a="http://schemas.openxmlformats.org/drawingml/2006/main" xmlns:r="http://schemas.openxmlformats.org/officeDocument/2006/relationships" xmlns:p="http://schemas.openxmlformats.org/presentationml/2006/main">
+  <p:cSld>
+    <p:spTree>
+      <p:nvGrpSpPr>
+        <p:cNvPr id="1" name=""/>
+        <p:cNvGrpSpPr/>
+        <p:nvPr/>
+      </p:nvGrpSpPr>
+      <p:grpSpPr>
+        <a:xfrm>
+          <a:off x="0" y="0"/>
+          <a:ext cx="0" cy="0"/>
+          <a:chOff x="0" y="0"/>
+          <a:chExt cx="0" cy="0"/>
+        </a:xfrm>
+      </p:grpSpPr>
+      <p:sp>
+        <p:nvSpPr>
+          <p:cNvPr id="2" name="Slide Image Placeholder 1"/>
+          <p:cNvSpPr>
+            <a:spLocks noGrp="1" noRot="1" noChangeAspect="1"/>
+          </p:cNvSpPr>
+          <p:nvPr>
+            <p:ph type="sldImg"/>
+          </p:nvPr>
+        </p:nvSpPr>
+        <p:spPr/>
+      </p:sp>
+      <p:sp>
+        <p:nvSpPr>
+          <p:cNvPr id="3" name="Notes Placeholder 2"/>
+          <p:cNvSpPr>
+            <a:spLocks noGrp="1"/>
+          </p:cNvSpPr>
+          <p:nvPr>
+            <p:ph type="body" idx="1"/>
+          </p:nvPr>
+        </p:nvSpPr>
+        <p:spPr/>
+        <p:txBody>
+          <a:bodyPr/>
+          <a:lstStyle/>
+          <a:p>
+            <a:pPr lvl="0" indent="0" marL="0">
+              <a:buNone/>
+            </a:pPr>
+            <a:r>
+              <a:rPr/>
+              <a:t>Speaker notes: A scatterplot is also useful for examining the relationship among variables. You can produce scatterplots several different ways, but the scatterplots produced by the sgplot procedure have the most flexibility.</a:t>
+            </a:r>
+          </a:p>
+        </p:txBody>
+      </p:sp>
+      <p:sp>
+        <p:nvSpPr>
+          <p:cNvPr id="4" name="Slide Number Placeholder 3"/>
+          <p:cNvSpPr>
+            <a:spLocks noGrp="1"/>
+          </p:cNvSpPr>
+          <p:nvPr>
+            <p:ph type="sldNum" sz="quarter" idx="10"/>
+          </p:nvPr>
+        </p:nvSpPr>
+        <p:spPr/>
+        <p:txBody>
+          <a:bodyPr/>
+          <a:lstStyle/>
+          <a:p>
+            <a:fld id="{18BDFEC3-8487-43E8-A154-7C12CBC1FFF2}" type="slidenum">
+              <a:rPr lang="en-US"/>
+              <a:t>67</a:t>
+            </a:fld>
+            <a:endParaRPr lang="en-US"/>
+          </a:p>
+        </p:txBody>
+      </p:sp>
+    </p:spTree>
+  </p:cSld>
+</p:notes>
+</file>
+
+<file path=ppt/notesSlides/notesSlide37.xml><?xml version="1.0" encoding="utf-8"?>
+<p:notes xmlns:a="http://schemas.openxmlformats.org/drawingml/2006/main" xmlns:r="http://schemas.openxmlformats.org/officeDocument/2006/relationships" xmlns:p="http://schemas.openxmlformats.org/presentationml/2006/main">
+  <p:cSld>
+    <p:spTree>
+      <p:nvGrpSpPr>
+        <p:cNvPr id="1" name=""/>
+        <p:cNvGrpSpPr/>
+        <p:nvPr/>
+      </p:nvGrpSpPr>
+      <p:grpSpPr>
+        <a:xfrm>
+          <a:off x="0" y="0"/>
+          <a:ext cx="0" cy="0"/>
+          <a:chOff x="0" y="0"/>
+          <a:chExt cx="0" cy="0"/>
+        </a:xfrm>
+      </p:grpSpPr>
+      <p:sp>
+        <p:nvSpPr>
+          <p:cNvPr id="2" name="Slide Image Placeholder 1"/>
+          <p:cNvSpPr>
+            <a:spLocks noGrp="1" noRot="1" noChangeAspect="1"/>
+          </p:cNvSpPr>
+          <p:nvPr>
+            <p:ph type="sldImg"/>
+          </p:nvPr>
+        </p:nvSpPr>
+        <p:spPr/>
+      </p:sp>
+      <p:sp>
+        <p:nvSpPr>
+          <p:cNvPr id="3" name="Notes Placeholder 2"/>
+          <p:cNvSpPr>
+            <a:spLocks noGrp="1"/>
+          </p:cNvSpPr>
+          <p:nvPr>
+            <p:ph type="body" idx="1"/>
+          </p:nvPr>
+        </p:nvSpPr>
+        <p:spPr/>
+        <p:txBody>
+          <a:bodyPr/>
+          <a:lstStyle/>
+          <a:p>
+            <a:pPr lvl="0" indent="0" marL="0">
+              <a:buNone/>
+            </a:pPr>
+            <a:r>
+              <a:rPr/>
+              <a:t>Output, proc sgplot.;</a:t>
+            </a:r>
+          </a:p>
+          <a:p>
+            <a:pPr lvl="0" indent="0" marL="0">
+              <a:buNone/>
+            </a:pPr>
+          </a:p>
+          <a:p>
+            <a:pPr lvl="0" indent="0" marL="0">
+              <a:buNone/>
+            </a:pPr>
+            <a:r>
+              <a:rPr/>
+              <a:t>Speaker notes: This plot shows a general upward trend.</a:t>
+            </a:r>
+          </a:p>
+        </p:txBody>
+      </p:sp>
+      <p:sp>
+        <p:nvSpPr>
+          <p:cNvPr id="4" name="Slide Number Placeholder 3"/>
+          <p:cNvSpPr>
+            <a:spLocks noGrp="1"/>
+          </p:cNvSpPr>
+          <p:nvPr>
+            <p:ph type="sldNum" sz="quarter" idx="10"/>
+          </p:nvPr>
+        </p:nvSpPr>
+        <p:spPr/>
+        <p:txBody>
+          <a:bodyPr/>
+          <a:lstStyle/>
+          <a:p>
+            <a:fld id="{18BDFEC3-8487-43E8-A154-7C12CBC1FFF2}" type="slidenum">
+              <a:rPr lang="en-US"/>
+              <a:t>68</a:t>
+            </a:fld>
+            <a:endParaRPr lang="en-US"/>
+          </a:p>
+        </p:txBody>
+      </p:sp>
+    </p:spTree>
+  </p:cSld>
+</p:notes>
+</file>
+
+<file path=ppt/notesSlides/notesSlide38.xml><?xml version="1.0" encoding="utf-8"?>
+<p:notes xmlns:a="http://schemas.openxmlformats.org/drawingml/2006/main" xmlns:r="http://schemas.openxmlformats.org/officeDocument/2006/relationships" xmlns:p="http://schemas.openxmlformats.org/presentationml/2006/main">
+  <p:cSld>
+    <p:spTree>
+      <p:nvGrpSpPr>
+        <p:cNvPr id="1" name=""/>
+        <p:cNvGrpSpPr/>
+        <p:nvPr/>
+      </p:nvGrpSpPr>
+      <p:grpSpPr>
+        <a:xfrm>
+          <a:off x="0" y="0"/>
+          <a:ext cx="0" cy="0"/>
+          <a:chOff x="0" y="0"/>
+          <a:chExt cx="0" cy="0"/>
+        </a:xfrm>
+      </p:grpSpPr>
+      <p:sp>
+        <p:nvSpPr>
+          <p:cNvPr id="2" name="Slide Image Placeholder 1"/>
+          <p:cNvSpPr>
+            <a:spLocks noGrp="1" noRot="1" noChangeAspect="1"/>
+          </p:cNvSpPr>
+          <p:nvPr>
+            <p:ph type="sldImg"/>
+          </p:nvPr>
+        </p:nvSpPr>
+        <p:spPr/>
+      </p:sp>
+      <p:sp>
+        <p:nvSpPr>
+          <p:cNvPr id="3" name="Notes Placeholder 2"/>
+          <p:cNvSpPr>
+            <a:spLocks noGrp="1"/>
+          </p:cNvSpPr>
+          <p:nvPr>
+            <p:ph type="body" idx="1"/>
+          </p:nvPr>
+        </p:nvSpPr>
+        <p:spPr/>
+        <p:txBody>
+          <a:bodyPr/>
+          <a:lstStyle/>
+          <a:p>
+            <a:pPr lvl="0" indent="0" marL="0">
+              <a:buNone/>
+            </a:pPr>
+            <a:r>
+              <a:rPr/>
+              <a:t>Speaker notes: The trend line is very useful for large and noisy data sets. It also allows you to more quickly visualize extreme values.;</a:t>
+            </a:r>
+          </a:p>
+          <a:p>
+            <a:pPr lvl="0" indent="0" marL="0">
+              <a:buNone/>
+            </a:pPr>
+          </a:p>
+          <a:p>
+            <a:pPr lvl="0" indent="0" marL="0">
+              <a:buNone/>
+            </a:pPr>
+            <a:r>
+              <a:rPr/>
+              <a:t>Notice that there is no title1. When you leave this out, SAS will pull the title1 used in the previous procedure, if it is available. This allows you to repeat the top line title across broad sections of your program.</a:t>
+            </a:r>
+          </a:p>
+        </p:txBody>
+      </p:sp>
+      <p:sp>
+        <p:nvSpPr>
+          <p:cNvPr id="4" name="Slide Number Placeholder 3"/>
+          <p:cNvSpPr>
+            <a:spLocks noGrp="1"/>
+          </p:cNvSpPr>
+          <p:nvPr>
+            <p:ph type="sldNum" sz="quarter" idx="10"/>
+          </p:nvPr>
+        </p:nvSpPr>
+        <p:spPr/>
+        <p:txBody>
+          <a:bodyPr/>
+          <a:lstStyle/>
+          <a:p>
+            <a:fld id="{18BDFEC3-8487-43E8-A154-7C12CBC1FFF2}" type="slidenum">
+              <a:rPr lang="en-US"/>
+              <a:t>70</a:t>
+            </a:fld>
+            <a:endParaRPr lang="en-US"/>
+          </a:p>
+        </p:txBody>
+      </p:sp>
+    </p:spTree>
+  </p:cSld>
+</p:notes>
+</file>
+
+<file path=ppt/notesSlides/notesSlide39.xml><?xml version="1.0" encoding="utf-8"?>
+<p:notes xmlns:a="http://schemas.openxmlformats.org/drawingml/2006/main" xmlns:r="http://schemas.openxmlformats.org/officeDocument/2006/relationships" xmlns:p="http://schemas.openxmlformats.org/presentationml/2006/main">
+  <p:cSld>
+    <p:spTree>
+      <p:nvGrpSpPr>
+        <p:cNvPr id="1" name=""/>
+        <p:cNvGrpSpPr/>
+        <p:nvPr/>
+      </p:nvGrpSpPr>
+      <p:grpSpPr>
+        <a:xfrm>
+          <a:off x="0" y="0"/>
+          <a:ext cx="0" cy="0"/>
+          <a:chOff x="0" y="0"/>
+          <a:chExt cx="0" cy="0"/>
+        </a:xfrm>
+      </p:grpSpPr>
+      <p:sp>
+        <p:nvSpPr>
+          <p:cNvPr id="2" name="Slide Image Placeholder 1"/>
+          <p:cNvSpPr>
+            <a:spLocks noGrp="1" noRot="1" noChangeAspect="1"/>
+          </p:cNvSpPr>
+          <p:nvPr>
+            <p:ph type="sldImg"/>
+          </p:nvPr>
+        </p:nvSpPr>
+        <p:spPr/>
+      </p:sp>
+      <p:sp>
+        <p:nvSpPr>
+          <p:cNvPr id="3" name="Notes Placeholder 2"/>
+          <p:cNvSpPr>
+            <a:spLocks noGrp="1"/>
+          </p:cNvSpPr>
+          <p:nvPr>
+            <p:ph type="body" idx="1"/>
+          </p:nvPr>
+        </p:nvSpPr>
+        <p:spPr/>
+        <p:txBody>
+          <a:bodyPr/>
+          <a:lstStyle/>
+          <a:p>
+            <a:pPr lvl="0" indent="0" marL="0">
+              <a:buNone/>
+            </a:pPr>
+            <a:r>
+              <a:rPr/>
+              <a:t>Output, proc sgplot.</a:t>
+            </a:r>
+          </a:p>
+          <a:p>
+            <a:pPr lvl="0" indent="0" marL="0">
+              <a:buNone/>
+            </a:pPr>
+          </a:p>
+          <a:p>
+            <a:pPr lvl="0" indent="0" marL="0">
+              <a:buNone/>
+            </a:pPr>
+            <a:r>
+              <a:rPr/>
+              <a:t>Speaker notes: Notice, for example, that the person with the largest abdomen measure (the biggest gut, if I can be informal) is quite out of line with what you might expect the relationship to be.</a:t>
+            </a:r>
+          </a:p>
+        </p:txBody>
+      </p:sp>
+      <p:sp>
+        <p:nvSpPr>
+          <p:cNvPr id="4" name="Slide Number Placeholder 3"/>
+          <p:cNvSpPr>
+            <a:spLocks noGrp="1"/>
+          </p:cNvSpPr>
+          <p:nvPr>
+            <p:ph type="sldNum" sz="quarter" idx="10"/>
+          </p:nvPr>
+        </p:nvSpPr>
+        <p:spPr/>
+        <p:txBody>
+          <a:bodyPr/>
+          <a:lstStyle/>
+          <a:p>
+            <a:fld id="{18BDFEC3-8487-43E8-A154-7C12CBC1FFF2}" type="slidenum">
+              <a:rPr lang="en-US"/>
+              <a:t>71</a:t>
             </a:fld>
             <a:endParaRPr lang="en-US"/>
           </a:p>
@@ -818,7 +3790,7 @@
             </a:pPr>
             <a:r>
               <a:rPr/>
-              <a:t>Notes03. SAS offers an opportunity for you to add documentation to your program about individual variables. These are called variable labels. They have almost no restrictions. You can use blanks, or special symbols like a dollar sign or a dash. The documentation that variable labels provide is mostly internal, but these labels are substituted in a few places like some graphs.</a:t>
+              <a:t>Speaker notes: SAS offers an opportunity for you to add documentation to your program about individual variables. These are called variable labels. They have almost no restrictions. You can use blanks, or special symbols like a dollar sign or a dash. The documentation that variable labels provide is mostly internal, but these labels are substituted in a few places like some graphs.</a:t>
             </a:r>
           </a:p>
           <a:p>
@@ -942,7 +3914,7 @@
             </a:pPr>
             <a:r>
               <a:rPr/>
-              <a:t>Notes04. It’s always a good idea to print out a small piece of your data to make sure everything is okay.</a:t>
+              <a:t>Speaker notes: It’s always a good idea to print out a small piece of your data to make sure everything is okay.</a:t>
             </a:r>
           </a:p>
           <a:p>
@@ -1108,7 +4080,19 @@
             </a:pPr>
             <a:r>
               <a:rPr/>
-              <a:t>Output, page 1. There are no obvious problems with this dataset.</a:t>
+              <a:t>Output: proc print.</a:t>
+            </a:r>
+          </a:p>
+          <a:p>
+            <a:pPr lvl="0" indent="0" marL="0">
+              <a:buNone/>
+            </a:pPr>
+          </a:p>
+          <a:p>
+            <a:pPr lvl="0"/>
+            <a:r>
+              <a:rPr/>
+              <a:t>Speaker notes: There are no obvious problems with this dataset.</a:t>
             </a:r>
           </a:p>
         </p:txBody>
@@ -1190,7 +4174,7 @@
             </a:pPr>
             <a:r>
               <a:rPr/>
-              <a:t>Notes05. The means procedure will produce descriptive statistics for your data. By default, it will produce the count of non-missing values, the mean, the standard deviation, and the minimum and maximum values, but I am listing them explicitly here, just for show.</a:t>
+              <a:t>Speaker notes. The means procedure will produce descriptive statistics for your data. By default, it will produce the count of non-missing values, the mean, the standard deviation, and the minimum and maximum values, but I am listing them explicitly here, just for show.</a:t>
             </a:r>
           </a:p>
           <a:p>
@@ -1286,7 +4270,19 @@
             </a:pPr>
             <a:r>
               <a:rPr/>
-              <a:t>Output, page 2. This is what your output looks like.</a:t>
+              <a:t>Output: proc means.</a:t>
+            </a:r>
+          </a:p>
+          <a:p>
+            <a:pPr lvl="0" indent="0" marL="0">
+              <a:buNone/>
+            </a:pPr>
+          </a:p>
+          <a:p>
+            <a:pPr lvl="0"/>
+            <a:r>
+              <a:rPr/>
+              <a:t>Speaker notes: This is what your output looks like.</a:t>
             </a:r>
           </a:p>
           <a:p>
@@ -1323,6 +4319,130 @@
             <a:fld id="{18BDFEC3-8487-43E8-A154-7C12CBC1FFF2}" type="slidenum">
               <a:rPr lang="en-US"/>
               <a:t>21</a:t>
+            </a:fld>
+            <a:endParaRPr lang="en-US"/>
+          </a:p>
+        </p:txBody>
+      </p:sp>
+    </p:spTree>
+  </p:cSld>
+</p:notes>
+</file>
+
+<file path=ppt/notesSlides/notesSlide9.xml><?xml version="1.0" encoding="utf-8"?>
+<p:notes xmlns:a="http://schemas.openxmlformats.org/drawingml/2006/main" xmlns:r="http://schemas.openxmlformats.org/officeDocument/2006/relationships" xmlns:p="http://schemas.openxmlformats.org/presentationml/2006/main">
+  <p:cSld>
+    <p:spTree>
+      <p:nvGrpSpPr>
+        <p:cNvPr id="1" name=""/>
+        <p:cNvGrpSpPr/>
+        <p:nvPr/>
+      </p:nvGrpSpPr>
+      <p:grpSpPr>
+        <a:xfrm>
+          <a:off x="0" y="0"/>
+          <a:ext cx="0" cy="0"/>
+          <a:chOff x="0" y="0"/>
+          <a:chExt cx="0" cy="0"/>
+        </a:xfrm>
+      </p:grpSpPr>
+      <p:sp>
+        <p:nvSpPr>
+          <p:cNvPr id="2" name="Slide Image Placeholder 1"/>
+          <p:cNvSpPr>
+            <a:spLocks noGrp="1" noRot="1" noChangeAspect="1"/>
+          </p:cNvSpPr>
+          <p:nvPr>
+            <p:ph type="sldImg"/>
+          </p:nvPr>
+        </p:nvSpPr>
+        <p:spPr/>
+      </p:sp>
+      <p:sp>
+        <p:nvSpPr>
+          <p:cNvPr id="3" name="Notes Placeholder 2"/>
+          <p:cNvSpPr>
+            <a:spLocks noGrp="1"/>
+          </p:cNvSpPr>
+          <p:nvPr>
+            <p:ph type="body" idx="1"/>
+          </p:nvPr>
+        </p:nvSpPr>
+        <p:spPr/>
+        <p:txBody>
+          <a:bodyPr/>
+          <a:lstStyle/>
+          <a:p>
+            <a:pPr lvl="0" indent="0" marL="0">
+              <a:buNone/>
+            </a:pPr>
+            <a:r>
+              <a:rPr/>
+              <a:t>Speaker notes. First, let’s look at this value in the context of the other values in this row of data.</a:t>
+            </a:r>
+          </a:p>
+          <a:p>
+            <a:pPr lvl="0" indent="0" marL="0">
+              <a:buNone/>
+            </a:pPr>
+          </a:p>
+          <a:p>
+            <a:pPr lvl="0" indent="0" marL="0">
+              <a:buNone/>
+            </a:pPr>
+            <a:r>
+              <a:rPr/>
+              <a:t>You do this by sorting the data so that the shortest subject becomes the first row of the data and the tallest subject becomes the last. Then print just the very first row of your data.</a:t>
+            </a:r>
+          </a:p>
+          <a:p>
+            <a:pPr lvl="0" indent="0" marL="0">
+              <a:buNone/>
+            </a:pPr>
+          </a:p>
+          <a:p>
+            <a:pPr lvl="0" indent="0" marL="0">
+              <a:buNone/>
+            </a:pPr>
+            <a:r>
+              <a:rPr/>
+              <a:t>Warning! Be careful about sorting your data if you can’t get the data easily back to the original order. It might be okay, but there are times when you’d like your data all the way back and that means data in the original order. This data set has a case variable that you can resort by in order to get back ot the original order.</a:t>
+            </a:r>
+          </a:p>
+          <a:p>
+            <a:pPr lvl="0" indent="0" marL="0">
+              <a:buNone/>
+            </a:pPr>
+          </a:p>
+          <a:p>
+            <a:pPr lvl="0" indent="0" marL="0">
+              <a:buNone/>
+            </a:pPr>
+            <a:r>
+              <a:rPr/>
+              <a:t>If you don’t have a case variable, store the sorted data in a separate location: something along the lines of proc sort data=x out=y.</a:t>
+            </a:r>
+          </a:p>
+        </p:txBody>
+      </p:sp>
+      <p:sp>
+        <p:nvSpPr>
+          <p:cNvPr id="4" name="Slide Number Placeholder 3"/>
+          <p:cNvSpPr>
+            <a:spLocks noGrp="1"/>
+          </p:cNvSpPr>
+          <p:nvPr>
+            <p:ph type="sldNum" sz="quarter" idx="10"/>
+          </p:nvPr>
+        </p:nvSpPr>
+        <p:spPr/>
+        <p:txBody>
+          <a:bodyPr/>
+          <a:lstStyle/>
+          <a:p>
+            <a:fld id="{18BDFEC3-8487-43E8-A154-7C12CBC1FFF2}" type="slidenum">
+              <a:rPr lang="en-US"/>
+              <a:t>24</a:t>
             </a:fld>
             <a:endParaRPr lang="en-US"/>
           </a:p>
@@ -4429,7 +7549,7 @@
             </a:pPr>
             <a:r>
               <a:rPr/>
-              <a:t>SAS Code: Part02. Read in your data</a:t>
+              <a:t>SAS Code: Part03. Read in your data</a:t>
             </a:r>
           </a:p>
         </p:txBody>
@@ -4512,7 +7632,7 @@
             </a:pPr>
             <a:r>
               <a:rPr/>
-              <a:t>SAS Code: Part02. Read in your data</a:t>
+              <a:t>SAS Code: Part03. Read in your data</a:t>
             </a:r>
           </a:p>
         </p:txBody>
@@ -4641,7 +7761,7 @@
             </a:pPr>
             <a:r>
               <a:rPr/>
-              <a:t>SAS Code: Part03. Add variable labels</a:t>
+              <a:t>SAS Code: Part04. Add variable labels</a:t>
             </a:r>
           </a:p>
         </p:txBody>
@@ -4723,7 +7843,7 @@
             </a:pPr>
             <a:r>
               <a:rPr/>
-              <a:t>SAS Code: Part03. Add variable labels</a:t>
+              <a:t>SAS Code: Part04. Add variable labels</a:t>
             </a:r>
           </a:p>
         </p:txBody>
@@ -4805,7 +7925,7 @@
             </a:pPr>
             <a:r>
               <a:rPr/>
-              <a:t>SAS Code: Part03. Add variable labels</a:t>
+              <a:t>SAS Code: Part04. Add variable labels</a:t>
             </a:r>
           </a:p>
         </p:txBody>
@@ -4934,7 +8054,7 @@
             </a:pPr>
             <a:r>
               <a:rPr/>
-              <a:t>SAS Code: Part04. Print a small piece of the data</a:t>
+              <a:t>SAS Code: Part05. Print a small piece of the data</a:t>
             </a:r>
           </a:p>
         </p:txBody>
@@ -5015,7 +8135,7 @@
             </a:pPr>
             <a:r>
               <a:rPr/>
-              <a:t>SAS output: Part04. Print a small piece of the data</a:t>
+              <a:t>SAS output: Part05. Print a small piece of the data</a:t>
             </a:r>
           </a:p>
         </p:txBody>
@@ -5040,7 +8160,7 @@
             </a:pPr>
             <a:r>
               <a:rPr/>
-              <a:t>Figure 20</a:t>
+              <a:t>Figure 01</a:t>
             </a:r>
           </a:p>
         </p:txBody>
@@ -5159,7 +8279,7 @@
             </a:pPr>
             <a:r>
               <a:rPr/>
-              <a:t>1, 0, 2, 1, 0, 2, 1, 0, 0, 0, 2, 1, 0, 0, 0, 2, 1, 0, 2, 4, 1, 0, 2, 4, 1, 0, 0, 2, 4, 1, 0, 0, 2, 4, 1, 0, 2, 1, 0, 2, 1, 0, 2, 4, 1, 0, 2, 4, 1, 0, 0, 2, 4, 1, 0, 2, 4, 1, 0, 2, 4, 1, 0, 2, 4, 1, 0, 2, 4, 4, 1, 0, 2, 4, 4, 1, 0, 2, 1, 0, 2, 4, 1, 0, 2, 4, 1, 0, 2, 4, 1, 0, 2, 4, 1</a:t>
+              <a:t>1, 0, 2, 1, 0, 2, 1, 0, 0, 0, 2, 1, 0, 0, 0, 2, 1, 0, 2, 4, 1, 0, 2, 4, 1, 0, 0, 2, 4, 2, 1, 0, 0, 2, 4, 2, 1, 0, 2, 1, 0, 2, 1, 0, 2, 4, 1, 0, 2, 4, 2, 1, 0, 0, 2, 4, 2, 1, 0, 2, 4, 2, 1, 0, 2, 4, 2, 1, 0, 2, 4, 2, 1, 0, 2, 4, 2, 4, 2, 1, 0, 2, 4, 2, 4, 2, 1, 0, 2, 1, 0, 2, 4, 2, 1, 0, 2, 4, 2, 1, 0, 2, 4, 2, 1, 0, 2, 4, 2</a:t>
             </a:r>
           </a:p>
         </p:txBody>
@@ -5206,7 +8326,7 @@
             </a:pPr>
             <a:r>
               <a:rPr/>
-              <a:t>SAS Code: Part05. Calculate simple statistics for ht</a:t>
+              <a:t>SAS Code: Part06. Calculate simple statistics for ht</a:t>
             </a:r>
           </a:p>
         </p:txBody>
@@ -5288,7 +8408,7 @@
             </a:pPr>
             <a:r>
               <a:rPr/>
-              <a:t>SAS output: Part05. Calculate simple statistics for ht</a:t>
+              <a:t>SAS output: Part06. Calculate simple statistics for ht</a:t>
             </a:r>
           </a:p>
         </p:txBody>
@@ -5313,7 +8433,563 @@
             </a:pPr>
             <a:r>
               <a:rPr/>
-              <a:t>Figure 24</a:t>
+              <a:t>Figure 02</a:t>
+            </a:r>
+          </a:p>
+        </p:txBody>
+      </p:sp>
+    </p:spTree>
+  </p:cSld>
+</p:sld>
+</file>
+
+<file path=ppt/slides/slide22.xml><?xml version="1.0" encoding="utf-8"?>
+<p:sld xmlns:a="http://schemas.openxmlformats.org/drawingml/2006/main" xmlns:r="http://schemas.openxmlformats.org/officeDocument/2006/relationships" xmlns:p="http://schemas.openxmlformats.org/presentationml/2006/main">
+  <p:cSld>
+    <p:spTree>
+      <p:nvGrpSpPr>
+        <p:cNvPr id="1" name=""/>
+        <p:cNvGrpSpPr/>
+        <p:nvPr/>
+      </p:nvGrpSpPr>
+      <p:grpSpPr>
+        <a:xfrm>
+          <a:off x="0" y="0"/>
+          <a:ext cx="0" cy="0"/>
+          <a:chOff x="0" y="0"/>
+          <a:chExt cx="0" cy="0"/>
+        </a:xfrm>
+      </p:grpSpPr>
+      <p:sp>
+        <p:nvSpPr>
+          <p:cNvPr id="2" name="Title 1"/>
+          <p:cNvSpPr>
+            <a:spLocks noGrp="1"/>
+          </p:cNvSpPr>
+          <p:nvPr>
+            <p:ph type="title"/>
+          </p:nvPr>
+        </p:nvSpPr>
+        <p:spPr/>
+        <p:txBody>
+          <a:bodyPr/>
+          <a:lstStyle/>
+          <a:p>
+            <a:pPr lvl="0" indent="0" marL="0">
+              <a:buNone/>
+            </a:pPr>
+            <a:r>
+              <a:rPr/>
+              <a:t>Chunk 7</a:t>
+            </a:r>
+          </a:p>
+        </p:txBody>
+      </p:sp>
+    </p:spTree>
+  </p:cSld>
+</p:sld>
+</file>
+
+<file path=ppt/slides/slide23.xml><?xml version="1.0" encoding="utf-8"?>
+<p:sld xmlns:a="http://schemas.openxmlformats.org/drawingml/2006/main" xmlns:r="http://schemas.openxmlformats.org/officeDocument/2006/relationships" xmlns:p="http://schemas.openxmlformats.org/presentationml/2006/main">
+  <p:cSld>
+    <p:spTree>
+      <p:nvGrpSpPr>
+        <p:cNvPr id="1" name=""/>
+        <p:cNvGrpSpPr/>
+        <p:nvPr/>
+      </p:nvGrpSpPr>
+      <p:grpSpPr>
+        <a:xfrm>
+          <a:off x="0" y="0"/>
+          <a:ext cx="0" cy="0"/>
+          <a:chOff x="0" y="0"/>
+          <a:chExt cx="0" cy="0"/>
+        </a:xfrm>
+      </p:grpSpPr>
+      <p:sp>
+        <p:nvSpPr>
+          <p:cNvPr id="2" name="Title 1"/>
+          <p:cNvSpPr>
+            <a:spLocks noGrp="1"/>
+          </p:cNvSpPr>
+          <p:nvPr>
+            <p:ph type="title"/>
+          </p:nvPr>
+        </p:nvSpPr>
+        <p:spPr/>
+        <p:txBody>
+          <a:bodyPr/>
+          <a:lstStyle/>
+          <a:p>
+            <a:pPr lvl="0" indent="0" marL="0">
+              <a:buNone/>
+            </a:pPr>
+            <a:r>
+              <a:rPr/>
+              <a:t>SAS Code: Part07. Look at smallest value</a:t>
+            </a:r>
+          </a:p>
+        </p:txBody>
+      </p:sp>
+      <p:sp>
+        <p:nvSpPr>
+          <p:cNvPr id="3" name="Content Placeholder 2"/>
+          <p:cNvSpPr>
+            <a:spLocks noGrp="1"/>
+          </p:cNvSpPr>
+          <p:nvPr>
+            <p:ph idx="1"/>
+          </p:nvPr>
+        </p:nvSpPr>
+        <p:spPr/>
+        <p:txBody>
+          <a:bodyPr/>
+          <a:lstStyle/>
+          <a:p>
+            <a:pPr lvl="0" indent="0">
+              <a:buNone/>
+            </a:pPr>
+            <a:r>
+              <a:rPr>
+                <a:latin typeface="Courier"/>
+              </a:rPr>
+              <a:t>
+proc sort
+    data=intro.fat;
+  by ht;
+run;
+</a:t>
+            </a:r>
+          </a:p>
+        </p:txBody>
+      </p:sp>
+    </p:spTree>
+  </p:cSld>
+</p:sld>
+</file>
+
+<file path=ppt/slides/slide24.xml><?xml version="1.0" encoding="utf-8"?>
+<p:sld xmlns:a="http://schemas.openxmlformats.org/drawingml/2006/main" xmlns:r="http://schemas.openxmlformats.org/officeDocument/2006/relationships" xmlns:p="http://schemas.openxmlformats.org/presentationml/2006/main">
+  <p:cSld>
+    <p:spTree>
+      <p:nvGrpSpPr>
+        <p:cNvPr id="1" name=""/>
+        <p:cNvGrpSpPr/>
+        <p:nvPr/>
+      </p:nvGrpSpPr>
+      <p:grpSpPr>
+        <a:xfrm>
+          <a:off x="0" y="0"/>
+          <a:ext cx="0" cy="0"/>
+          <a:chOff x="0" y="0"/>
+          <a:chExt cx="0" cy="0"/>
+        </a:xfrm>
+      </p:grpSpPr>
+      <p:sp>
+        <p:nvSpPr>
+          <p:cNvPr id="2" name="Title 1"/>
+          <p:cNvSpPr>
+            <a:spLocks noGrp="1"/>
+          </p:cNvSpPr>
+          <p:nvPr>
+            <p:ph type="title"/>
+          </p:nvPr>
+        </p:nvSpPr>
+        <p:spPr/>
+        <p:txBody>
+          <a:bodyPr/>
+          <a:lstStyle/>
+          <a:p>
+            <a:pPr lvl="0" indent="0" marL="0">
+              <a:buNone/>
+            </a:pPr>
+            <a:r>
+              <a:rPr/>
+              <a:t>SAS Code: Part07. Look at smallest value</a:t>
+            </a:r>
+          </a:p>
+        </p:txBody>
+      </p:sp>
+      <p:sp>
+        <p:nvSpPr>
+          <p:cNvPr id="3" name="Content Placeholder 2"/>
+          <p:cNvSpPr>
+            <a:spLocks noGrp="1"/>
+          </p:cNvSpPr>
+          <p:nvPr>
+            <p:ph idx="1"/>
+          </p:nvPr>
+        </p:nvSpPr>
+        <p:spPr/>
+        <p:txBody>
+          <a:bodyPr/>
+          <a:lstStyle/>
+          <a:p>
+            <a:pPr lvl="0" indent="0">
+              <a:buNone/>
+            </a:pPr>
+            <a:r>
+              <a:rPr>
+                <a:latin typeface="Courier"/>
+              </a:rPr>
+              <a:t>
+proc print
+    data=intro.fat(obs=1);
+  title1 "The row with the smallest ht";
+  title2 "Note the inconsistency with wt";
+run;
+</a:t>
+            </a:r>
+          </a:p>
+        </p:txBody>
+      </p:sp>
+    </p:spTree>
+  </p:cSld>
+</p:sld>
+</file>
+
+<file path=ppt/slides/slide25.xml><?xml version="1.0" encoding="utf-8"?>
+<p:sld xmlns:a="http://schemas.openxmlformats.org/drawingml/2006/main" xmlns:r="http://schemas.openxmlformats.org/officeDocument/2006/relationships" xmlns:p="http://schemas.openxmlformats.org/presentationml/2006/main">
+  <p:cSld>
+    <p:spTree>
+      <p:nvGrpSpPr>
+        <p:cNvPr id="1" name=""/>
+        <p:cNvGrpSpPr/>
+        <p:nvPr/>
+      </p:nvGrpSpPr>
+      <p:grpSpPr>
+        <a:xfrm>
+          <a:off x="0" y="0"/>
+          <a:ext cx="0" cy="0"/>
+          <a:chOff x="0" y="0"/>
+          <a:chExt cx="0" cy="0"/>
+        </a:xfrm>
+      </p:grpSpPr>
+      <p:sp>
+        <p:nvSpPr>
+          <p:cNvPr id="2" name="Title 1"/>
+          <p:cNvSpPr>
+            <a:spLocks noGrp="1"/>
+          </p:cNvSpPr>
+          <p:nvPr>
+            <p:ph type="title"/>
+          </p:nvPr>
+        </p:nvSpPr>
+        <p:spPr/>
+        <p:txBody>
+          <a:bodyPr/>
+          <a:lstStyle/>
+          <a:p>
+            <a:pPr lvl="0" indent="0" marL="0">
+              <a:buNone/>
+            </a:pPr>
+            <a:r>
+              <a:rPr/>
+              <a:t>SAS output: Part07. Look at smallest value</a:t>
+            </a:r>
+          </a:p>
+        </p:txBody>
+      </p:sp>
+      <p:sp>
+        <p:nvSpPr>
+          <p:cNvPr id="3" name="Content Placeholder 2"/>
+          <p:cNvSpPr>
+            <a:spLocks noGrp="1"/>
+          </p:cNvSpPr>
+          <p:nvPr>
+            <p:ph idx="1"/>
+          </p:nvPr>
+        </p:nvSpPr>
+        <p:spPr/>
+        <p:txBody>
+          <a:bodyPr/>
+          <a:lstStyle/>
+          <a:p>
+            <a:pPr lvl="0" indent="0" marL="0">
+              <a:buNone/>
+            </a:pPr>
+            <a:r>
+              <a:rPr/>
+              <a:t>Figure 03</a:t>
+            </a:r>
+          </a:p>
+        </p:txBody>
+      </p:sp>
+    </p:spTree>
+  </p:cSld>
+</p:sld>
+</file>
+
+<file path=ppt/slides/slide26.xml><?xml version="1.0" encoding="utf-8"?>
+<p:sld xmlns:a="http://schemas.openxmlformats.org/drawingml/2006/main" xmlns:r="http://schemas.openxmlformats.org/officeDocument/2006/relationships" xmlns:p="http://schemas.openxmlformats.org/presentationml/2006/main">
+  <p:cSld>
+    <p:spTree>
+      <p:nvGrpSpPr>
+        <p:cNvPr id="1" name=""/>
+        <p:cNvGrpSpPr/>
+        <p:nvPr/>
+      </p:nvGrpSpPr>
+      <p:grpSpPr>
+        <a:xfrm>
+          <a:off x="0" y="0"/>
+          <a:ext cx="0" cy="0"/>
+          <a:chOff x="0" y="0"/>
+          <a:chExt cx="0" cy="0"/>
+        </a:xfrm>
+      </p:grpSpPr>
+      <p:sp>
+        <p:nvSpPr>
+          <p:cNvPr id="2" name="Title 1"/>
+          <p:cNvSpPr>
+            <a:spLocks noGrp="1"/>
+          </p:cNvSpPr>
+          <p:nvPr>
+            <p:ph type="title"/>
+          </p:nvPr>
+        </p:nvSpPr>
+        <p:spPr/>
+        <p:txBody>
+          <a:bodyPr/>
+          <a:lstStyle/>
+          <a:p>
+            <a:pPr lvl="0" indent="0" marL="0">
+              <a:buNone/>
+            </a:pPr>
+            <a:r>
+              <a:rPr/>
+              <a:t>Chunk 8</a:t>
+            </a:r>
+          </a:p>
+        </p:txBody>
+      </p:sp>
+    </p:spTree>
+  </p:cSld>
+</p:sld>
+</file>
+
+<file path=ppt/slides/slide27.xml><?xml version="1.0" encoding="utf-8"?>
+<p:sld xmlns:a="http://schemas.openxmlformats.org/drawingml/2006/main" xmlns:r="http://schemas.openxmlformats.org/officeDocument/2006/relationships" xmlns:p="http://schemas.openxmlformats.org/presentationml/2006/main">
+  <p:cSld>
+    <p:spTree>
+      <p:nvGrpSpPr>
+        <p:cNvPr id="1" name=""/>
+        <p:cNvGrpSpPr/>
+        <p:nvPr/>
+      </p:nvGrpSpPr>
+      <p:grpSpPr>
+        <a:xfrm>
+          <a:off x="0" y="0"/>
+          <a:ext cx="0" cy="0"/>
+          <a:chOff x="0" y="0"/>
+          <a:chExt cx="0" cy="0"/>
+        </a:xfrm>
+      </p:grpSpPr>
+      <p:sp>
+        <p:nvSpPr>
+          <p:cNvPr id="2" name="Title 1"/>
+          <p:cNvSpPr>
+            <a:spLocks noGrp="1"/>
+          </p:cNvSpPr>
+          <p:nvPr>
+            <p:ph type="title"/>
+          </p:nvPr>
+        </p:nvSpPr>
+        <p:spPr/>
+        <p:txBody>
+          <a:bodyPr/>
+          <a:lstStyle/>
+          <a:p>
+            <a:pPr lvl="0" indent="0" marL="0">
+              <a:buNone/>
+            </a:pPr>
+            <a:r>
+              <a:rPr/>
+              <a:t>SAS Code: Part08. Look at the largest value</a:t>
+            </a:r>
+          </a:p>
+        </p:txBody>
+      </p:sp>
+      <p:sp>
+        <p:nvSpPr>
+          <p:cNvPr id="3" name="Content Placeholder 2"/>
+          <p:cNvSpPr>
+            <a:spLocks noGrp="1"/>
+          </p:cNvSpPr>
+          <p:nvPr>
+            <p:ph idx="1"/>
+          </p:nvPr>
+        </p:nvSpPr>
+        <p:spPr/>
+        <p:txBody>
+          <a:bodyPr/>
+          <a:lstStyle/>
+          <a:p>
+            <a:pPr lvl="0" indent="0">
+              <a:buNone/>
+            </a:pPr>
+            <a:r>
+              <a:rPr>
+                <a:latin typeface="Courier"/>
+              </a:rPr>
+              <a:t>
+proc sort
+    data=intro.fat;
+  by descending ht;
+run;
+</a:t>
+            </a:r>
+          </a:p>
+        </p:txBody>
+      </p:sp>
+    </p:spTree>
+  </p:cSld>
+</p:sld>
+</file>
+
+<file path=ppt/slides/slide28.xml><?xml version="1.0" encoding="utf-8"?>
+<p:sld xmlns:a="http://schemas.openxmlformats.org/drawingml/2006/main" xmlns:r="http://schemas.openxmlformats.org/officeDocument/2006/relationships" xmlns:p="http://schemas.openxmlformats.org/presentationml/2006/main">
+  <p:cSld>
+    <p:spTree>
+      <p:nvGrpSpPr>
+        <p:cNvPr id="1" name=""/>
+        <p:cNvGrpSpPr/>
+        <p:nvPr/>
+      </p:nvGrpSpPr>
+      <p:grpSpPr>
+        <a:xfrm>
+          <a:off x="0" y="0"/>
+          <a:ext cx="0" cy="0"/>
+          <a:chOff x="0" y="0"/>
+          <a:chExt cx="0" cy="0"/>
+        </a:xfrm>
+      </p:grpSpPr>
+      <p:sp>
+        <p:nvSpPr>
+          <p:cNvPr id="2" name="Title 1"/>
+          <p:cNvSpPr>
+            <a:spLocks noGrp="1"/>
+          </p:cNvSpPr>
+          <p:nvPr>
+            <p:ph type="title"/>
+          </p:nvPr>
+        </p:nvSpPr>
+        <p:spPr/>
+        <p:txBody>
+          <a:bodyPr/>
+          <a:lstStyle/>
+          <a:p>
+            <a:pPr lvl="0" indent="0" marL="0">
+              <a:buNone/>
+            </a:pPr>
+            <a:r>
+              <a:rPr/>
+              <a:t>SAS Code: Part08. Look at the largest value</a:t>
+            </a:r>
+          </a:p>
+        </p:txBody>
+      </p:sp>
+      <p:sp>
+        <p:nvSpPr>
+          <p:cNvPr id="3" name="Content Placeholder 2"/>
+          <p:cNvSpPr>
+            <a:spLocks noGrp="1"/>
+          </p:cNvSpPr>
+          <p:nvPr>
+            <p:ph idx="1"/>
+          </p:nvPr>
+        </p:nvSpPr>
+        <p:spPr/>
+        <p:txBody>
+          <a:bodyPr/>
+          <a:lstStyle/>
+          <a:p>
+            <a:pPr lvl="0" indent="0">
+              <a:buNone/>
+            </a:pPr>
+            <a:r>
+              <a:rPr>
+                <a:latin typeface="Courier"/>
+              </a:rPr>
+              <a:t>
+proc print
+    data=intro.fat(obs=1);
+  title1 "The row with the largest ht";
+  title2 "This seems quite normal to me";
+run;
+</a:t>
+            </a:r>
+          </a:p>
+        </p:txBody>
+      </p:sp>
+    </p:spTree>
+  </p:cSld>
+</p:sld>
+</file>
+
+<file path=ppt/slides/slide29.xml><?xml version="1.0" encoding="utf-8"?>
+<p:sld xmlns:a="http://schemas.openxmlformats.org/drawingml/2006/main" xmlns:r="http://schemas.openxmlformats.org/officeDocument/2006/relationships" xmlns:p="http://schemas.openxmlformats.org/presentationml/2006/main">
+  <p:cSld>
+    <p:spTree>
+      <p:nvGrpSpPr>
+        <p:cNvPr id="1" name=""/>
+        <p:cNvGrpSpPr/>
+        <p:nvPr/>
+      </p:nvGrpSpPr>
+      <p:grpSpPr>
+        <a:xfrm>
+          <a:off x="0" y="0"/>
+          <a:ext cx="0" cy="0"/>
+          <a:chOff x="0" y="0"/>
+          <a:chExt cx="0" cy="0"/>
+        </a:xfrm>
+      </p:grpSpPr>
+      <p:sp>
+        <p:nvSpPr>
+          <p:cNvPr id="2" name="Title 1"/>
+          <p:cNvSpPr>
+            <a:spLocks noGrp="1"/>
+          </p:cNvSpPr>
+          <p:nvPr>
+            <p:ph type="title"/>
+          </p:nvPr>
+        </p:nvSpPr>
+        <p:spPr/>
+        <p:txBody>
+          <a:bodyPr/>
+          <a:lstStyle/>
+          <a:p>
+            <a:pPr lvl="0" indent="0" marL="0">
+              <a:buNone/>
+            </a:pPr>
+            <a:r>
+              <a:rPr/>
+              <a:t>SAS output: Part08. Look at the largest value</a:t>
+            </a:r>
+          </a:p>
+        </p:txBody>
+      </p:sp>
+      <p:sp>
+        <p:nvSpPr>
+          <p:cNvPr id="3" name="Content Placeholder 2"/>
+          <p:cNvSpPr>
+            <a:spLocks noGrp="1"/>
+          </p:cNvSpPr>
+          <p:nvPr>
+            <p:ph idx="1"/>
+          </p:nvPr>
+        </p:nvSpPr>
+        <p:spPr/>
+        <p:txBody>
+          <a:bodyPr/>
+          <a:lstStyle/>
+          <a:p>
+            <a:pPr lvl="0" indent="0" marL="0">
+              <a:buNone/>
+            </a:pPr>
+            <a:r>
+              <a:rPr/>
+              <a:t>Figure 04</a:t>
             </a:r>
           </a:p>
         </p:txBody>
@@ -5385,7 +9061,693 @@
             </a:pPr>
             <a:r>
               <a:rPr/>
-              <a:t>1, 1, 1, 2, 2, 2, 3, 3, 3, 3, 3, 4, 4, 4, 4, 4, 5, 5, 5, 5, 6, 6, 6, 6, 7, 7, 7, 7, 7, 8, 8, 8, 8, 8, 9, 9, 9, 10, 10, 10, 11, 11, 11, 11, 12, 12, 12, 12, 13, 13, 13, 13, 13, 14, 14, 14, 14, 15, 15, 15, 15, 16, 16, 16, 16, 17, 17, 17, 17, 17, 18, 18, 18, 18, 18, 19, 19, 19, 20, 20, 20, 20, 21, 21, 21, 21, 22, 22, 22, 22, 23, 23, 23, 23, 24</a:t>
+              <a:t>1, 1, 1, 2, 2, 2, 3, 3, 3, 3, 3, 4, 4, 4, 4, 4, 5, 5, 5, 5, 6, 6, 6, 6, 7, 7, 7, 7, 7, 7, 8, 8, 8, 8, 8, 8, 9, 9, 9, 10, 10, 10, 11, 11, 11, 11, 12, 12, 12, 12, 12, 13, 13, 13, 13, 13, 13, 14, 14, 14, 14, 14, 15, 15, 15, 15, 15, 16, 16, 16, 16, 16, 17, 17, 17, 17, 17, 17, 17, 18, 18, 18, 18, 18, 18, 18, 19, 19, 19, 20, 20, 20, 20, 20, 21, 21, 21, 21, 21, 22, 22, 22, 22, 22, 23, 23, 23, 23, 23</a:t>
+            </a:r>
+          </a:p>
+          <a:p>
+            <a:pPr lvl="0" indent="0">
+              <a:buNone/>
+            </a:pPr>
+            <a:r>
+              <a:rPr>
+                <a:latin typeface="Courier"/>
+              </a:rPr>
+              <a:t>i </a:t>
+            </a:r>
+            <a:r>
+              <a:rPr>
+                <a:solidFill>
+                  <a:srgbClr val="007020"/>
+                </a:solidFill>
+                <a:latin typeface="Courier"/>
+              </a:rPr>
+              <a:t>&lt;-</a:t>
+            </a:r>
+            <a:r>
+              <a:rPr>
+                <a:latin typeface="Courier"/>
+              </a:rPr>
+              <a:t> </a:t>
+            </a:r>
+            <a:r>
+              <a:rPr>
+                <a:solidFill>
+                  <a:srgbClr val="40A070"/>
+                </a:solidFill>
+                <a:latin typeface="Courier"/>
+              </a:rPr>
+              <a:t>0</a:t>
+            </a:r>
+          </a:p>
+        </p:txBody>
+      </p:sp>
+    </p:spTree>
+  </p:cSld>
+</p:sld>
+</file>
+
+<file path=ppt/slides/slide30.xml><?xml version="1.0" encoding="utf-8"?>
+<p:sld xmlns:a="http://schemas.openxmlformats.org/drawingml/2006/main" xmlns:r="http://schemas.openxmlformats.org/officeDocument/2006/relationships" xmlns:p="http://schemas.openxmlformats.org/presentationml/2006/main">
+  <p:cSld>
+    <p:spTree>
+      <p:nvGrpSpPr>
+        <p:cNvPr id="1" name=""/>
+        <p:cNvGrpSpPr/>
+        <p:nvPr/>
+      </p:nvGrpSpPr>
+      <p:grpSpPr>
+        <a:xfrm>
+          <a:off x="0" y="0"/>
+          <a:ext cx="0" cy="0"/>
+          <a:chOff x="0" y="0"/>
+          <a:chExt cx="0" cy="0"/>
+        </a:xfrm>
+      </p:grpSpPr>
+      <p:sp>
+        <p:nvSpPr>
+          <p:cNvPr id="2" name="Title 1"/>
+          <p:cNvSpPr>
+            <a:spLocks noGrp="1"/>
+          </p:cNvSpPr>
+          <p:nvPr>
+            <p:ph type="title"/>
+          </p:nvPr>
+        </p:nvSpPr>
+        <p:spPr/>
+        <p:txBody>
+          <a:bodyPr/>
+          <a:lstStyle/>
+          <a:p>
+            <a:pPr lvl="0" indent="0" marL="0">
+              <a:buNone/>
+            </a:pPr>
+            <a:r>
+              <a:rPr/>
+              <a:t>Chunk 9</a:t>
+            </a:r>
+          </a:p>
+        </p:txBody>
+      </p:sp>
+    </p:spTree>
+  </p:cSld>
+</p:sld>
+</file>
+
+<file path=ppt/slides/slide31.xml><?xml version="1.0" encoding="utf-8"?>
+<p:sld xmlns:a="http://schemas.openxmlformats.org/drawingml/2006/main" xmlns:r="http://schemas.openxmlformats.org/officeDocument/2006/relationships" xmlns:p="http://schemas.openxmlformats.org/presentationml/2006/main">
+  <p:cSld>
+    <p:spTree>
+      <p:nvGrpSpPr>
+        <p:cNvPr id="1" name=""/>
+        <p:cNvGrpSpPr/>
+        <p:nvPr/>
+      </p:nvGrpSpPr>
+      <p:grpSpPr>
+        <a:xfrm>
+          <a:off x="0" y="0"/>
+          <a:ext cx="0" cy="0"/>
+          <a:chOff x="0" y="0"/>
+          <a:chExt cx="0" cy="0"/>
+        </a:xfrm>
+      </p:grpSpPr>
+      <p:sp>
+        <p:nvSpPr>
+          <p:cNvPr id="2" name="Title 1"/>
+          <p:cNvSpPr>
+            <a:spLocks noGrp="1"/>
+          </p:cNvSpPr>
+          <p:nvPr>
+            <p:ph type="title"/>
+          </p:nvPr>
+        </p:nvSpPr>
+        <p:spPr/>
+        <p:txBody>
+          <a:bodyPr/>
+          <a:lstStyle/>
+          <a:p>
+            <a:pPr lvl="0" indent="0" marL="0">
+              <a:buNone/>
+            </a:pPr>
+            <a:r>
+              <a:rPr/>
+              <a:t>SAS Code: Part09. Removing the entire row</a:t>
+            </a:r>
+          </a:p>
+        </p:txBody>
+      </p:sp>
+      <p:sp>
+        <p:nvSpPr>
+          <p:cNvPr id="3" name="Content Placeholder 2"/>
+          <p:cNvSpPr>
+            <a:spLocks noGrp="1"/>
+          </p:cNvSpPr>
+          <p:nvPr>
+            <p:ph idx="1"/>
+          </p:nvPr>
+        </p:nvSpPr>
+        <p:spPr/>
+        <p:txBody>
+          <a:bodyPr/>
+          <a:lstStyle/>
+          <a:p>
+            <a:pPr lvl="0" indent="0">
+              <a:buNone/>
+            </a:pPr>
+            <a:r>
+              <a:rPr>
+                <a:latin typeface="Courier"/>
+              </a:rPr>
+              <a:t>
+data intro.fat1;
+  set intro.fat;
+  if ht &gt; 29.5;
+run;
+</a:t>
+            </a:r>
+          </a:p>
+        </p:txBody>
+      </p:sp>
+    </p:spTree>
+  </p:cSld>
+</p:sld>
+</file>
+
+<file path=ppt/slides/slide32.xml><?xml version="1.0" encoding="utf-8"?>
+<p:sld xmlns:a="http://schemas.openxmlformats.org/drawingml/2006/main" xmlns:r="http://schemas.openxmlformats.org/officeDocument/2006/relationships" xmlns:p="http://schemas.openxmlformats.org/presentationml/2006/main">
+  <p:cSld>
+    <p:spTree>
+      <p:nvGrpSpPr>
+        <p:cNvPr id="1" name=""/>
+        <p:cNvGrpSpPr/>
+        <p:nvPr/>
+      </p:nvGrpSpPr>
+      <p:grpSpPr>
+        <a:xfrm>
+          <a:off x="0" y="0"/>
+          <a:ext cx="0" cy="0"/>
+          <a:chOff x="0" y="0"/>
+          <a:chExt cx="0" cy="0"/>
+        </a:xfrm>
+      </p:grpSpPr>
+      <p:sp>
+        <p:nvSpPr>
+          <p:cNvPr id="2" name="Title 1"/>
+          <p:cNvSpPr>
+            <a:spLocks noGrp="1"/>
+          </p:cNvSpPr>
+          <p:nvPr>
+            <p:ph type="title"/>
+          </p:nvPr>
+        </p:nvSpPr>
+        <p:spPr/>
+        <p:txBody>
+          <a:bodyPr/>
+          <a:lstStyle/>
+          <a:p>
+            <a:pPr lvl="0" indent="0" marL="0">
+              <a:buNone/>
+            </a:pPr>
+            <a:r>
+              <a:rPr/>
+              <a:t>Chunk 10</a:t>
+            </a:r>
+          </a:p>
+        </p:txBody>
+      </p:sp>
+    </p:spTree>
+  </p:cSld>
+</p:sld>
+</file>
+
+<file path=ppt/slides/slide33.xml><?xml version="1.0" encoding="utf-8"?>
+<p:sld xmlns:a="http://schemas.openxmlformats.org/drawingml/2006/main" xmlns:r="http://schemas.openxmlformats.org/officeDocument/2006/relationships" xmlns:p="http://schemas.openxmlformats.org/presentationml/2006/main">
+  <p:cSld>
+    <p:spTree>
+      <p:nvGrpSpPr>
+        <p:cNvPr id="1" name=""/>
+        <p:cNvGrpSpPr/>
+        <p:nvPr/>
+      </p:nvGrpSpPr>
+      <p:grpSpPr>
+        <a:xfrm>
+          <a:off x="0" y="0"/>
+          <a:ext cx="0" cy="0"/>
+          <a:chOff x="0" y="0"/>
+          <a:chExt cx="0" cy="0"/>
+        </a:xfrm>
+      </p:grpSpPr>
+      <p:sp>
+        <p:nvSpPr>
+          <p:cNvPr id="2" name="Title 1"/>
+          <p:cNvSpPr>
+            <a:spLocks noGrp="1"/>
+          </p:cNvSpPr>
+          <p:nvPr>
+            <p:ph type="title"/>
+          </p:nvPr>
+        </p:nvSpPr>
+        <p:spPr/>
+        <p:txBody>
+          <a:bodyPr/>
+          <a:lstStyle/>
+          <a:p>
+            <a:pPr lvl="0" indent="0" marL="0">
+              <a:buNone/>
+            </a:pPr>
+            <a:r>
+              <a:rPr/>
+              <a:t>SAS Code: Part10. Converting the outlier to a missing value</a:t>
+            </a:r>
+          </a:p>
+        </p:txBody>
+      </p:sp>
+      <p:sp>
+        <p:nvSpPr>
+          <p:cNvPr id="3" name="Content Placeholder 2"/>
+          <p:cNvSpPr>
+            <a:spLocks noGrp="1"/>
+          </p:cNvSpPr>
+          <p:nvPr>
+            <p:ph idx="1"/>
+          </p:nvPr>
+        </p:nvSpPr>
+        <p:spPr/>
+        <p:txBody>
+          <a:bodyPr/>
+          <a:lstStyle/>
+          <a:p>
+            <a:pPr lvl="0" indent="0">
+              <a:buNone/>
+            </a:pPr>
+            <a:r>
+              <a:rPr>
+                <a:latin typeface="Courier"/>
+              </a:rPr>
+              <a:t>
+data intro.fat2;
+  set intro.fat;
+  if ht=29.5 then ht=.;
+run;
+</a:t>
+            </a:r>
+          </a:p>
+        </p:txBody>
+      </p:sp>
+    </p:spTree>
+  </p:cSld>
+</p:sld>
+</file>
+
+<file path=ppt/slides/slide34.xml><?xml version="1.0" encoding="utf-8"?>
+<p:sld xmlns:a="http://schemas.openxmlformats.org/drawingml/2006/main" xmlns:r="http://schemas.openxmlformats.org/officeDocument/2006/relationships" xmlns:p="http://schemas.openxmlformats.org/presentationml/2006/main">
+  <p:cSld>
+    <p:spTree>
+      <p:nvGrpSpPr>
+        <p:cNvPr id="1" name=""/>
+        <p:cNvGrpSpPr/>
+        <p:nvPr/>
+      </p:nvGrpSpPr>
+      <p:grpSpPr>
+        <a:xfrm>
+          <a:off x="0" y="0"/>
+          <a:ext cx="0" cy="0"/>
+          <a:chOff x="0" y="0"/>
+          <a:chExt cx="0" cy="0"/>
+        </a:xfrm>
+      </p:grpSpPr>
+      <p:sp>
+        <p:nvSpPr>
+          <p:cNvPr id="2" name="Title 1"/>
+          <p:cNvSpPr>
+            <a:spLocks noGrp="1"/>
+          </p:cNvSpPr>
+          <p:nvPr>
+            <p:ph type="title"/>
+          </p:nvPr>
+        </p:nvSpPr>
+        <p:spPr/>
+        <p:txBody>
+          <a:bodyPr/>
+          <a:lstStyle/>
+          <a:p>
+            <a:pPr lvl="0" indent="0" marL="0">
+              <a:buNone/>
+            </a:pPr>
+            <a:r>
+              <a:rPr/>
+              <a:t>Chunk 11</a:t>
+            </a:r>
+          </a:p>
+        </p:txBody>
+      </p:sp>
+    </p:spTree>
+  </p:cSld>
+</p:sld>
+</file>
+
+<file path=ppt/slides/slide35.xml><?xml version="1.0" encoding="utf-8"?>
+<p:sld xmlns:a="http://schemas.openxmlformats.org/drawingml/2006/main" xmlns:r="http://schemas.openxmlformats.org/officeDocument/2006/relationships" xmlns:p="http://schemas.openxmlformats.org/presentationml/2006/main">
+  <p:cSld>
+    <p:spTree>
+      <p:nvGrpSpPr>
+        <p:cNvPr id="1" name=""/>
+        <p:cNvGrpSpPr/>
+        <p:nvPr/>
+      </p:nvGrpSpPr>
+      <p:grpSpPr>
+        <a:xfrm>
+          <a:off x="0" y="0"/>
+          <a:ext cx="0" cy="0"/>
+          <a:chOff x="0" y="0"/>
+          <a:chExt cx="0" cy="0"/>
+        </a:xfrm>
+      </p:grpSpPr>
+      <p:sp>
+        <p:nvSpPr>
+          <p:cNvPr id="2" name="Title 1"/>
+          <p:cNvSpPr>
+            <a:spLocks noGrp="1"/>
+          </p:cNvSpPr>
+          <p:nvPr>
+            <p:ph type="title"/>
+          </p:nvPr>
+        </p:nvSpPr>
+        <p:spPr/>
+        <p:txBody>
+          <a:bodyPr/>
+          <a:lstStyle/>
+          <a:p>
+            <a:pPr lvl="0" indent="0" marL="0">
+              <a:buNone/>
+            </a:pPr>
+            <a:r>
+              <a:rPr/>
+              <a:t>SAS Code: Part11. Faulty approach for filtering out negative values</a:t>
+            </a:r>
+          </a:p>
+        </p:txBody>
+      </p:sp>
+      <p:sp>
+        <p:nvSpPr>
+          <p:cNvPr id="3" name="Content Placeholder 2"/>
+          <p:cNvSpPr>
+            <a:spLocks noGrp="1"/>
+          </p:cNvSpPr>
+          <p:nvPr>
+            <p:ph idx="1"/>
+          </p:nvPr>
+        </p:nvSpPr>
+        <p:spPr/>
+        <p:txBody>
+          <a:bodyPr/>
+          <a:lstStyle/>
+          <a:p>
+            <a:pPr lvl="0" indent="0">
+              <a:buNone/>
+            </a:pPr>
+            <a:r>
+              <a:rPr>
+                <a:latin typeface="Courier"/>
+              </a:rPr>
+              <a:t>
+proc print
+    data=intro.fat2;
+  where ht &lt; 0;
+  title1 "ht &lt; 0 will include ht = .";
+run;
+</a:t>
+            </a:r>
+          </a:p>
+        </p:txBody>
+      </p:sp>
+    </p:spTree>
+  </p:cSld>
+</p:sld>
+</file>
+
+<file path=ppt/slides/slide36.xml><?xml version="1.0" encoding="utf-8"?>
+<p:sld xmlns:a="http://schemas.openxmlformats.org/drawingml/2006/main" xmlns:r="http://schemas.openxmlformats.org/officeDocument/2006/relationships" xmlns:p="http://schemas.openxmlformats.org/presentationml/2006/main">
+  <p:cSld>
+    <p:spTree>
+      <p:nvGrpSpPr>
+        <p:cNvPr id="1" name=""/>
+        <p:cNvGrpSpPr/>
+        <p:nvPr/>
+      </p:nvGrpSpPr>
+      <p:grpSpPr>
+        <a:xfrm>
+          <a:off x="0" y="0"/>
+          <a:ext cx="0" cy="0"/>
+          <a:chOff x="0" y="0"/>
+          <a:chExt cx="0" cy="0"/>
+        </a:xfrm>
+      </p:grpSpPr>
+      <p:sp>
+        <p:nvSpPr>
+          <p:cNvPr id="2" name="Title 1"/>
+          <p:cNvSpPr>
+            <a:spLocks noGrp="1"/>
+          </p:cNvSpPr>
+          <p:nvPr>
+            <p:ph type="title"/>
+          </p:nvPr>
+        </p:nvSpPr>
+        <p:spPr/>
+        <p:txBody>
+          <a:bodyPr/>
+          <a:lstStyle/>
+          <a:p>
+            <a:pPr lvl="0" indent="0" marL="0">
+              <a:buNone/>
+            </a:pPr>
+            <a:r>
+              <a:rPr/>
+              <a:t>SAS output: Part11. Faulty approach for filtering out negative values</a:t>
+            </a:r>
+          </a:p>
+        </p:txBody>
+      </p:sp>
+      <p:sp>
+        <p:nvSpPr>
+          <p:cNvPr id="3" name="Content Placeholder 2"/>
+          <p:cNvSpPr>
+            <a:spLocks noGrp="1"/>
+          </p:cNvSpPr>
+          <p:nvPr>
+            <p:ph idx="1"/>
+          </p:nvPr>
+        </p:nvSpPr>
+        <p:spPr/>
+        <p:txBody>
+          <a:bodyPr/>
+          <a:lstStyle/>
+          <a:p>
+            <a:pPr lvl="0" indent="0" marL="0">
+              <a:buNone/>
+            </a:pPr>
+            <a:r>
+              <a:rPr/>
+              <a:t>Figure 05</a:t>
+            </a:r>
+          </a:p>
+        </p:txBody>
+      </p:sp>
+    </p:spTree>
+  </p:cSld>
+</p:sld>
+</file>
+
+<file path=ppt/slides/slide37.xml><?xml version="1.0" encoding="utf-8"?>
+<p:sld xmlns:a="http://schemas.openxmlformats.org/drawingml/2006/main" xmlns:r="http://schemas.openxmlformats.org/officeDocument/2006/relationships" xmlns:p="http://schemas.openxmlformats.org/presentationml/2006/main">
+  <p:cSld>
+    <p:spTree>
+      <p:nvGrpSpPr>
+        <p:cNvPr id="1" name=""/>
+        <p:cNvGrpSpPr/>
+        <p:nvPr/>
+      </p:nvGrpSpPr>
+      <p:grpSpPr>
+        <a:xfrm>
+          <a:off x="0" y="0"/>
+          <a:ext cx="0" cy="0"/>
+          <a:chOff x="0" y="0"/>
+          <a:chExt cx="0" cy="0"/>
+        </a:xfrm>
+      </p:grpSpPr>
+      <p:sp>
+        <p:nvSpPr>
+          <p:cNvPr id="2" name="Title 1"/>
+          <p:cNvSpPr>
+            <a:spLocks noGrp="1"/>
+          </p:cNvSpPr>
+          <p:nvPr>
+            <p:ph type="title"/>
+          </p:nvPr>
+        </p:nvSpPr>
+        <p:spPr/>
+        <p:txBody>
+          <a:bodyPr/>
+          <a:lstStyle/>
+          <a:p>
+            <a:pPr lvl="0" indent="0" marL="0">
+              <a:buNone/>
+            </a:pPr>
+            <a:r>
+              <a:rPr/>
+              <a:t>Chunk 12</a:t>
+            </a:r>
+          </a:p>
+        </p:txBody>
+      </p:sp>
+    </p:spTree>
+  </p:cSld>
+</p:sld>
+</file>
+
+<file path=ppt/slides/slide38.xml><?xml version="1.0" encoding="utf-8"?>
+<p:sld xmlns:a="http://schemas.openxmlformats.org/drawingml/2006/main" xmlns:r="http://schemas.openxmlformats.org/officeDocument/2006/relationships" xmlns:p="http://schemas.openxmlformats.org/presentationml/2006/main">
+  <p:cSld>
+    <p:spTree>
+      <p:nvGrpSpPr>
+        <p:cNvPr id="1" name=""/>
+        <p:cNvGrpSpPr/>
+        <p:nvPr/>
+      </p:nvGrpSpPr>
+      <p:grpSpPr>
+        <a:xfrm>
+          <a:off x="0" y="0"/>
+          <a:ext cx="0" cy="0"/>
+          <a:chOff x="0" y="0"/>
+          <a:chExt cx="0" cy="0"/>
+        </a:xfrm>
+      </p:grpSpPr>
+      <p:sp>
+        <p:nvSpPr>
+          <p:cNvPr id="2" name="Title 1"/>
+          <p:cNvSpPr>
+            <a:spLocks noGrp="1"/>
+          </p:cNvSpPr>
+          <p:nvPr>
+            <p:ph type="title"/>
+          </p:nvPr>
+        </p:nvSpPr>
+        <p:spPr/>
+        <p:txBody>
+          <a:bodyPr/>
+          <a:lstStyle/>
+          <a:p>
+            <a:pPr lvl="0" indent="0" marL="0">
+              <a:buNone/>
+            </a:pPr>
+            <a:r>
+              <a:rPr/>
+              <a:t>SAS Code: Part12. Counting missing values</a:t>
+            </a:r>
+          </a:p>
+        </p:txBody>
+      </p:sp>
+      <p:sp>
+        <p:nvSpPr>
+          <p:cNvPr id="3" name="Content Placeholder 2"/>
+          <p:cNvSpPr>
+            <a:spLocks noGrp="1"/>
+          </p:cNvSpPr>
+          <p:nvPr>
+            <p:ph idx="1"/>
+          </p:nvPr>
+        </p:nvSpPr>
+        <p:spPr/>
+        <p:txBody>
+          <a:bodyPr/>
+          <a:lstStyle/>
+          <a:p>
+            <a:pPr lvl="0" indent="0">
+              <a:buNone/>
+            </a:pPr>
+            <a:r>
+              <a:rPr>
+                <a:latin typeface="Courier"/>
+              </a:rPr>
+              <a:t>
+proc means
+    n nmiss mean std min max
+    data=intro.fat2;
+  var ht;
+  title "Using the nmiss statistic";
+run;
+</a:t>
+            </a:r>
+          </a:p>
+        </p:txBody>
+      </p:sp>
+    </p:spTree>
+  </p:cSld>
+</p:sld>
+</file>
+
+<file path=ppt/slides/slide39.xml><?xml version="1.0" encoding="utf-8"?>
+<p:sld xmlns:a="http://schemas.openxmlformats.org/drawingml/2006/main" xmlns:r="http://schemas.openxmlformats.org/officeDocument/2006/relationships" xmlns:p="http://schemas.openxmlformats.org/presentationml/2006/main">
+  <p:cSld>
+    <p:spTree>
+      <p:nvGrpSpPr>
+        <p:cNvPr id="1" name=""/>
+        <p:cNvGrpSpPr/>
+        <p:nvPr/>
+      </p:nvGrpSpPr>
+      <p:grpSpPr>
+        <a:xfrm>
+          <a:off x="0" y="0"/>
+          <a:ext cx="0" cy="0"/>
+          <a:chOff x="0" y="0"/>
+          <a:chExt cx="0" cy="0"/>
+        </a:xfrm>
+      </p:grpSpPr>
+      <p:sp>
+        <p:nvSpPr>
+          <p:cNvPr id="2" name="Title 1"/>
+          <p:cNvSpPr>
+            <a:spLocks noGrp="1"/>
+          </p:cNvSpPr>
+          <p:nvPr>
+            <p:ph type="title"/>
+          </p:nvPr>
+        </p:nvSpPr>
+        <p:spPr/>
+        <p:txBody>
+          <a:bodyPr/>
+          <a:lstStyle/>
+          <a:p>
+            <a:pPr lvl="0" indent="0" marL="0">
+              <a:buNone/>
+            </a:pPr>
+            <a:r>
+              <a:rPr/>
+              <a:t>SAS output: Part12. Counting missing values</a:t>
+            </a:r>
+          </a:p>
+        </p:txBody>
+      </p:sp>
+      <p:sp>
+        <p:nvSpPr>
+          <p:cNvPr id="3" name="Content Placeholder 2"/>
+          <p:cNvSpPr>
+            <a:spLocks noGrp="1"/>
+          </p:cNvSpPr>
+          <p:nvPr>
+            <p:ph idx="1"/>
+          </p:nvPr>
+        </p:nvSpPr>
+        <p:spPr/>
+        <p:txBody>
+          <a:bodyPr/>
+          <a:lstStyle/>
+          <a:p>
+            <a:pPr lvl="0" indent="0" marL="0">
+              <a:buNone/>
+            </a:pPr>
+            <a:r>
+              <a:rPr/>
+              <a:t>Figure 06</a:t>
             </a:r>
           </a:p>
         </p:txBody>
@@ -5442,6 +9804,683 @@
 </p:sld>
 </file>
 
+<file path=ppt/slides/slide40.xml><?xml version="1.0" encoding="utf-8"?>
+<p:sld xmlns:a="http://schemas.openxmlformats.org/drawingml/2006/main" xmlns:r="http://schemas.openxmlformats.org/officeDocument/2006/relationships" xmlns:p="http://schemas.openxmlformats.org/presentationml/2006/main">
+  <p:cSld>
+    <p:spTree>
+      <p:nvGrpSpPr>
+        <p:cNvPr id="1" name=""/>
+        <p:cNvGrpSpPr/>
+        <p:nvPr/>
+      </p:nvGrpSpPr>
+      <p:grpSpPr>
+        <a:xfrm>
+          <a:off x="0" y="0"/>
+          <a:ext cx="0" cy="0"/>
+          <a:chOff x="0" y="0"/>
+          <a:chExt cx="0" cy="0"/>
+        </a:xfrm>
+      </p:grpSpPr>
+      <p:sp>
+        <p:nvSpPr>
+          <p:cNvPr id="2" name="Title 1"/>
+          <p:cNvSpPr>
+            <a:spLocks noGrp="1"/>
+          </p:cNvSpPr>
+          <p:nvPr>
+            <p:ph type="title"/>
+          </p:nvPr>
+        </p:nvSpPr>
+        <p:spPr/>
+        <p:txBody>
+          <a:bodyPr/>
+          <a:lstStyle/>
+          <a:p>
+            <a:pPr lvl="0" indent="0" marL="0">
+              <a:buNone/>
+            </a:pPr>
+            <a:r>
+              <a:rPr/>
+              <a:t>Chunk 13</a:t>
+            </a:r>
+          </a:p>
+        </p:txBody>
+      </p:sp>
+    </p:spTree>
+  </p:cSld>
+</p:sld>
+</file>
+
+<file path=ppt/slides/slide41.xml><?xml version="1.0" encoding="utf-8"?>
+<p:sld xmlns:a="http://schemas.openxmlformats.org/drawingml/2006/main" xmlns:r="http://schemas.openxmlformats.org/officeDocument/2006/relationships" xmlns:p="http://schemas.openxmlformats.org/presentationml/2006/main">
+  <p:cSld>
+    <p:spTree>
+      <p:nvGrpSpPr>
+        <p:cNvPr id="1" name=""/>
+        <p:cNvGrpSpPr/>
+        <p:nvPr/>
+      </p:nvGrpSpPr>
+      <p:grpSpPr>
+        <a:xfrm>
+          <a:off x="0" y="0"/>
+          <a:ext cx="0" cy="0"/>
+          <a:chOff x="0" y="0"/>
+          <a:chExt cx="0" cy="0"/>
+        </a:xfrm>
+      </p:grpSpPr>
+      <p:sp>
+        <p:nvSpPr>
+          <p:cNvPr id="2" name="Title 1"/>
+          <p:cNvSpPr>
+            <a:spLocks noGrp="1"/>
+          </p:cNvSpPr>
+          <p:nvPr>
+            <p:ph type="title"/>
+          </p:nvPr>
+        </p:nvSpPr>
+        <p:spPr/>
+        <p:txBody>
+          <a:bodyPr/>
+          <a:lstStyle/>
+          <a:p>
+            <a:pPr lvl="0" indent="0" marL="0">
+              <a:buNone/>
+            </a:pPr>
+            <a:r>
+              <a:rPr/>
+              <a:t>SAS Code: Part13. Simple transformations</a:t>
+            </a:r>
+          </a:p>
+        </p:txBody>
+      </p:sp>
+      <p:sp>
+        <p:nvSpPr>
+          <p:cNvPr id="3" name="Content Placeholder 2"/>
+          <p:cNvSpPr>
+            <a:spLocks noGrp="1"/>
+          </p:cNvSpPr>
+          <p:nvPr>
+            <p:ph idx="1"/>
+          </p:nvPr>
+        </p:nvSpPr>
+        <p:spPr/>
+        <p:txBody>
+          <a:bodyPr/>
+          <a:lstStyle/>
+          <a:p>
+            <a:pPr lvl="0" indent="0">
+              <a:buNone/>
+            </a:pPr>
+            <a:r>
+              <a:rPr>
+                <a:latin typeface="Courier"/>
+              </a:rPr>
+              <a:t>
+data converted_units;
+  set intro.fat2;
+  ht_cm = ht * 2.54;
+  wt_kg = wt / 2.2; 
+run;
+</a:t>
+            </a:r>
+          </a:p>
+        </p:txBody>
+      </p:sp>
+    </p:spTree>
+  </p:cSld>
+</p:sld>
+</file>
+
+<file path=ppt/slides/slide42.xml><?xml version="1.0" encoding="utf-8"?>
+<p:sld xmlns:a="http://schemas.openxmlformats.org/drawingml/2006/main" xmlns:r="http://schemas.openxmlformats.org/officeDocument/2006/relationships" xmlns:p="http://schemas.openxmlformats.org/presentationml/2006/main">
+  <p:cSld>
+    <p:spTree>
+      <p:nvGrpSpPr>
+        <p:cNvPr id="1" name=""/>
+        <p:cNvGrpSpPr/>
+        <p:nvPr/>
+      </p:nvGrpSpPr>
+      <p:grpSpPr>
+        <a:xfrm>
+          <a:off x="0" y="0"/>
+          <a:ext cx="0" cy="0"/>
+          <a:chOff x="0" y="0"/>
+          <a:chExt cx="0" cy="0"/>
+        </a:xfrm>
+      </p:grpSpPr>
+      <p:sp>
+        <p:nvSpPr>
+          <p:cNvPr id="2" name="Title 1"/>
+          <p:cNvSpPr>
+            <a:spLocks noGrp="1"/>
+          </p:cNvSpPr>
+          <p:nvPr>
+            <p:ph type="title"/>
+          </p:nvPr>
+        </p:nvSpPr>
+        <p:spPr/>
+        <p:txBody>
+          <a:bodyPr/>
+          <a:lstStyle/>
+          <a:p>
+            <a:pPr lvl="0" indent="0" marL="0">
+              <a:buNone/>
+            </a:pPr>
+            <a:r>
+              <a:rPr/>
+              <a:t>SAS Code: Part13. Simple transformations</a:t>
+            </a:r>
+          </a:p>
+        </p:txBody>
+      </p:sp>
+      <p:sp>
+        <p:nvSpPr>
+          <p:cNvPr id="3" name="Content Placeholder 2"/>
+          <p:cNvSpPr>
+            <a:spLocks noGrp="1"/>
+          </p:cNvSpPr>
+          <p:nvPr>
+            <p:ph idx="1"/>
+          </p:nvPr>
+        </p:nvSpPr>
+        <p:spPr/>
+        <p:txBody>
+          <a:bodyPr/>
+          <a:lstStyle/>
+          <a:p>
+            <a:pPr lvl="0" indent="0">
+              <a:buNone/>
+            </a:pPr>
+            <a:r>
+              <a:rPr>
+                <a:latin typeface="Courier"/>
+              </a:rPr>
+              <a:t>
+proc print 
+    data=converted_units(obs=10);
+  var ht ht_cm wt wt_kg;
+  title1 "Original and converted units";
+run;
+</a:t>
+            </a:r>
+          </a:p>
+        </p:txBody>
+      </p:sp>
+    </p:spTree>
+  </p:cSld>
+</p:sld>
+</file>
+
+<file path=ppt/slides/slide43.xml><?xml version="1.0" encoding="utf-8"?>
+<p:sld xmlns:a="http://schemas.openxmlformats.org/drawingml/2006/main" xmlns:r="http://schemas.openxmlformats.org/officeDocument/2006/relationships" xmlns:p="http://schemas.openxmlformats.org/presentationml/2006/main">
+  <p:cSld>
+    <p:spTree>
+      <p:nvGrpSpPr>
+        <p:cNvPr id="1" name=""/>
+        <p:cNvGrpSpPr/>
+        <p:nvPr/>
+      </p:nvGrpSpPr>
+      <p:grpSpPr>
+        <a:xfrm>
+          <a:off x="0" y="0"/>
+          <a:ext cx="0" cy="0"/>
+          <a:chOff x="0" y="0"/>
+          <a:chExt cx="0" cy="0"/>
+        </a:xfrm>
+      </p:grpSpPr>
+      <p:sp>
+        <p:nvSpPr>
+          <p:cNvPr id="2" name="Title 1"/>
+          <p:cNvSpPr>
+            <a:spLocks noGrp="1"/>
+          </p:cNvSpPr>
+          <p:nvPr>
+            <p:ph type="title"/>
+          </p:nvPr>
+        </p:nvSpPr>
+        <p:spPr/>
+        <p:txBody>
+          <a:bodyPr/>
+          <a:lstStyle/>
+          <a:p>
+            <a:pPr lvl="0" indent="0" marL="0">
+              <a:buNone/>
+            </a:pPr>
+            <a:r>
+              <a:rPr/>
+              <a:t>SAS output: Part13. Simple transformations</a:t>
+            </a:r>
+          </a:p>
+        </p:txBody>
+      </p:sp>
+      <p:sp>
+        <p:nvSpPr>
+          <p:cNvPr id="3" name="Content Placeholder 2"/>
+          <p:cNvSpPr>
+            <a:spLocks noGrp="1"/>
+          </p:cNvSpPr>
+          <p:nvPr>
+            <p:ph idx="1"/>
+          </p:nvPr>
+        </p:nvSpPr>
+        <p:spPr/>
+        <p:txBody>
+          <a:bodyPr/>
+          <a:lstStyle/>
+          <a:p>
+            <a:pPr lvl="0" indent="0" marL="0">
+              <a:buNone/>
+            </a:pPr>
+            <a:r>
+              <a:rPr/>
+              <a:t>Figure 07</a:t>
+            </a:r>
+          </a:p>
+        </p:txBody>
+      </p:sp>
+    </p:spTree>
+  </p:cSld>
+</p:sld>
+</file>
+
+<file path=ppt/slides/slide44.xml><?xml version="1.0" encoding="utf-8"?>
+<p:sld xmlns:a="http://schemas.openxmlformats.org/drawingml/2006/main" xmlns:r="http://schemas.openxmlformats.org/officeDocument/2006/relationships" xmlns:p="http://schemas.openxmlformats.org/presentationml/2006/main">
+  <p:cSld>
+    <p:spTree>
+      <p:nvGrpSpPr>
+        <p:cNvPr id="1" name=""/>
+        <p:cNvGrpSpPr/>
+        <p:nvPr/>
+      </p:nvGrpSpPr>
+      <p:grpSpPr>
+        <a:xfrm>
+          <a:off x="0" y="0"/>
+          <a:ext cx="0" cy="0"/>
+          <a:chOff x="0" y="0"/>
+          <a:chExt cx="0" cy="0"/>
+        </a:xfrm>
+      </p:grpSpPr>
+      <p:sp>
+        <p:nvSpPr>
+          <p:cNvPr id="2" name="Title 1"/>
+          <p:cNvSpPr>
+            <a:spLocks noGrp="1"/>
+          </p:cNvSpPr>
+          <p:nvPr>
+            <p:ph type="title"/>
+          </p:nvPr>
+        </p:nvSpPr>
+        <p:spPr/>
+        <p:txBody>
+          <a:bodyPr/>
+          <a:lstStyle/>
+          <a:p>
+            <a:pPr lvl="0" indent="0" marL="0">
+              <a:buNone/>
+            </a:pPr>
+            <a:r>
+              <a:rPr/>
+              <a:t>Chunk 14</a:t>
+            </a:r>
+          </a:p>
+        </p:txBody>
+      </p:sp>
+    </p:spTree>
+  </p:cSld>
+</p:sld>
+</file>
+
+<file path=ppt/slides/slide45.xml><?xml version="1.0" encoding="utf-8"?>
+<p:sld xmlns:a="http://schemas.openxmlformats.org/drawingml/2006/main" xmlns:r="http://schemas.openxmlformats.org/officeDocument/2006/relationships" xmlns:p="http://schemas.openxmlformats.org/presentationml/2006/main">
+  <p:cSld>
+    <p:spTree>
+      <p:nvGrpSpPr>
+        <p:cNvPr id="1" name=""/>
+        <p:cNvGrpSpPr/>
+        <p:nvPr/>
+      </p:nvGrpSpPr>
+      <p:grpSpPr>
+        <a:xfrm>
+          <a:off x="0" y="0"/>
+          <a:ext cx="0" cy="0"/>
+          <a:chOff x="0" y="0"/>
+          <a:chExt cx="0" cy="0"/>
+        </a:xfrm>
+      </p:grpSpPr>
+      <p:sp>
+        <p:nvSpPr>
+          <p:cNvPr id="2" name="Title 1"/>
+          <p:cNvSpPr>
+            <a:spLocks noGrp="1"/>
+          </p:cNvSpPr>
+          <p:nvPr>
+            <p:ph type="title"/>
+          </p:nvPr>
+        </p:nvSpPr>
+        <p:spPr/>
+        <p:txBody>
+          <a:bodyPr/>
+          <a:lstStyle/>
+          <a:p>
+            <a:pPr lvl="0" indent="0" marL="0">
+              <a:buNone/>
+            </a:pPr>
+            <a:r>
+              <a:rPr/>
+              <a:t>SAS Code: Part14. Display a histogram</a:t>
+            </a:r>
+          </a:p>
+        </p:txBody>
+      </p:sp>
+      <p:sp>
+        <p:nvSpPr>
+          <p:cNvPr id="3" name="Content Placeholder 2"/>
+          <p:cNvSpPr>
+            <a:spLocks noGrp="1"/>
+          </p:cNvSpPr>
+          <p:nvPr>
+            <p:ph idx="1"/>
+          </p:nvPr>
+        </p:nvSpPr>
+        <p:spPr/>
+        <p:txBody>
+          <a:bodyPr/>
+          <a:lstStyle/>
+          <a:p>
+            <a:pPr lvl="0" indent="0">
+              <a:buNone/>
+            </a:pPr>
+            <a:r>
+              <a:rPr>
+                <a:latin typeface="Courier"/>
+              </a:rPr>
+              <a:t>
+proc sgplot
+    data=intro.fat2;
+  histogram ht;
+  title "Histogram with default bins";
+run;
+</a:t>
+            </a:r>
+          </a:p>
+        </p:txBody>
+      </p:sp>
+    </p:spTree>
+  </p:cSld>
+</p:sld>
+</file>
+
+<file path=ppt/slides/slide46.xml><?xml version="1.0" encoding="utf-8"?>
+<p:sld xmlns:a="http://schemas.openxmlformats.org/drawingml/2006/main" xmlns:r="http://schemas.openxmlformats.org/officeDocument/2006/relationships" xmlns:p="http://schemas.openxmlformats.org/presentationml/2006/main">
+  <p:cSld>
+    <p:spTree>
+      <p:nvGrpSpPr>
+        <p:cNvPr id="1" name=""/>
+        <p:cNvGrpSpPr/>
+        <p:nvPr/>
+      </p:nvGrpSpPr>
+      <p:grpSpPr>
+        <a:xfrm>
+          <a:off x="0" y="0"/>
+          <a:ext cx="0" cy="0"/>
+          <a:chOff x="0" y="0"/>
+          <a:chExt cx="0" cy="0"/>
+        </a:xfrm>
+      </p:grpSpPr>
+      <p:sp>
+        <p:nvSpPr>
+          <p:cNvPr id="2" name="Title 1"/>
+          <p:cNvSpPr>
+            <a:spLocks noGrp="1"/>
+          </p:cNvSpPr>
+          <p:nvPr>
+            <p:ph type="title"/>
+          </p:nvPr>
+        </p:nvSpPr>
+        <p:spPr/>
+        <p:txBody>
+          <a:bodyPr/>
+          <a:lstStyle/>
+          <a:p>
+            <a:pPr lvl="0" indent="0" marL="0">
+              <a:buNone/>
+            </a:pPr>
+            <a:r>
+              <a:rPr/>
+              <a:t>SAS output: Part14. Display a histogram</a:t>
+            </a:r>
+          </a:p>
+        </p:txBody>
+      </p:sp>
+      <p:sp>
+        <p:nvSpPr>
+          <p:cNvPr id="3" name="Content Placeholder 2"/>
+          <p:cNvSpPr>
+            <a:spLocks noGrp="1"/>
+          </p:cNvSpPr>
+          <p:nvPr>
+            <p:ph idx="1"/>
+          </p:nvPr>
+        </p:nvSpPr>
+        <p:spPr/>
+        <p:txBody>
+          <a:bodyPr/>
+          <a:lstStyle/>
+          <a:p>
+            <a:pPr lvl="0" indent="0" marL="0">
+              <a:buNone/>
+            </a:pPr>
+            <a:r>
+              <a:rPr/>
+              <a:t>Figure 08</a:t>
+            </a:r>
+          </a:p>
+        </p:txBody>
+      </p:sp>
+    </p:spTree>
+  </p:cSld>
+</p:sld>
+</file>
+
+<file path=ppt/slides/slide47.xml><?xml version="1.0" encoding="utf-8"?>
+<p:sld xmlns:a="http://schemas.openxmlformats.org/drawingml/2006/main" xmlns:r="http://schemas.openxmlformats.org/officeDocument/2006/relationships" xmlns:p="http://schemas.openxmlformats.org/presentationml/2006/main">
+  <p:cSld>
+    <p:spTree>
+      <p:nvGrpSpPr>
+        <p:cNvPr id="1" name=""/>
+        <p:cNvGrpSpPr/>
+        <p:nvPr/>
+      </p:nvGrpSpPr>
+      <p:grpSpPr>
+        <a:xfrm>
+          <a:off x="0" y="0"/>
+          <a:ext cx="0" cy="0"/>
+          <a:chOff x="0" y="0"/>
+          <a:chExt cx="0" cy="0"/>
+        </a:xfrm>
+      </p:grpSpPr>
+      <p:sp>
+        <p:nvSpPr>
+          <p:cNvPr id="2" name="Title 1"/>
+          <p:cNvSpPr>
+            <a:spLocks noGrp="1"/>
+          </p:cNvSpPr>
+          <p:nvPr>
+            <p:ph type="title"/>
+          </p:nvPr>
+        </p:nvSpPr>
+        <p:spPr/>
+        <p:txBody>
+          <a:bodyPr/>
+          <a:lstStyle/>
+          <a:p>
+            <a:pPr lvl="0" indent="0" marL="0">
+              <a:buNone/>
+            </a:pPr>
+            <a:r>
+              <a:rPr/>
+              <a:t>Chunk 15</a:t>
+            </a:r>
+          </a:p>
+        </p:txBody>
+      </p:sp>
+    </p:spTree>
+  </p:cSld>
+</p:sld>
+</file>
+
+<file path=ppt/slides/slide48.xml><?xml version="1.0" encoding="utf-8"?>
+<p:sld xmlns:a="http://schemas.openxmlformats.org/drawingml/2006/main" xmlns:r="http://schemas.openxmlformats.org/officeDocument/2006/relationships" xmlns:p="http://schemas.openxmlformats.org/presentationml/2006/main">
+  <p:cSld>
+    <p:spTree>
+      <p:nvGrpSpPr>
+        <p:cNvPr id="1" name=""/>
+        <p:cNvGrpSpPr/>
+        <p:nvPr/>
+      </p:nvGrpSpPr>
+      <p:grpSpPr>
+        <a:xfrm>
+          <a:off x="0" y="0"/>
+          <a:ext cx="0" cy="0"/>
+          <a:chOff x="0" y="0"/>
+          <a:chExt cx="0" cy="0"/>
+        </a:xfrm>
+      </p:grpSpPr>
+      <p:sp>
+        <p:nvSpPr>
+          <p:cNvPr id="2" name="Title 1"/>
+          <p:cNvSpPr>
+            <a:spLocks noGrp="1"/>
+          </p:cNvSpPr>
+          <p:nvPr>
+            <p:ph type="title"/>
+          </p:nvPr>
+        </p:nvSpPr>
+        <p:spPr/>
+        <p:txBody>
+          <a:bodyPr/>
+          <a:lstStyle/>
+          <a:p>
+            <a:pPr lvl="0" indent="0" marL="0">
+              <a:buNone/>
+            </a:pPr>
+            <a:r>
+              <a:rPr/>
+              <a:t>SAS Code: Part15. Revised histogram with narrow bins</a:t>
+            </a:r>
+          </a:p>
+        </p:txBody>
+      </p:sp>
+      <p:sp>
+        <p:nvSpPr>
+          <p:cNvPr id="3" name="Content Placeholder 2"/>
+          <p:cNvSpPr>
+            <a:spLocks noGrp="1"/>
+          </p:cNvSpPr>
+          <p:nvPr>
+            <p:ph idx="1"/>
+          </p:nvPr>
+        </p:nvSpPr>
+        <p:spPr/>
+        <p:txBody>
+          <a:bodyPr/>
+          <a:lstStyle/>
+          <a:p>
+            <a:pPr lvl="0" indent="0">
+              <a:buNone/>
+            </a:pPr>
+            <a:r>
+              <a:rPr>
+                <a:latin typeface="Courier"/>
+              </a:rPr>
+              <a:t>
+proc sgplot
+    data=intro.fat2;
+  histogram ht / binstart=60 binwidth=1;
+  title "Histogram with narrow bins";
+run;
+</a:t>
+            </a:r>
+          </a:p>
+        </p:txBody>
+      </p:sp>
+    </p:spTree>
+  </p:cSld>
+</p:sld>
+</file>
+
+<file path=ppt/slides/slide49.xml><?xml version="1.0" encoding="utf-8"?>
+<p:sld xmlns:a="http://schemas.openxmlformats.org/drawingml/2006/main" xmlns:r="http://schemas.openxmlformats.org/officeDocument/2006/relationships" xmlns:p="http://schemas.openxmlformats.org/presentationml/2006/main">
+  <p:cSld>
+    <p:spTree>
+      <p:nvGrpSpPr>
+        <p:cNvPr id="1" name=""/>
+        <p:cNvGrpSpPr/>
+        <p:nvPr/>
+      </p:nvGrpSpPr>
+      <p:grpSpPr>
+        <a:xfrm>
+          <a:off x="0" y="0"/>
+          <a:ext cx="0" cy="0"/>
+          <a:chOff x="0" y="0"/>
+          <a:chExt cx="0" cy="0"/>
+        </a:xfrm>
+      </p:grpSpPr>
+      <p:sp>
+        <p:nvSpPr>
+          <p:cNvPr id="2" name="Title 1"/>
+          <p:cNvSpPr>
+            <a:spLocks noGrp="1"/>
+          </p:cNvSpPr>
+          <p:nvPr>
+            <p:ph type="title"/>
+          </p:nvPr>
+        </p:nvSpPr>
+        <p:spPr/>
+        <p:txBody>
+          <a:bodyPr/>
+          <a:lstStyle/>
+          <a:p>
+            <a:pPr lvl="0" indent="0" marL="0">
+              <a:buNone/>
+            </a:pPr>
+            <a:r>
+              <a:rPr/>
+              <a:t>SAS output: Part15. Revised histogram with narrow bins</a:t>
+            </a:r>
+          </a:p>
+        </p:txBody>
+      </p:sp>
+      <p:sp>
+        <p:nvSpPr>
+          <p:cNvPr id="3" name="Content Placeholder 2"/>
+          <p:cNvSpPr>
+            <a:spLocks noGrp="1"/>
+          </p:cNvSpPr>
+          <p:nvPr>
+            <p:ph idx="1"/>
+          </p:nvPr>
+        </p:nvSpPr>
+        <p:spPr/>
+        <p:txBody>
+          <a:bodyPr/>
+          <a:lstStyle/>
+          <a:p>
+            <a:pPr lvl="0" indent="0" marL="0">
+              <a:buNone/>
+            </a:pPr>
+            <a:r>
+              <a:rPr/>
+              <a:t>Figure 09</a:t>
+            </a:r>
+          </a:p>
+        </p:txBody>
+      </p:sp>
+    </p:spTree>
+  </p:cSld>
+</p:sld>
+</file>
+
 <file path=ppt/slides/slide5.xml><?xml version="1.0" encoding="utf-8"?>
 <p:sld xmlns:a="http://schemas.openxmlformats.org/drawingml/2006/main" xmlns:r="http://schemas.openxmlformats.org/officeDocument/2006/relationships" xmlns:p="http://schemas.openxmlformats.org/presentationml/2006/main">
   <p:cSld>
@@ -5479,7 +10518,7 @@
             </a:pPr>
             <a:r>
               <a:rPr/>
-              <a:t>SAS Code: Part00. Documentation header</a:t>
+              <a:t>SAS Code: Part01. Documentation header</a:t>
             </a:r>
           </a:p>
         </p:txBody>
@@ -5514,6 +10553,683 @@
 * license: public domain;
 options papersize=(6 4); 
 </a:t>
+            </a:r>
+          </a:p>
+        </p:txBody>
+      </p:sp>
+    </p:spTree>
+  </p:cSld>
+</p:sld>
+</file>
+
+<file path=ppt/slides/slide50.xml><?xml version="1.0" encoding="utf-8"?>
+<p:sld xmlns:a="http://schemas.openxmlformats.org/drawingml/2006/main" xmlns:r="http://schemas.openxmlformats.org/officeDocument/2006/relationships" xmlns:p="http://schemas.openxmlformats.org/presentationml/2006/main">
+  <p:cSld>
+    <p:spTree>
+      <p:nvGrpSpPr>
+        <p:cNvPr id="1" name=""/>
+        <p:cNvGrpSpPr/>
+        <p:nvPr/>
+      </p:nvGrpSpPr>
+      <p:grpSpPr>
+        <a:xfrm>
+          <a:off x="0" y="0"/>
+          <a:ext cx="0" cy="0"/>
+          <a:chOff x="0" y="0"/>
+          <a:chExt cx="0" cy="0"/>
+        </a:xfrm>
+      </p:grpSpPr>
+      <p:sp>
+        <p:nvSpPr>
+          <p:cNvPr id="2" name="Title 1"/>
+          <p:cNvSpPr>
+            <a:spLocks noGrp="1"/>
+          </p:cNvSpPr>
+          <p:nvPr>
+            <p:ph type="title"/>
+          </p:nvPr>
+        </p:nvSpPr>
+        <p:spPr/>
+        <p:txBody>
+          <a:bodyPr/>
+          <a:lstStyle/>
+          <a:p>
+            <a:pPr lvl="0" indent="0" marL="0">
+              <a:buNone/>
+            </a:pPr>
+            <a:r>
+              <a:rPr/>
+              <a:t>Chunk 16</a:t>
+            </a:r>
+          </a:p>
+        </p:txBody>
+      </p:sp>
+    </p:spTree>
+  </p:cSld>
+</p:sld>
+</file>
+
+<file path=ppt/slides/slide51.xml><?xml version="1.0" encoding="utf-8"?>
+<p:sld xmlns:a="http://schemas.openxmlformats.org/drawingml/2006/main" xmlns:r="http://schemas.openxmlformats.org/officeDocument/2006/relationships" xmlns:p="http://schemas.openxmlformats.org/presentationml/2006/main">
+  <p:cSld>
+    <p:spTree>
+      <p:nvGrpSpPr>
+        <p:cNvPr id="1" name=""/>
+        <p:cNvGrpSpPr/>
+        <p:nvPr/>
+      </p:nvGrpSpPr>
+      <p:grpSpPr>
+        <a:xfrm>
+          <a:off x="0" y="0"/>
+          <a:ext cx="0" cy="0"/>
+          <a:chOff x="0" y="0"/>
+          <a:chExt cx="0" cy="0"/>
+        </a:xfrm>
+      </p:grpSpPr>
+      <p:sp>
+        <p:nvSpPr>
+          <p:cNvPr id="2" name="Title 1"/>
+          <p:cNvSpPr>
+            <a:spLocks noGrp="1"/>
+          </p:cNvSpPr>
+          <p:nvPr>
+            <p:ph type="title"/>
+          </p:nvPr>
+        </p:nvSpPr>
+        <p:spPr/>
+        <p:txBody>
+          <a:bodyPr/>
+          <a:lstStyle/>
+          <a:p>
+            <a:pPr lvl="0" indent="0" marL="0">
+              <a:buNone/>
+            </a:pPr>
+            <a:r>
+              <a:rPr/>
+              <a:t>SAS Code: Part16. Revised histogram with wide bins</a:t>
+            </a:r>
+          </a:p>
+        </p:txBody>
+      </p:sp>
+      <p:sp>
+        <p:nvSpPr>
+          <p:cNvPr id="3" name="Content Placeholder 2"/>
+          <p:cNvSpPr>
+            <a:spLocks noGrp="1"/>
+          </p:cNvSpPr>
+          <p:nvPr>
+            <p:ph idx="1"/>
+          </p:nvPr>
+        </p:nvSpPr>
+        <p:spPr/>
+        <p:txBody>
+          <a:bodyPr/>
+          <a:lstStyle/>
+          <a:p>
+            <a:pPr lvl="0" indent="0">
+              <a:buNone/>
+            </a:pPr>
+            <a:r>
+              <a:rPr>
+                <a:latin typeface="Courier"/>
+              </a:rPr>
+              <a:t>
+proc sgplot
+    data=intro.fat2;
+  histogram ht / binstart=60 binwidth=5;
+  title "Histogram with wide bins";
+run;
+</a:t>
+            </a:r>
+          </a:p>
+        </p:txBody>
+      </p:sp>
+    </p:spTree>
+  </p:cSld>
+</p:sld>
+</file>
+
+<file path=ppt/slides/slide52.xml><?xml version="1.0" encoding="utf-8"?>
+<p:sld xmlns:a="http://schemas.openxmlformats.org/drawingml/2006/main" xmlns:r="http://schemas.openxmlformats.org/officeDocument/2006/relationships" xmlns:p="http://schemas.openxmlformats.org/presentationml/2006/main">
+  <p:cSld>
+    <p:spTree>
+      <p:nvGrpSpPr>
+        <p:cNvPr id="1" name=""/>
+        <p:cNvGrpSpPr/>
+        <p:nvPr/>
+      </p:nvGrpSpPr>
+      <p:grpSpPr>
+        <a:xfrm>
+          <a:off x="0" y="0"/>
+          <a:ext cx="0" cy="0"/>
+          <a:chOff x="0" y="0"/>
+          <a:chExt cx="0" cy="0"/>
+        </a:xfrm>
+      </p:grpSpPr>
+      <p:sp>
+        <p:nvSpPr>
+          <p:cNvPr id="2" name="Title 1"/>
+          <p:cNvSpPr>
+            <a:spLocks noGrp="1"/>
+          </p:cNvSpPr>
+          <p:nvPr>
+            <p:ph type="title"/>
+          </p:nvPr>
+        </p:nvSpPr>
+        <p:spPr/>
+        <p:txBody>
+          <a:bodyPr/>
+          <a:lstStyle/>
+          <a:p>
+            <a:pPr lvl="0" indent="0" marL="0">
+              <a:buNone/>
+            </a:pPr>
+            <a:r>
+              <a:rPr/>
+              <a:t>SAS output: Part16. Revised histogram with wide bins</a:t>
+            </a:r>
+          </a:p>
+        </p:txBody>
+      </p:sp>
+      <p:sp>
+        <p:nvSpPr>
+          <p:cNvPr id="3" name="Content Placeholder 2"/>
+          <p:cNvSpPr>
+            <a:spLocks noGrp="1"/>
+          </p:cNvSpPr>
+          <p:nvPr>
+            <p:ph idx="1"/>
+          </p:nvPr>
+        </p:nvSpPr>
+        <p:spPr/>
+        <p:txBody>
+          <a:bodyPr/>
+          <a:lstStyle/>
+          <a:p>
+            <a:pPr lvl="0" indent="0" marL="0">
+              <a:buNone/>
+            </a:pPr>
+            <a:r>
+              <a:rPr/>
+              <a:t>Figure 10</a:t>
+            </a:r>
+          </a:p>
+        </p:txBody>
+      </p:sp>
+    </p:spTree>
+  </p:cSld>
+</p:sld>
+</file>
+
+<file path=ppt/slides/slide53.xml><?xml version="1.0" encoding="utf-8"?>
+<p:sld xmlns:a="http://schemas.openxmlformats.org/drawingml/2006/main" xmlns:r="http://schemas.openxmlformats.org/officeDocument/2006/relationships" xmlns:p="http://schemas.openxmlformats.org/presentationml/2006/main">
+  <p:cSld>
+    <p:spTree>
+      <p:nvGrpSpPr>
+        <p:cNvPr id="1" name=""/>
+        <p:cNvGrpSpPr/>
+        <p:nvPr/>
+      </p:nvGrpSpPr>
+      <p:grpSpPr>
+        <a:xfrm>
+          <a:off x="0" y="0"/>
+          <a:ext cx="0" cy="0"/>
+          <a:chOff x="0" y="0"/>
+          <a:chExt cx="0" cy="0"/>
+        </a:xfrm>
+      </p:grpSpPr>
+      <p:sp>
+        <p:nvSpPr>
+          <p:cNvPr id="2" name="Title 1"/>
+          <p:cNvSpPr>
+            <a:spLocks noGrp="1"/>
+          </p:cNvSpPr>
+          <p:nvPr>
+            <p:ph type="title"/>
+          </p:nvPr>
+        </p:nvSpPr>
+        <p:spPr/>
+        <p:txBody>
+          <a:bodyPr/>
+          <a:lstStyle/>
+          <a:p>
+            <a:pPr lvl="0" indent="0" marL="0">
+              <a:buNone/>
+            </a:pPr>
+            <a:r>
+              <a:rPr/>
+              <a:t>Chunk 17</a:t>
+            </a:r>
+          </a:p>
+        </p:txBody>
+      </p:sp>
+    </p:spTree>
+  </p:cSld>
+</p:sld>
+</file>
+
+<file path=ppt/slides/slide54.xml><?xml version="1.0" encoding="utf-8"?>
+<p:sld xmlns:a="http://schemas.openxmlformats.org/drawingml/2006/main" xmlns:r="http://schemas.openxmlformats.org/officeDocument/2006/relationships" xmlns:p="http://schemas.openxmlformats.org/presentationml/2006/main">
+  <p:cSld>
+    <p:spTree>
+      <p:nvGrpSpPr>
+        <p:cNvPr id="1" name=""/>
+        <p:cNvGrpSpPr/>
+        <p:nvPr/>
+      </p:nvGrpSpPr>
+      <p:grpSpPr>
+        <a:xfrm>
+          <a:off x="0" y="0"/>
+          <a:ext cx="0" cy="0"/>
+          <a:chOff x="0" y="0"/>
+          <a:chExt cx="0" cy="0"/>
+        </a:xfrm>
+      </p:grpSpPr>
+      <p:sp>
+        <p:nvSpPr>
+          <p:cNvPr id="2" name="Title 1"/>
+          <p:cNvSpPr>
+            <a:spLocks noGrp="1"/>
+          </p:cNvSpPr>
+          <p:nvPr>
+            <p:ph type="title"/>
+          </p:nvPr>
+        </p:nvSpPr>
+        <p:spPr/>
+        <p:txBody>
+          <a:bodyPr/>
+          <a:lstStyle/>
+          <a:p>
+            <a:pPr lvl="0" indent="0" marL="0">
+              <a:buNone/>
+            </a:pPr>
+            <a:r>
+              <a:rPr/>
+              <a:t>SAS Code: Part17. Calculate correlations</a:t>
+            </a:r>
+          </a:p>
+        </p:txBody>
+      </p:sp>
+      <p:sp>
+        <p:nvSpPr>
+          <p:cNvPr id="3" name="Content Placeholder 2"/>
+          <p:cNvSpPr>
+            <a:spLocks noGrp="1"/>
+          </p:cNvSpPr>
+          <p:nvPr>
+            <p:ph idx="1"/>
+          </p:nvPr>
+        </p:nvSpPr>
+        <p:spPr/>
+        <p:txBody>
+          <a:bodyPr/>
+          <a:lstStyle/>
+          <a:p>
+            <a:pPr lvl="0" indent="0">
+              <a:buNone/>
+            </a:pPr>
+            <a:r>
+              <a:rPr>
+                <a:latin typeface="Courier"/>
+              </a:rPr>
+              <a:t>
+proc corr
+    data=intro.fat2
+    noprob nosimple;
+  var fat_brozek fat_siri;
+  with neck -- wrist;
+  title "Correlation matrix";
+run;
+</a:t>
+            </a:r>
+          </a:p>
+        </p:txBody>
+      </p:sp>
+    </p:spTree>
+  </p:cSld>
+</p:sld>
+</file>
+
+<file path=ppt/slides/slide55.xml><?xml version="1.0" encoding="utf-8"?>
+<p:sld xmlns:a="http://schemas.openxmlformats.org/drawingml/2006/main" xmlns:r="http://schemas.openxmlformats.org/officeDocument/2006/relationships" xmlns:p="http://schemas.openxmlformats.org/presentationml/2006/main">
+  <p:cSld>
+    <p:spTree>
+      <p:nvGrpSpPr>
+        <p:cNvPr id="1" name=""/>
+        <p:cNvGrpSpPr/>
+        <p:nvPr/>
+      </p:nvGrpSpPr>
+      <p:grpSpPr>
+        <a:xfrm>
+          <a:off x="0" y="0"/>
+          <a:ext cx="0" cy="0"/>
+          <a:chOff x="0" y="0"/>
+          <a:chExt cx="0" cy="0"/>
+        </a:xfrm>
+      </p:grpSpPr>
+      <p:sp>
+        <p:nvSpPr>
+          <p:cNvPr id="2" name="Title 1"/>
+          <p:cNvSpPr>
+            <a:spLocks noGrp="1"/>
+          </p:cNvSpPr>
+          <p:nvPr>
+            <p:ph type="title"/>
+          </p:nvPr>
+        </p:nvSpPr>
+        <p:spPr/>
+        <p:txBody>
+          <a:bodyPr/>
+          <a:lstStyle/>
+          <a:p>
+            <a:pPr lvl="0" indent="0" marL="0">
+              <a:buNone/>
+            </a:pPr>
+            <a:r>
+              <a:rPr/>
+              <a:t>SAS output: Part17. Calculate correlations</a:t>
+            </a:r>
+          </a:p>
+        </p:txBody>
+      </p:sp>
+      <p:sp>
+        <p:nvSpPr>
+          <p:cNvPr id="3" name="Content Placeholder 2"/>
+          <p:cNvSpPr>
+            <a:spLocks noGrp="1"/>
+          </p:cNvSpPr>
+          <p:nvPr>
+            <p:ph idx="1"/>
+          </p:nvPr>
+        </p:nvSpPr>
+        <p:spPr/>
+        <p:txBody>
+          <a:bodyPr/>
+          <a:lstStyle/>
+          <a:p>
+            <a:pPr lvl="0" indent="0" marL="0">
+              <a:buNone/>
+            </a:pPr>
+            <a:r>
+              <a:rPr/>
+              <a:t>Figure 11</a:t>
+            </a:r>
+          </a:p>
+        </p:txBody>
+      </p:sp>
+    </p:spTree>
+  </p:cSld>
+</p:sld>
+</file>
+
+<file path=ppt/slides/slide56.xml><?xml version="1.0" encoding="utf-8"?>
+<p:sld xmlns:a="http://schemas.openxmlformats.org/drawingml/2006/main" xmlns:r="http://schemas.openxmlformats.org/officeDocument/2006/relationships" xmlns:p="http://schemas.openxmlformats.org/presentationml/2006/main">
+  <p:cSld>
+    <p:spTree>
+      <p:nvGrpSpPr>
+        <p:cNvPr id="1" name=""/>
+        <p:cNvGrpSpPr/>
+        <p:nvPr/>
+      </p:nvGrpSpPr>
+      <p:grpSpPr>
+        <a:xfrm>
+          <a:off x="0" y="0"/>
+          <a:ext cx="0" cy="0"/>
+          <a:chOff x="0" y="0"/>
+          <a:chExt cx="0" cy="0"/>
+        </a:xfrm>
+      </p:grpSpPr>
+      <p:sp>
+        <p:nvSpPr>
+          <p:cNvPr id="2" name="Title 1"/>
+          <p:cNvSpPr>
+            <a:spLocks noGrp="1"/>
+          </p:cNvSpPr>
+          <p:nvPr>
+            <p:ph type="title"/>
+          </p:nvPr>
+        </p:nvSpPr>
+        <p:spPr/>
+        <p:txBody>
+          <a:bodyPr/>
+          <a:lstStyle/>
+          <a:p>
+            <a:pPr lvl="0" indent="0" marL="0">
+              <a:buNone/>
+            </a:pPr>
+            <a:r>
+              <a:rPr/>
+              <a:t>SAS output: Part17. Calculate correlations</a:t>
+            </a:r>
+          </a:p>
+        </p:txBody>
+      </p:sp>
+      <p:sp>
+        <p:nvSpPr>
+          <p:cNvPr id="3" name="Content Placeholder 2"/>
+          <p:cNvSpPr>
+            <a:spLocks noGrp="1"/>
+          </p:cNvSpPr>
+          <p:nvPr>
+            <p:ph idx="1"/>
+          </p:nvPr>
+        </p:nvSpPr>
+        <p:spPr/>
+        <p:txBody>
+          <a:bodyPr/>
+          <a:lstStyle/>
+          <a:p>
+            <a:pPr lvl="0" indent="0" marL="0">
+              <a:buNone/>
+            </a:pPr>
+            <a:r>
+              <a:rPr/>
+              <a:t>Figure 12</a:t>
+            </a:r>
+          </a:p>
+        </p:txBody>
+      </p:sp>
+    </p:spTree>
+  </p:cSld>
+</p:sld>
+</file>
+
+<file path=ppt/slides/slide57.xml><?xml version="1.0" encoding="utf-8"?>
+<p:sld xmlns:a="http://schemas.openxmlformats.org/drawingml/2006/main" xmlns:r="http://schemas.openxmlformats.org/officeDocument/2006/relationships" xmlns:p="http://schemas.openxmlformats.org/presentationml/2006/main">
+  <p:cSld>
+    <p:spTree>
+      <p:nvGrpSpPr>
+        <p:cNvPr id="1" name=""/>
+        <p:cNvGrpSpPr/>
+        <p:nvPr/>
+      </p:nvGrpSpPr>
+      <p:grpSpPr>
+        <a:xfrm>
+          <a:off x="0" y="0"/>
+          <a:ext cx="0" cy="0"/>
+          <a:chOff x="0" y="0"/>
+          <a:chExt cx="0" cy="0"/>
+        </a:xfrm>
+      </p:grpSpPr>
+      <p:sp>
+        <p:nvSpPr>
+          <p:cNvPr id="2" name="Title 1"/>
+          <p:cNvSpPr>
+            <a:spLocks noGrp="1"/>
+          </p:cNvSpPr>
+          <p:nvPr>
+            <p:ph type="title"/>
+          </p:nvPr>
+        </p:nvSpPr>
+        <p:spPr/>
+        <p:txBody>
+          <a:bodyPr/>
+          <a:lstStyle/>
+          <a:p>
+            <a:pPr lvl="0" indent="0" marL="0">
+              <a:buNone/>
+            </a:pPr>
+            <a:r>
+              <a:rPr/>
+              <a:t>Chunk 18</a:t>
+            </a:r>
+          </a:p>
+        </p:txBody>
+      </p:sp>
+    </p:spTree>
+  </p:cSld>
+</p:sld>
+</file>
+
+<file path=ppt/slides/slide58.xml><?xml version="1.0" encoding="utf-8"?>
+<p:sld xmlns:a="http://schemas.openxmlformats.org/drawingml/2006/main" xmlns:r="http://schemas.openxmlformats.org/officeDocument/2006/relationships" xmlns:p="http://schemas.openxmlformats.org/presentationml/2006/main">
+  <p:cSld>
+    <p:spTree>
+      <p:nvGrpSpPr>
+        <p:cNvPr id="1" name=""/>
+        <p:cNvGrpSpPr/>
+        <p:nvPr/>
+      </p:nvGrpSpPr>
+      <p:grpSpPr>
+        <a:xfrm>
+          <a:off x="0" y="0"/>
+          <a:ext cx="0" cy="0"/>
+          <a:chOff x="0" y="0"/>
+          <a:chExt cx="0" cy="0"/>
+        </a:xfrm>
+      </p:grpSpPr>
+      <p:sp>
+        <p:nvSpPr>
+          <p:cNvPr id="2" name="Title 1"/>
+          <p:cNvSpPr>
+            <a:spLocks noGrp="1"/>
+          </p:cNvSpPr>
+          <p:nvPr>
+            <p:ph type="title"/>
+          </p:nvPr>
+        </p:nvSpPr>
+        <p:spPr/>
+        <p:txBody>
+          <a:bodyPr/>
+          <a:lstStyle/>
+          <a:p>
+            <a:pPr lvl="0" indent="0" marL="0">
+              <a:buNone/>
+            </a:pPr>
+            <a:r>
+              <a:rPr/>
+              <a:t>SAS Code: Part18. Save the correlations in a separate data file.</a:t>
+            </a:r>
+          </a:p>
+        </p:txBody>
+      </p:sp>
+      <p:sp>
+        <p:nvSpPr>
+          <p:cNvPr id="3" name="Content Placeholder 2"/>
+          <p:cNvSpPr>
+            <a:spLocks noGrp="1"/>
+          </p:cNvSpPr>
+          <p:nvPr>
+            <p:ph idx="1"/>
+          </p:nvPr>
+        </p:nvSpPr>
+        <p:spPr/>
+        <p:txBody>
+          <a:bodyPr/>
+          <a:lstStyle/>
+          <a:p>
+            <a:pPr lvl="0" indent="0">
+              <a:buNone/>
+            </a:pPr>
+            <a:r>
+              <a:rPr>
+                <a:latin typeface="Courier"/>
+              </a:rPr>
+              <a:t>
+proc corr
+    data=intro.fat2
+    noprint
+    outp=correlations;
+  var fat_brozek fat_siri;
+  with neck -- wrist;
+run;
+proc print 
+    data=correlations;
+  title "Correlation matrix output to a data set";
+run;
+</a:t>
+            </a:r>
+          </a:p>
+        </p:txBody>
+      </p:sp>
+    </p:spTree>
+  </p:cSld>
+</p:sld>
+</file>
+
+<file path=ppt/slides/slide59.xml><?xml version="1.0" encoding="utf-8"?>
+<p:sld xmlns:a="http://schemas.openxmlformats.org/drawingml/2006/main" xmlns:r="http://schemas.openxmlformats.org/officeDocument/2006/relationships" xmlns:p="http://schemas.openxmlformats.org/presentationml/2006/main">
+  <p:cSld>
+    <p:spTree>
+      <p:nvGrpSpPr>
+        <p:cNvPr id="1" name=""/>
+        <p:cNvGrpSpPr/>
+        <p:nvPr/>
+      </p:nvGrpSpPr>
+      <p:grpSpPr>
+        <a:xfrm>
+          <a:off x="0" y="0"/>
+          <a:ext cx="0" cy="0"/>
+          <a:chOff x="0" y="0"/>
+          <a:chExt cx="0" cy="0"/>
+        </a:xfrm>
+      </p:grpSpPr>
+      <p:sp>
+        <p:nvSpPr>
+          <p:cNvPr id="2" name="Title 1"/>
+          <p:cNvSpPr>
+            <a:spLocks noGrp="1"/>
+          </p:cNvSpPr>
+          <p:nvPr>
+            <p:ph type="title"/>
+          </p:nvPr>
+        </p:nvSpPr>
+        <p:spPr/>
+        <p:txBody>
+          <a:bodyPr/>
+          <a:lstStyle/>
+          <a:p>
+            <a:pPr lvl="0" indent="0" marL="0">
+              <a:buNone/>
+            </a:pPr>
+            <a:r>
+              <a:rPr/>
+              <a:t>SAS output: Part18. Save the correlations in a separate data file.</a:t>
+            </a:r>
+          </a:p>
+        </p:txBody>
+      </p:sp>
+      <p:sp>
+        <p:nvSpPr>
+          <p:cNvPr id="3" name="Content Placeholder 2"/>
+          <p:cNvSpPr>
+            <a:spLocks noGrp="1"/>
+          </p:cNvSpPr>
+          <p:nvPr>
+            <p:ph idx="1"/>
+          </p:nvPr>
+        </p:nvSpPr>
+        <p:spPr/>
+        <p:txBody>
+          <a:bodyPr/>
+          <a:lstStyle/>
+          <a:p>
+            <a:pPr lvl="0" indent="0" marL="0">
+              <a:buNone/>
+            </a:pPr>
+            <a:r>
+              <a:rPr/>
+              <a:t>Figure 13</a:t>
             </a:r>
           </a:p>
         </p:txBody>
@@ -5570,6 +11286,655 @@
 </p:sld>
 </file>
 
+<file path=ppt/slides/slide60.xml><?xml version="1.0" encoding="utf-8"?>
+<p:sld xmlns:a="http://schemas.openxmlformats.org/drawingml/2006/main" xmlns:r="http://schemas.openxmlformats.org/officeDocument/2006/relationships" xmlns:p="http://schemas.openxmlformats.org/presentationml/2006/main">
+  <p:cSld>
+    <p:spTree>
+      <p:nvGrpSpPr>
+        <p:cNvPr id="1" name=""/>
+        <p:cNvGrpSpPr/>
+        <p:nvPr/>
+      </p:nvGrpSpPr>
+      <p:grpSpPr>
+        <a:xfrm>
+          <a:off x="0" y="0"/>
+          <a:ext cx="0" cy="0"/>
+          <a:chOff x="0" y="0"/>
+          <a:chExt cx="0" cy="0"/>
+        </a:xfrm>
+      </p:grpSpPr>
+      <p:sp>
+        <p:nvSpPr>
+          <p:cNvPr id="2" name="Title 1"/>
+          <p:cNvSpPr>
+            <a:spLocks noGrp="1"/>
+          </p:cNvSpPr>
+          <p:nvPr>
+            <p:ph type="title"/>
+          </p:nvPr>
+        </p:nvSpPr>
+        <p:spPr/>
+        <p:txBody>
+          <a:bodyPr/>
+          <a:lstStyle/>
+          <a:p>
+            <a:pPr lvl="0" indent="0" marL="0">
+              <a:buNone/>
+            </a:pPr>
+            <a:r>
+              <a:rPr/>
+              <a:t>SAS output: Part18. Save the correlations in a separate data file.</a:t>
+            </a:r>
+          </a:p>
+        </p:txBody>
+      </p:sp>
+      <p:sp>
+        <p:nvSpPr>
+          <p:cNvPr id="3" name="Content Placeholder 2"/>
+          <p:cNvSpPr>
+            <a:spLocks noGrp="1"/>
+          </p:cNvSpPr>
+          <p:nvPr>
+            <p:ph idx="1"/>
+          </p:nvPr>
+        </p:nvSpPr>
+        <p:spPr/>
+        <p:txBody>
+          <a:bodyPr/>
+          <a:lstStyle/>
+          <a:p>
+            <a:pPr lvl="0" indent="0" marL="0">
+              <a:buNone/>
+            </a:pPr>
+            <a:r>
+              <a:rPr/>
+              <a:t>Figure 14</a:t>
+            </a:r>
+          </a:p>
+        </p:txBody>
+      </p:sp>
+    </p:spTree>
+  </p:cSld>
+</p:sld>
+</file>
+
+<file path=ppt/slides/slide61.xml><?xml version="1.0" encoding="utf-8"?>
+<p:sld xmlns:a="http://schemas.openxmlformats.org/drawingml/2006/main" xmlns:r="http://schemas.openxmlformats.org/officeDocument/2006/relationships" xmlns:p="http://schemas.openxmlformats.org/presentationml/2006/main">
+  <p:cSld>
+    <p:spTree>
+      <p:nvGrpSpPr>
+        <p:cNvPr id="1" name=""/>
+        <p:cNvGrpSpPr/>
+        <p:nvPr/>
+      </p:nvGrpSpPr>
+      <p:grpSpPr>
+        <a:xfrm>
+          <a:off x="0" y="0"/>
+          <a:ext cx="0" cy="0"/>
+          <a:chOff x="0" y="0"/>
+          <a:chExt cx="0" cy="0"/>
+        </a:xfrm>
+      </p:grpSpPr>
+      <p:sp>
+        <p:nvSpPr>
+          <p:cNvPr id="2" name="Title 1"/>
+          <p:cNvSpPr>
+            <a:spLocks noGrp="1"/>
+          </p:cNvSpPr>
+          <p:nvPr>
+            <p:ph type="title"/>
+          </p:nvPr>
+        </p:nvSpPr>
+        <p:spPr/>
+        <p:txBody>
+          <a:bodyPr/>
+          <a:lstStyle/>
+          <a:p>
+            <a:pPr lvl="0" indent="0" marL="0">
+              <a:buNone/>
+            </a:pPr>
+            <a:r>
+              <a:rPr/>
+              <a:t>Chunk 19</a:t>
+            </a:r>
+          </a:p>
+        </p:txBody>
+      </p:sp>
+    </p:spTree>
+  </p:cSld>
+</p:sld>
+</file>
+
+<file path=ppt/slides/slide62.xml><?xml version="1.0" encoding="utf-8"?>
+<p:sld xmlns:a="http://schemas.openxmlformats.org/drawingml/2006/main" xmlns:r="http://schemas.openxmlformats.org/officeDocument/2006/relationships" xmlns:p="http://schemas.openxmlformats.org/presentationml/2006/main">
+  <p:cSld>
+    <p:spTree>
+      <p:nvGrpSpPr>
+        <p:cNvPr id="1" name=""/>
+        <p:cNvGrpSpPr/>
+        <p:nvPr/>
+      </p:nvGrpSpPr>
+      <p:grpSpPr>
+        <a:xfrm>
+          <a:off x="0" y="0"/>
+          <a:ext cx="0" cy="0"/>
+          <a:chOff x="0" y="0"/>
+          <a:chExt cx="0" cy="0"/>
+        </a:xfrm>
+      </p:grpSpPr>
+      <p:sp>
+        <p:nvSpPr>
+          <p:cNvPr id="2" name="Title 1"/>
+          <p:cNvSpPr>
+            <a:spLocks noGrp="1"/>
+          </p:cNvSpPr>
+          <p:nvPr>
+            <p:ph type="title"/>
+          </p:nvPr>
+        </p:nvSpPr>
+        <p:spPr/>
+        <p:txBody>
+          <a:bodyPr/>
+          <a:lstStyle/>
+          <a:p>
+            <a:pPr lvl="0" indent="0" marL="0">
+              <a:buNone/>
+            </a:pPr>
+            <a:r>
+              <a:rPr/>
+              <a:t>SAS Code: Part19. Modify these correlations.</a:t>
+            </a:r>
+          </a:p>
+        </p:txBody>
+      </p:sp>
+      <p:sp>
+        <p:nvSpPr>
+          <p:cNvPr id="3" name="Content Placeholder 2"/>
+          <p:cNvSpPr>
+            <a:spLocks noGrp="1"/>
+          </p:cNvSpPr>
+          <p:nvPr>
+            <p:ph idx="1"/>
+          </p:nvPr>
+        </p:nvSpPr>
+        <p:spPr/>
+        <p:txBody>
+          <a:bodyPr/>
+          <a:lstStyle/>
+          <a:p>
+            <a:pPr lvl="0" indent="0">
+              <a:buNone/>
+            </a:pPr>
+            <a:r>
+              <a:rPr>
+                <a:latin typeface="Courier"/>
+              </a:rPr>
+              <a:t>
+data correlations;
+  set correlations;
+  if _type_="CORR";
+  drop type;
+  fat_brozek=round(100*fat_brozek);
+  fat_siri=round(100*fat_siri);
+run;
+proc sort
+    data=correlations;
+  by descending fat_brozek;
+run;
+</a:t>
+            </a:r>
+          </a:p>
+        </p:txBody>
+      </p:sp>
+    </p:spTree>
+  </p:cSld>
+</p:sld>
+</file>
+
+<file path=ppt/slides/slide63.xml><?xml version="1.0" encoding="utf-8"?>
+<p:sld xmlns:a="http://schemas.openxmlformats.org/drawingml/2006/main" xmlns:r="http://schemas.openxmlformats.org/officeDocument/2006/relationships" xmlns:p="http://schemas.openxmlformats.org/presentationml/2006/main">
+  <p:cSld>
+    <p:spTree>
+      <p:nvGrpSpPr>
+        <p:cNvPr id="1" name=""/>
+        <p:cNvGrpSpPr/>
+        <p:nvPr/>
+      </p:nvGrpSpPr>
+      <p:grpSpPr>
+        <a:xfrm>
+          <a:off x="0" y="0"/>
+          <a:ext cx="0" cy="0"/>
+          <a:chOff x="0" y="0"/>
+          <a:chExt cx="0" cy="0"/>
+        </a:xfrm>
+      </p:grpSpPr>
+      <p:sp>
+        <p:nvSpPr>
+          <p:cNvPr id="2" name="Title 1"/>
+          <p:cNvSpPr>
+            <a:spLocks noGrp="1"/>
+          </p:cNvSpPr>
+          <p:nvPr>
+            <p:ph type="title"/>
+          </p:nvPr>
+        </p:nvSpPr>
+        <p:spPr/>
+        <p:txBody>
+          <a:bodyPr/>
+          <a:lstStyle/>
+          <a:p>
+            <a:pPr lvl="0" indent="0" marL="0">
+              <a:buNone/>
+            </a:pPr>
+            <a:r>
+              <a:rPr/>
+              <a:t>Chunk 20</a:t>
+            </a:r>
+          </a:p>
+        </p:txBody>
+      </p:sp>
+    </p:spTree>
+  </p:cSld>
+</p:sld>
+</file>
+
+<file path=ppt/slides/slide64.xml><?xml version="1.0" encoding="utf-8"?>
+<p:sld xmlns:a="http://schemas.openxmlformats.org/drawingml/2006/main" xmlns:r="http://schemas.openxmlformats.org/officeDocument/2006/relationships" xmlns:p="http://schemas.openxmlformats.org/presentationml/2006/main">
+  <p:cSld>
+    <p:spTree>
+      <p:nvGrpSpPr>
+        <p:cNvPr id="1" name=""/>
+        <p:cNvGrpSpPr/>
+        <p:nvPr/>
+      </p:nvGrpSpPr>
+      <p:grpSpPr>
+        <a:xfrm>
+          <a:off x="0" y="0"/>
+          <a:ext cx="0" cy="0"/>
+          <a:chOff x="0" y="0"/>
+          <a:chExt cx="0" cy="0"/>
+        </a:xfrm>
+      </p:grpSpPr>
+      <p:sp>
+        <p:nvSpPr>
+          <p:cNvPr id="2" name="Title 1"/>
+          <p:cNvSpPr>
+            <a:spLocks noGrp="1"/>
+          </p:cNvSpPr>
+          <p:nvPr>
+            <p:ph type="title"/>
+          </p:nvPr>
+        </p:nvSpPr>
+        <p:spPr/>
+        <p:txBody>
+          <a:bodyPr/>
+          <a:lstStyle/>
+          <a:p>
+            <a:pPr lvl="0" indent="0" marL="0">
+              <a:buNone/>
+            </a:pPr>
+            <a:r>
+              <a:rPr/>
+              <a:t>SAS Code: Part20. Print the modified correlations.</a:t>
+            </a:r>
+          </a:p>
+        </p:txBody>
+      </p:sp>
+      <p:sp>
+        <p:nvSpPr>
+          <p:cNvPr id="3" name="Content Placeholder 2"/>
+          <p:cNvSpPr>
+            <a:spLocks noGrp="1"/>
+          </p:cNvSpPr>
+          <p:nvPr>
+            <p:ph idx="1"/>
+          </p:nvPr>
+        </p:nvSpPr>
+        <p:spPr/>
+        <p:txBody>
+          <a:bodyPr/>
+          <a:lstStyle/>
+          <a:p>
+            <a:pPr lvl="0" indent="0">
+              <a:buNone/>
+            </a:pPr>
+            <a:r>
+              <a:rPr>
+                <a:latin typeface="Courier"/>
+              </a:rPr>
+              <a:t>
+proc print 
+    data=correlations;
+  title "Rounded and re-ordered correlation matrix";
+run;
+</a:t>
+            </a:r>
+          </a:p>
+        </p:txBody>
+      </p:sp>
+    </p:spTree>
+  </p:cSld>
+</p:sld>
+</file>
+
+<file path=ppt/slides/slide65.xml><?xml version="1.0" encoding="utf-8"?>
+<p:sld xmlns:a="http://schemas.openxmlformats.org/drawingml/2006/main" xmlns:r="http://schemas.openxmlformats.org/officeDocument/2006/relationships" xmlns:p="http://schemas.openxmlformats.org/presentationml/2006/main">
+  <p:cSld>
+    <p:spTree>
+      <p:nvGrpSpPr>
+        <p:cNvPr id="1" name=""/>
+        <p:cNvGrpSpPr/>
+        <p:nvPr/>
+      </p:nvGrpSpPr>
+      <p:grpSpPr>
+        <a:xfrm>
+          <a:off x="0" y="0"/>
+          <a:ext cx="0" cy="0"/>
+          <a:chOff x="0" y="0"/>
+          <a:chExt cx="0" cy="0"/>
+        </a:xfrm>
+      </p:grpSpPr>
+      <p:sp>
+        <p:nvSpPr>
+          <p:cNvPr id="2" name="Title 1"/>
+          <p:cNvSpPr>
+            <a:spLocks noGrp="1"/>
+          </p:cNvSpPr>
+          <p:nvPr>
+            <p:ph type="title"/>
+          </p:nvPr>
+        </p:nvSpPr>
+        <p:spPr/>
+        <p:txBody>
+          <a:bodyPr/>
+          <a:lstStyle/>
+          <a:p>
+            <a:pPr lvl="0" indent="0" marL="0">
+              <a:buNone/>
+            </a:pPr>
+            <a:r>
+              <a:rPr/>
+              <a:t>SAS output: Part20. Print the modified correlations.</a:t>
+            </a:r>
+          </a:p>
+        </p:txBody>
+      </p:sp>
+      <p:sp>
+        <p:nvSpPr>
+          <p:cNvPr id="3" name="Content Placeholder 2"/>
+          <p:cNvSpPr>
+            <a:spLocks noGrp="1"/>
+          </p:cNvSpPr>
+          <p:nvPr>
+            <p:ph idx="1"/>
+          </p:nvPr>
+        </p:nvSpPr>
+        <p:spPr/>
+        <p:txBody>
+          <a:bodyPr/>
+          <a:lstStyle/>
+          <a:p>
+            <a:pPr lvl="0" indent="0" marL="0">
+              <a:buNone/>
+            </a:pPr>
+            <a:r>
+              <a:rPr/>
+              <a:t>Figure 15</a:t>
+            </a:r>
+          </a:p>
+        </p:txBody>
+      </p:sp>
+    </p:spTree>
+  </p:cSld>
+</p:sld>
+</file>
+
+<file path=ppt/slides/slide66.xml><?xml version="1.0" encoding="utf-8"?>
+<p:sld xmlns:a="http://schemas.openxmlformats.org/drawingml/2006/main" xmlns:r="http://schemas.openxmlformats.org/officeDocument/2006/relationships" xmlns:p="http://schemas.openxmlformats.org/presentationml/2006/main">
+  <p:cSld>
+    <p:spTree>
+      <p:nvGrpSpPr>
+        <p:cNvPr id="1" name=""/>
+        <p:cNvGrpSpPr/>
+        <p:nvPr/>
+      </p:nvGrpSpPr>
+      <p:grpSpPr>
+        <a:xfrm>
+          <a:off x="0" y="0"/>
+          <a:ext cx="0" cy="0"/>
+          <a:chOff x="0" y="0"/>
+          <a:chExt cx="0" cy="0"/>
+        </a:xfrm>
+      </p:grpSpPr>
+      <p:sp>
+        <p:nvSpPr>
+          <p:cNvPr id="2" name="Title 1"/>
+          <p:cNvSpPr>
+            <a:spLocks noGrp="1"/>
+          </p:cNvSpPr>
+          <p:nvPr>
+            <p:ph type="title"/>
+          </p:nvPr>
+        </p:nvSpPr>
+        <p:spPr/>
+        <p:txBody>
+          <a:bodyPr/>
+          <a:lstStyle/>
+          <a:p>
+            <a:pPr lvl="0" indent="0" marL="0">
+              <a:buNone/>
+            </a:pPr>
+            <a:r>
+              <a:rPr/>
+              <a:t>Chunk 21</a:t>
+            </a:r>
+          </a:p>
+        </p:txBody>
+      </p:sp>
+    </p:spTree>
+  </p:cSld>
+</p:sld>
+</file>
+
+<file path=ppt/slides/slide67.xml><?xml version="1.0" encoding="utf-8"?>
+<p:sld xmlns:a="http://schemas.openxmlformats.org/drawingml/2006/main" xmlns:r="http://schemas.openxmlformats.org/officeDocument/2006/relationships" xmlns:p="http://schemas.openxmlformats.org/presentationml/2006/main">
+  <p:cSld>
+    <p:spTree>
+      <p:nvGrpSpPr>
+        <p:cNvPr id="1" name=""/>
+        <p:cNvGrpSpPr/>
+        <p:nvPr/>
+      </p:nvGrpSpPr>
+      <p:grpSpPr>
+        <a:xfrm>
+          <a:off x="0" y="0"/>
+          <a:ext cx="0" cy="0"/>
+          <a:chOff x="0" y="0"/>
+          <a:chExt cx="0" cy="0"/>
+        </a:xfrm>
+      </p:grpSpPr>
+      <p:sp>
+        <p:nvSpPr>
+          <p:cNvPr id="2" name="Title 1"/>
+          <p:cNvSpPr>
+            <a:spLocks noGrp="1"/>
+          </p:cNvSpPr>
+          <p:nvPr>
+            <p:ph type="title"/>
+          </p:nvPr>
+        </p:nvSpPr>
+        <p:spPr/>
+        <p:txBody>
+          <a:bodyPr/>
+          <a:lstStyle/>
+          <a:p>
+            <a:pPr lvl="0" indent="0" marL="0">
+              <a:buNone/>
+            </a:pPr>
+            <a:r>
+              <a:rPr/>
+              <a:t>SAS Code: Part21. Draw a scatterplot.</a:t>
+            </a:r>
+          </a:p>
+        </p:txBody>
+      </p:sp>
+      <p:sp>
+        <p:nvSpPr>
+          <p:cNvPr id="3" name="Content Placeholder 2"/>
+          <p:cNvSpPr>
+            <a:spLocks noGrp="1"/>
+          </p:cNvSpPr>
+          <p:nvPr>
+            <p:ph idx="1"/>
+          </p:nvPr>
+        </p:nvSpPr>
+        <p:spPr/>
+        <p:txBody>
+          <a:bodyPr/>
+          <a:lstStyle/>
+          <a:p>
+            <a:pPr lvl="0" indent="0">
+              <a:buNone/>
+            </a:pPr>
+            <a:r>
+              <a:rPr>
+                <a:latin typeface="Courier"/>
+              </a:rPr>
+              <a:t>
+proc sgplot
+    data=intro.fat2;
+  scatter x=abdomen y=fat_brozek;
+  title1 "Simple scatterplot";
+run;
+</a:t>
+            </a:r>
+          </a:p>
+        </p:txBody>
+      </p:sp>
+    </p:spTree>
+  </p:cSld>
+</p:sld>
+</file>
+
+<file path=ppt/slides/slide68.xml><?xml version="1.0" encoding="utf-8"?>
+<p:sld xmlns:a="http://schemas.openxmlformats.org/drawingml/2006/main" xmlns:r="http://schemas.openxmlformats.org/officeDocument/2006/relationships" xmlns:p="http://schemas.openxmlformats.org/presentationml/2006/main">
+  <p:cSld>
+    <p:spTree>
+      <p:nvGrpSpPr>
+        <p:cNvPr id="1" name=""/>
+        <p:cNvGrpSpPr/>
+        <p:nvPr/>
+      </p:nvGrpSpPr>
+      <p:grpSpPr>
+        <a:xfrm>
+          <a:off x="0" y="0"/>
+          <a:ext cx="0" cy="0"/>
+          <a:chOff x="0" y="0"/>
+          <a:chExt cx="0" cy="0"/>
+        </a:xfrm>
+      </p:grpSpPr>
+      <p:sp>
+        <p:nvSpPr>
+          <p:cNvPr id="2" name="Title 1"/>
+          <p:cNvSpPr>
+            <a:spLocks noGrp="1"/>
+          </p:cNvSpPr>
+          <p:nvPr>
+            <p:ph type="title"/>
+          </p:nvPr>
+        </p:nvSpPr>
+        <p:spPr/>
+        <p:txBody>
+          <a:bodyPr/>
+          <a:lstStyle/>
+          <a:p>
+            <a:pPr lvl="0" indent="0" marL="0">
+              <a:buNone/>
+            </a:pPr>
+            <a:r>
+              <a:rPr/>
+              <a:t>SAS output: Part21. Draw a scatterplot.</a:t>
+            </a:r>
+          </a:p>
+        </p:txBody>
+      </p:sp>
+      <p:sp>
+        <p:nvSpPr>
+          <p:cNvPr id="3" name="Content Placeholder 2"/>
+          <p:cNvSpPr>
+            <a:spLocks noGrp="1"/>
+          </p:cNvSpPr>
+          <p:nvPr>
+            <p:ph idx="1"/>
+          </p:nvPr>
+        </p:nvSpPr>
+        <p:spPr/>
+        <p:txBody>
+          <a:bodyPr/>
+          <a:lstStyle/>
+          <a:p>
+            <a:pPr lvl="0" indent="0" marL="0">
+              <a:buNone/>
+            </a:pPr>
+            <a:r>
+              <a:rPr/>
+              <a:t>Figure 16</a:t>
+            </a:r>
+          </a:p>
+        </p:txBody>
+      </p:sp>
+    </p:spTree>
+  </p:cSld>
+</p:sld>
+</file>
+
+<file path=ppt/slides/slide69.xml><?xml version="1.0" encoding="utf-8"?>
+<p:sld xmlns:a="http://schemas.openxmlformats.org/drawingml/2006/main" xmlns:r="http://schemas.openxmlformats.org/officeDocument/2006/relationships" xmlns:p="http://schemas.openxmlformats.org/presentationml/2006/main">
+  <p:cSld>
+    <p:spTree>
+      <p:nvGrpSpPr>
+        <p:cNvPr id="1" name=""/>
+        <p:cNvGrpSpPr/>
+        <p:nvPr/>
+      </p:nvGrpSpPr>
+      <p:grpSpPr>
+        <a:xfrm>
+          <a:off x="0" y="0"/>
+          <a:ext cx="0" cy="0"/>
+          <a:chOff x="0" y="0"/>
+          <a:chExt cx="0" cy="0"/>
+        </a:xfrm>
+      </p:grpSpPr>
+      <p:sp>
+        <p:nvSpPr>
+          <p:cNvPr id="2" name="Title 1"/>
+          <p:cNvSpPr>
+            <a:spLocks noGrp="1"/>
+          </p:cNvSpPr>
+          <p:nvPr>
+            <p:ph type="title"/>
+          </p:nvPr>
+        </p:nvSpPr>
+        <p:spPr/>
+        <p:txBody>
+          <a:bodyPr/>
+          <a:lstStyle/>
+          <a:p>
+            <a:pPr lvl="0" indent="0" marL="0">
+              <a:buNone/>
+            </a:pPr>
+            <a:r>
+              <a:rPr/>
+              <a:t>Chunk 22</a:t>
+            </a:r>
+          </a:p>
+        </p:txBody>
+      </p:sp>
+    </p:spTree>
+  </p:cSld>
+</p:sld>
+</file>
+
 <file path=ppt/slides/slide7.xml><?xml version="1.0" encoding="utf-8"?>
 <p:sld xmlns:a="http://schemas.openxmlformats.org/drawingml/2006/main" xmlns:r="http://schemas.openxmlformats.org/officeDocument/2006/relationships" xmlns:p="http://schemas.openxmlformats.org/presentationml/2006/main">
   <p:cSld>
@@ -5607,7 +11972,7 @@
             </a:pPr>
             <a:r>
               <a:rPr/>
-              <a:t>SAS Code: Part01. Tell SAS where to find and store things.</a:t>
+              <a:t>SAS Code: Part02. Tell SAS where to find and store things.</a:t>
             </a:r>
           </a:p>
         </p:txBody>
@@ -5642,6 +12007,159 @@
 ods pdf file=
   "q:/introduction-to-sas/results/5507-02-simon-continuous-variables.pdf";
 </a:t>
+            </a:r>
+          </a:p>
+        </p:txBody>
+      </p:sp>
+    </p:spTree>
+  </p:cSld>
+</p:sld>
+</file>
+
+<file path=ppt/slides/slide70.xml><?xml version="1.0" encoding="utf-8"?>
+<p:sld xmlns:a="http://schemas.openxmlformats.org/drawingml/2006/main" xmlns:r="http://schemas.openxmlformats.org/officeDocument/2006/relationships" xmlns:p="http://schemas.openxmlformats.org/presentationml/2006/main">
+  <p:cSld>
+    <p:spTree>
+      <p:nvGrpSpPr>
+        <p:cNvPr id="1" name=""/>
+        <p:cNvGrpSpPr/>
+        <p:nvPr/>
+      </p:nvGrpSpPr>
+      <p:grpSpPr>
+        <a:xfrm>
+          <a:off x="0" y="0"/>
+          <a:ext cx="0" cy="0"/>
+          <a:chOff x="0" y="0"/>
+          <a:chExt cx="0" cy="0"/>
+        </a:xfrm>
+      </p:grpSpPr>
+      <p:sp>
+        <p:nvSpPr>
+          <p:cNvPr id="2" name="Title 1"/>
+          <p:cNvSpPr>
+            <a:spLocks noGrp="1"/>
+          </p:cNvSpPr>
+          <p:nvPr>
+            <p:ph type="title"/>
+          </p:nvPr>
+        </p:nvSpPr>
+        <p:spPr/>
+        <p:txBody>
+          <a:bodyPr/>
+          <a:lstStyle/>
+          <a:p>
+            <a:pPr lvl="0" indent="0" marL="0">
+              <a:buNone/>
+            </a:pPr>
+            <a:r>
+              <a:rPr/>
+              <a:t>SAS Code: Part22. Adding linear trend line.</a:t>
+            </a:r>
+          </a:p>
+        </p:txBody>
+      </p:sp>
+      <p:sp>
+        <p:nvSpPr>
+          <p:cNvPr id="3" name="Content Placeholder 2"/>
+          <p:cNvSpPr>
+            <a:spLocks noGrp="1"/>
+          </p:cNvSpPr>
+          <p:nvPr>
+            <p:ph idx="1"/>
+          </p:nvPr>
+        </p:nvSpPr>
+        <p:spPr/>
+        <p:txBody>
+          <a:bodyPr/>
+          <a:lstStyle/>
+          <a:p>
+            <a:pPr lvl="0" indent="0">
+              <a:buNone/>
+            </a:pPr>
+            <a:r>
+              <a:rPr>
+                <a:latin typeface="Courier"/>
+              </a:rPr>
+              <a:t>
+proc sgplot
+    data=intro.fat2;
+  scatter x=abdomen y=fat_brozek;
+  reg x=abdomen y=fat_brozek;
+  title2 "with linear trend";
+run;
+</a:t>
+            </a:r>
+          </a:p>
+        </p:txBody>
+      </p:sp>
+    </p:spTree>
+  </p:cSld>
+</p:sld>
+</file>
+
+<file path=ppt/slides/slide71.xml><?xml version="1.0" encoding="utf-8"?>
+<p:sld xmlns:a="http://schemas.openxmlformats.org/drawingml/2006/main" xmlns:r="http://schemas.openxmlformats.org/officeDocument/2006/relationships" xmlns:p="http://schemas.openxmlformats.org/presentationml/2006/main">
+  <p:cSld>
+    <p:spTree>
+      <p:nvGrpSpPr>
+        <p:cNvPr id="1" name=""/>
+        <p:cNvGrpSpPr/>
+        <p:nvPr/>
+      </p:nvGrpSpPr>
+      <p:grpSpPr>
+        <a:xfrm>
+          <a:off x="0" y="0"/>
+          <a:ext cx="0" cy="0"/>
+          <a:chOff x="0" y="0"/>
+          <a:chExt cx="0" cy="0"/>
+        </a:xfrm>
+      </p:grpSpPr>
+      <p:sp>
+        <p:nvSpPr>
+          <p:cNvPr id="2" name="Title 1"/>
+          <p:cNvSpPr>
+            <a:spLocks noGrp="1"/>
+          </p:cNvSpPr>
+          <p:nvPr>
+            <p:ph type="title"/>
+          </p:nvPr>
+        </p:nvSpPr>
+        <p:spPr/>
+        <p:txBody>
+          <a:bodyPr/>
+          <a:lstStyle/>
+          <a:p>
+            <a:pPr lvl="0" indent="0" marL="0">
+              <a:buNone/>
+            </a:pPr>
+            <a:r>
+              <a:rPr/>
+              <a:t>SAS output: Part22. Adding linear trend line.</a:t>
+            </a:r>
+          </a:p>
+        </p:txBody>
+      </p:sp>
+      <p:sp>
+        <p:nvSpPr>
+          <p:cNvPr id="3" name="Content Placeholder 2"/>
+          <p:cNvSpPr>
+            <a:spLocks noGrp="1"/>
+          </p:cNvSpPr>
+          <p:nvPr>
+            <p:ph idx="1"/>
+          </p:nvPr>
+        </p:nvSpPr>
+        <p:spPr/>
+        <p:txBody>
+          <a:bodyPr/>
+          <a:lstStyle/>
+          <a:p>
+            <a:pPr lvl="0" indent="0" marL="0">
+              <a:buNone/>
+            </a:pPr>
+            <a:r>
+              <a:rPr/>
+              <a:t>Figure 17</a:t>
             </a:r>
           </a:p>
         </p:txBody>
@@ -5735,7 +12253,7 @@
             </a:pPr>
             <a:r>
               <a:rPr/>
-              <a:t>SAS Code: Part02. Read in your data</a:t>
+              <a:t>SAS Code: Part03. Read in your data</a:t>
             </a:r>
           </a:p>
         </p:txBody>

--- a/results/test-code.pptx
+++ b/results/test-code.pptx
@@ -5,7 +5,7 @@
     <p:sldMasterId id="2147483648" r:id="rId1"/>
   </p:sldMasterIdLst>
   <p:notesMasterIdLst>
-    <p:notesMasterId r:id="rId73"/>
+    <p:notesMasterId r:id="rId78"/>
   </p:notesMasterIdLst>
   <p:sldIdLst>
     <p:sldId id="256" r:id="rId2"/>
@@ -79,6 +79,11 @@
     <p:sldId id="324" r:id="rId70"/>
     <p:sldId id="325" r:id="rId71"/>
     <p:sldId id="326" r:id="rId72"/>
+    <p:sldId id="327" r:id="rId73"/>
+    <p:sldId id="328" r:id="rId74"/>
+    <p:sldId id="329" r:id="rId75"/>
+    <p:sldId id="330" r:id="rId76"/>
+    <p:sldId id="331" r:id="rId77"/>
   </p:sldIdLst>
   <p:sldSz cx="12192000" cy="6858000"/>
   <p:notesSz cx="6858000" cy="9144000"/>
@@ -616,7 +621,7 @@
           <a:p>
             <a:fld id="{18BDFEC3-8487-43E8-A154-7C12CBC1FFF2}" type="slidenum">
               <a:rPr lang="en-US"/>
-              <a:t>5</a:t>
+              <a:t>10</a:t>
             </a:fld>
             <a:endParaRPr lang="en-US"/>
           </a:p>
@@ -838,7 +843,7 @@
           <a:p>
             <a:fld id="{18BDFEC3-8487-43E8-A154-7C12CBC1FFF2}" type="slidenum">
               <a:rPr lang="en-US"/>
-              <a:t>25</a:t>
+              <a:t>30</a:t>
             </a:fld>
             <a:endParaRPr lang="en-US"/>
           </a:p>
@@ -920,7 +925,7 @@
           <a:p>
             <a:fld id="{18BDFEC3-8487-43E8-A154-7C12CBC1FFF2}" type="slidenum">
               <a:rPr lang="en-US"/>
-              <a:t>28</a:t>
+              <a:t>33</a:t>
             </a:fld>
             <a:endParaRPr lang="en-US"/>
           </a:p>
@@ -1016,7 +1021,7 @@
           <a:p>
             <a:fld id="{18BDFEC3-8487-43E8-A154-7C12CBC1FFF2}" type="slidenum">
               <a:rPr lang="en-US"/>
-              <a:t>29</a:t>
+              <a:t>34</a:t>
             </a:fld>
             <a:endParaRPr lang="en-US"/>
           </a:p>
@@ -1098,7 +1103,7 @@
           <a:p>
             <a:fld id="{18BDFEC3-8487-43E8-A154-7C12CBC1FFF2}" type="slidenum">
               <a:rPr lang="en-US"/>
-              <a:t>31</a:t>
+              <a:t>36</a:t>
             </a:fld>
             <a:endParaRPr lang="en-US"/>
           </a:p>
@@ -1236,7 +1241,7 @@
           <a:p>
             <a:fld id="{18BDFEC3-8487-43E8-A154-7C12CBC1FFF2}" type="slidenum">
               <a:rPr lang="en-US"/>
-              <a:t>33</a:t>
+              <a:t>38</a:t>
             </a:fld>
             <a:endParaRPr lang="en-US"/>
           </a:p>
@@ -1332,7 +1337,7 @@
           <a:p>
             <a:fld id="{18BDFEC3-8487-43E8-A154-7C12CBC1FFF2}" type="slidenum">
               <a:rPr lang="en-US"/>
-              <a:t>35</a:t>
+              <a:t>40</a:t>
             </a:fld>
             <a:endParaRPr lang="en-US"/>
           </a:p>
@@ -1442,7 +1447,7 @@
           <a:p>
             <a:fld id="{18BDFEC3-8487-43E8-A154-7C12CBC1FFF2}" type="slidenum">
               <a:rPr lang="en-US"/>
-              <a:t>36</a:t>
+              <a:t>41</a:t>
             </a:fld>
             <a:endParaRPr lang="en-US"/>
           </a:p>
@@ -1524,7 +1529,7 @@
           <a:p>
             <a:fld id="{18BDFEC3-8487-43E8-A154-7C12CBC1FFF2}" type="slidenum">
               <a:rPr lang="en-US"/>
-              <a:t>38</a:t>
+              <a:t>43</a:t>
             </a:fld>
             <a:endParaRPr lang="en-US"/>
           </a:p>
@@ -1620,7 +1625,7 @@
           <a:p>
             <a:fld id="{18BDFEC3-8487-43E8-A154-7C12CBC1FFF2}" type="slidenum">
               <a:rPr lang="en-US"/>
-              <a:t>39</a:t>
+              <a:t>44</a:t>
             </a:fld>
             <a:endParaRPr lang="en-US"/>
           </a:p>
@@ -1716,7 +1721,7 @@
           <a:p>
             <a:fld id="{18BDFEC3-8487-43E8-A154-7C12CBC1FFF2}" type="slidenum">
               <a:rPr lang="en-US"/>
-              <a:t>42</a:t>
+              <a:t>47</a:t>
             </a:fld>
             <a:endParaRPr lang="en-US"/>
           </a:p>
@@ -1826,7 +1831,7 @@
           <a:p>
             <a:fld id="{18BDFEC3-8487-43E8-A154-7C12CBC1FFF2}" type="slidenum">
               <a:rPr lang="en-US"/>
-              <a:t>7</a:t>
+              <a:t>12</a:t>
             </a:fld>
             <a:endParaRPr lang="en-US"/>
           </a:p>
@@ -1922,7 +1927,7 @@
           <a:p>
             <a:fld id="{18BDFEC3-8487-43E8-A154-7C12CBC1FFF2}" type="slidenum">
               <a:rPr lang="en-US"/>
-              <a:t>43</a:t>
+              <a:t>48</a:t>
             </a:fld>
             <a:endParaRPr lang="en-US"/>
           </a:p>
@@ -2004,7 +2009,7 @@
           <a:p>
             <a:fld id="{18BDFEC3-8487-43E8-A154-7C12CBC1FFF2}" type="slidenum">
               <a:rPr lang="en-US"/>
-              <a:t>45</a:t>
+              <a:t>50</a:t>
             </a:fld>
             <a:endParaRPr lang="en-US"/>
           </a:p>
@@ -2100,7 +2105,7 @@
           <a:p>
             <a:fld id="{18BDFEC3-8487-43E8-A154-7C12CBC1FFF2}" type="slidenum">
               <a:rPr lang="en-US"/>
-              <a:t>46</a:t>
+              <a:t>51</a:t>
             </a:fld>
             <a:endParaRPr lang="en-US"/>
           </a:p>
@@ -2182,7 +2187,7 @@
           <a:p>
             <a:fld id="{18BDFEC3-8487-43E8-A154-7C12CBC1FFF2}" type="slidenum">
               <a:rPr lang="en-US"/>
-              <a:t>48</a:t>
+              <a:t>53</a:t>
             </a:fld>
             <a:endParaRPr lang="en-US"/>
           </a:p>
@@ -2278,7 +2283,7 @@
           <a:p>
             <a:fld id="{18BDFEC3-8487-43E8-A154-7C12CBC1FFF2}" type="slidenum">
               <a:rPr lang="en-US"/>
-              <a:t>49</a:t>
+              <a:t>54</a:t>
             </a:fld>
             <a:endParaRPr lang="en-US"/>
           </a:p>
@@ -2360,7 +2365,7 @@
           <a:p>
             <a:fld id="{18BDFEC3-8487-43E8-A154-7C12CBC1FFF2}" type="slidenum">
               <a:rPr lang="en-US"/>
-              <a:t>51</a:t>
+              <a:t>56</a:t>
             </a:fld>
             <a:endParaRPr lang="en-US"/>
           </a:p>
@@ -2456,7 +2461,7 @@
           <a:p>
             <a:fld id="{18BDFEC3-8487-43E8-A154-7C12CBC1FFF2}" type="slidenum">
               <a:rPr lang="en-US"/>
-              <a:t>52</a:t>
+              <a:t>57</a:t>
             </a:fld>
             <a:endParaRPr lang="en-US"/>
           </a:p>
@@ -2538,7 +2543,7 @@
           <a:p>
             <a:fld id="{18BDFEC3-8487-43E8-A154-7C12CBC1FFF2}" type="slidenum">
               <a:rPr lang="en-US"/>
-              <a:t>54</a:t>
+              <a:t>59</a:t>
             </a:fld>
             <a:endParaRPr lang="en-US"/>
           </a:p>
@@ -2634,7 +2639,7 @@
           <a:p>
             <a:fld id="{18BDFEC3-8487-43E8-A154-7C12CBC1FFF2}" type="slidenum">
               <a:rPr lang="en-US"/>
-              <a:t>55</a:t>
+              <a:t>60</a:t>
             </a:fld>
             <a:endParaRPr lang="en-US"/>
           </a:p>
@@ -2730,7 +2735,7 @@
           <a:p>
             <a:fld id="{18BDFEC3-8487-43E8-A154-7C12CBC1FFF2}" type="slidenum">
               <a:rPr lang="en-US"/>
-              <a:t>56</a:t>
+              <a:t>61</a:t>
             </a:fld>
             <a:endParaRPr lang="en-US"/>
           </a:p>
@@ -2812,7 +2817,7 @@
           <a:p>
             <a:fld id="{18BDFEC3-8487-43E8-A154-7C12CBC1FFF2}" type="slidenum">
               <a:rPr lang="en-US"/>
-              <a:t>11</a:t>
+              <a:t>16</a:t>
             </a:fld>
             <a:endParaRPr lang="en-US"/>
           </a:p>
@@ -2894,7 +2899,7 @@
           <a:p>
             <a:fld id="{18BDFEC3-8487-43E8-A154-7C12CBC1FFF2}" type="slidenum">
               <a:rPr lang="en-US"/>
-              <a:t>58</a:t>
+              <a:t>63</a:t>
             </a:fld>
             <a:endParaRPr lang="en-US"/>
           </a:p>
@@ -2990,7 +2995,7 @@
           <a:p>
             <a:fld id="{18BDFEC3-8487-43E8-A154-7C12CBC1FFF2}" type="slidenum">
               <a:rPr lang="en-US"/>
-              <a:t>59</a:t>
+              <a:t>64</a:t>
             </a:fld>
             <a:endParaRPr lang="en-US"/>
           </a:p>
@@ -3086,7 +3091,7 @@
           <a:p>
             <a:fld id="{18BDFEC3-8487-43E8-A154-7C12CBC1FFF2}" type="slidenum">
               <a:rPr lang="en-US"/>
-              <a:t>60</a:t>
+              <a:t>65</a:t>
             </a:fld>
             <a:endParaRPr lang="en-US"/>
           </a:p>
@@ -3182,7 +3187,7 @@
           <a:p>
             <a:fld id="{18BDFEC3-8487-43E8-A154-7C12CBC1FFF2}" type="slidenum">
               <a:rPr lang="en-US"/>
-              <a:t>62</a:t>
+              <a:t>67</a:t>
             </a:fld>
             <a:endParaRPr lang="en-US"/>
           </a:p>
@@ -3264,7 +3269,7 @@
           <a:p>
             <a:fld id="{18BDFEC3-8487-43E8-A154-7C12CBC1FFF2}" type="slidenum">
               <a:rPr lang="en-US"/>
-              <a:t>64</a:t>
+              <a:t>69</a:t>
             </a:fld>
             <a:endParaRPr lang="en-US"/>
           </a:p>
@@ -3360,7 +3365,7 @@
           <a:p>
             <a:fld id="{18BDFEC3-8487-43E8-A154-7C12CBC1FFF2}" type="slidenum">
               <a:rPr lang="en-US"/>
-              <a:t>65</a:t>
+              <a:t>70</a:t>
             </a:fld>
             <a:endParaRPr lang="en-US"/>
           </a:p>
@@ -3442,7 +3447,7 @@
           <a:p>
             <a:fld id="{18BDFEC3-8487-43E8-A154-7C12CBC1FFF2}" type="slidenum">
               <a:rPr lang="en-US"/>
-              <a:t>67</a:t>
+              <a:t>72</a:t>
             </a:fld>
             <a:endParaRPr lang="en-US"/>
           </a:p>
@@ -3538,7 +3543,7 @@
           <a:p>
             <a:fld id="{18BDFEC3-8487-43E8-A154-7C12CBC1FFF2}" type="slidenum">
               <a:rPr lang="en-US"/>
-              <a:t>68</a:t>
+              <a:t>73</a:t>
             </a:fld>
             <a:endParaRPr lang="en-US"/>
           </a:p>
@@ -3634,7 +3639,7 @@
           <a:p>
             <a:fld id="{18BDFEC3-8487-43E8-A154-7C12CBC1FFF2}" type="slidenum">
               <a:rPr lang="en-US"/>
-              <a:t>70</a:t>
+              <a:t>75</a:t>
             </a:fld>
             <a:endParaRPr lang="en-US"/>
           </a:p>
@@ -3730,7 +3735,7 @@
           <a:p>
             <a:fld id="{18BDFEC3-8487-43E8-A154-7C12CBC1FFF2}" type="slidenum">
               <a:rPr lang="en-US"/>
-              <a:t>71</a:t>
+              <a:t>76</a:t>
             </a:fld>
             <a:endParaRPr lang="en-US"/>
           </a:p>
@@ -3854,7 +3859,7 @@
           <a:p>
             <a:fld id="{18BDFEC3-8487-43E8-A154-7C12CBC1FFF2}" type="slidenum">
               <a:rPr lang="en-US"/>
-              <a:t>15</a:t>
+              <a:t>20</a:t>
             </a:fld>
             <a:endParaRPr lang="en-US"/>
           </a:p>
@@ -4020,7 +4025,7 @@
           <a:p>
             <a:fld id="{18BDFEC3-8487-43E8-A154-7C12CBC1FFF2}" type="slidenum">
               <a:rPr lang="en-US"/>
-              <a:t>17</a:t>
+              <a:t>22</a:t>
             </a:fld>
             <a:endParaRPr lang="en-US"/>
           </a:p>
@@ -4114,7 +4119,7 @@
           <a:p>
             <a:fld id="{18BDFEC3-8487-43E8-A154-7C12CBC1FFF2}" type="slidenum">
               <a:rPr lang="en-US"/>
-              <a:t>18</a:t>
+              <a:t>23</a:t>
             </a:fld>
             <a:endParaRPr lang="en-US"/>
           </a:p>
@@ -4210,7 +4215,7 @@
           <a:p>
             <a:fld id="{18BDFEC3-8487-43E8-A154-7C12CBC1FFF2}" type="slidenum">
               <a:rPr lang="en-US"/>
-              <a:t>20</a:t>
+              <a:t>25</a:t>
             </a:fld>
             <a:endParaRPr lang="en-US"/>
           </a:p>
@@ -4318,7 +4323,7 @@
           <a:p>
             <a:fld id="{18BDFEC3-8487-43E8-A154-7C12CBC1FFF2}" type="slidenum">
               <a:rPr lang="en-US"/>
-              <a:t>21</a:t>
+              <a:t>26</a:t>
             </a:fld>
             <a:endParaRPr lang="en-US"/>
           </a:p>
@@ -4442,7 +4447,7 @@
           <a:p>
             <a:fld id="{18BDFEC3-8487-43E8-A154-7C12CBC1FFF2}" type="slidenum">
               <a:rPr lang="en-US"/>
-              <a:t>24</a:t>
+              <a:t>29</a:t>
             </a:fld>
             <a:endParaRPr lang="en-US"/>
           </a:p>
@@ -7549,7 +7554,7 @@
             </a:pPr>
             <a:r>
               <a:rPr/>
-              <a:t>SAS Code: Part03. Read in your data</a:t>
+              <a:t>SAS Code: Part01. Documentation header</a:t>
             </a:r>
           </a:p>
         </p:txBody>
@@ -7577,14 +7582,12 @@
                 <a:latin typeface="Courier"/>
               </a:rPr>
               <a:t>
-    age
-    wt
-    ht
-    bmi
-    ffw
-    neck
-    chest
-    abdomen
+* 5507-02-simon-continuous-variables.sas
+* author: Steve Simon
+* date: created 2021-05-30
+* purpose: to work with continuous variables
+* license: public domain;
+options papersize=(6 4); 
 </a:t>
             </a:r>
           </a:p>
@@ -7632,42 +7635,7 @@
             </a:pPr>
             <a:r>
               <a:rPr/>
-              <a:t>SAS Code: Part03. Read in your data</a:t>
-            </a:r>
-          </a:p>
-        </p:txBody>
-      </p:sp>
-      <p:sp>
-        <p:nvSpPr>
-          <p:cNvPr id="3" name="Content Placeholder 2"/>
-          <p:cNvSpPr>
-            <a:spLocks noGrp="1"/>
-          </p:cNvSpPr>
-          <p:nvPr>
-            <p:ph idx="1"/>
-          </p:nvPr>
-        </p:nvSpPr>
-        <p:spPr/>
-        <p:txBody>
-          <a:bodyPr/>
-          <a:lstStyle/>
-          <a:p>
-            <a:pPr lvl="0" indent="0">
-              <a:buNone/>
-            </a:pPr>
-            <a:r>
-              <a:rPr>
-                <a:latin typeface="Courier"/>
-              </a:rPr>
-              <a:t>
-    hip
-    thigh
-    knee
-    ankle
-    biceps
-    forearm
-    wrist;
-</a:t>
+              <a:t>Chunk 2</a:t>
             </a:r>
           </a:p>
         </p:txBody>
@@ -7714,7 +7682,41 @@
             </a:pPr>
             <a:r>
               <a:rPr/>
-              <a:t>Chunk 4</a:t>
+              <a:t>SAS Code: Part02. Tell SAS where to find and store things.</a:t>
+            </a:r>
+          </a:p>
+        </p:txBody>
+      </p:sp>
+      <p:sp>
+        <p:nvSpPr>
+          <p:cNvPr id="3" name="Content Placeholder 2"/>
+          <p:cNvSpPr>
+            <a:spLocks noGrp="1"/>
+          </p:cNvSpPr>
+          <p:nvPr>
+            <p:ph idx="1"/>
+          </p:nvPr>
+        </p:nvSpPr>
+        <p:spPr/>
+        <p:txBody>
+          <a:bodyPr/>
+          <a:lstStyle/>
+          <a:p>
+            <a:pPr lvl="0" indent="0">
+              <a:buNone/>
+            </a:pPr>
+            <a:r>
+              <a:rPr>
+                <a:latin typeface="Courier"/>
+              </a:rPr>
+              <a:t>
+filename fat
+  "q:/introduction-to-sas/data/fat.txt";
+libname intro
+  "q:/introduction-to-sas/data";
+ods pdf file=
+  "q:/introduction-to-sas/results/5507-02-simon-continuous-variables.pdf";
+</a:t>
             </a:r>
           </a:p>
         </p:txBody>
@@ -7761,42 +7763,7 @@
             </a:pPr>
             <a:r>
               <a:rPr/>
-              <a:t>SAS Code: Part04. Add variable labels</a:t>
-            </a:r>
-          </a:p>
-        </p:txBody>
-      </p:sp>
-      <p:sp>
-        <p:nvSpPr>
-          <p:cNvPr id="3" name="Content Placeholder 2"/>
-          <p:cNvSpPr>
-            <a:spLocks noGrp="1"/>
-          </p:cNvSpPr>
-          <p:nvPr>
-            <p:ph idx="1"/>
-          </p:nvPr>
-        </p:nvSpPr>
-        <p:spPr/>
-        <p:txBody>
-          <a:bodyPr/>
-          <a:lstStyle/>
-          <a:p>
-            <a:pPr lvl="0" indent="0">
-              <a:buNone/>
-            </a:pPr>
-            <a:r>
-              <a:rPr>
-                <a:latin typeface="Courier"/>
-              </a:rPr>
-              <a:t>
-label
-    case="Case number"
-    fat_brozek="Fat (Brozek's equation)"
-    fat_siri="Fat (Siri's equation)"
-    dens="Density"
-    age="Age (yrs)"
-    wt="Weight (lbs)"
-</a:t>
+              <a:t>Chunk 3</a:t>
             </a:r>
           </a:p>
         </p:txBody>
@@ -7843,7 +7810,7 @@
             </a:pPr>
             <a:r>
               <a:rPr/>
-              <a:t>SAS Code: Part04. Add variable labels</a:t>
+              <a:t>SAS Code: Part03. Read in your data</a:t>
             </a:r>
           </a:p>
         </p:txBody>
@@ -7871,13 +7838,13 @@
                 <a:latin typeface="Courier"/>
               </a:rPr>
               <a:t>
-    ht="Height (inches)"
-    bmi="Body mass index (kg/m^2)"
-    ffw="Fat Free Weight (lbs)"
-    neck="Neck circumference (cm)"
-    chest="Chest circumference (cm)"
-    abdomen="Abdomen circumference (cm)"
-    hip="Hip circumference (cm)"
+data intro.fat;
+  infile fat;
+  input 
+    case
+    fat_brozek
+    fat_siri
+    dens
 </a:t>
             </a:r>
           </a:p>
@@ -7925,7 +7892,7 @@
             </a:pPr>
             <a:r>
               <a:rPr/>
-              <a:t>SAS Code: Part04. Add variable labels</a:t>
+              <a:t>SAS Code: Part03. Read in your data</a:t>
             </a:r>
           </a:p>
         </p:txBody>
@@ -7953,13 +7920,14 @@
                 <a:latin typeface="Courier"/>
               </a:rPr>
               <a:t>
-    thigh="Thigh circumference (cm)"
-    knee="Knee circumference (cm)"
-    ankle="Ankle circumference (cm)"
-    biceps="Extended biceps circumference (cm)"
-    forearm="Forearm circumference (cm)"
-    wrist="Wrist circumference (cm)";
-run;
+    age
+    wt
+    ht
+    bmi
+    ffw
+    neck
+    chest
+    abdomen
 </a:t>
             </a:r>
           </a:p>
@@ -8007,7 +7975,42 @@
             </a:pPr>
             <a:r>
               <a:rPr/>
-              <a:t>Chunk 5</a:t>
+              <a:t>SAS Code: Part03. Read in your data</a:t>
+            </a:r>
+          </a:p>
+        </p:txBody>
+      </p:sp>
+      <p:sp>
+        <p:nvSpPr>
+          <p:cNvPr id="3" name="Content Placeholder 2"/>
+          <p:cNvSpPr>
+            <a:spLocks noGrp="1"/>
+          </p:cNvSpPr>
+          <p:nvPr>
+            <p:ph idx="1"/>
+          </p:nvPr>
+        </p:nvSpPr>
+        <p:spPr/>
+        <p:txBody>
+          <a:bodyPr/>
+          <a:lstStyle/>
+          <a:p>
+            <a:pPr lvl="0" indent="0">
+              <a:buNone/>
+            </a:pPr>
+            <a:r>
+              <a:rPr>
+                <a:latin typeface="Courier"/>
+              </a:rPr>
+              <a:t>
+    hip
+    thigh
+    knee
+    ankle
+    biceps
+    forearm
+    wrist;
+</a:t>
             </a:r>
           </a:p>
         </p:txBody>
@@ -8054,41 +8057,7 @@
             </a:pPr>
             <a:r>
               <a:rPr/>
-              <a:t>SAS Code: Part05. Print a small piece of the data</a:t>
-            </a:r>
-          </a:p>
-        </p:txBody>
-      </p:sp>
-      <p:sp>
-        <p:nvSpPr>
-          <p:cNvPr id="3" name="Content Placeholder 2"/>
-          <p:cNvSpPr>
-            <a:spLocks noGrp="1"/>
-          </p:cNvSpPr>
-          <p:nvPr>
-            <p:ph idx="1"/>
-          </p:nvPr>
-        </p:nvSpPr>
-        <p:spPr/>
-        <p:txBody>
-          <a:bodyPr/>
-          <a:lstStyle/>
-          <a:p>
-            <a:pPr lvl="0" indent="0">
-              <a:buNone/>
-            </a:pPr>
-            <a:r>
-              <a:rPr>
-                <a:latin typeface="Courier"/>
-              </a:rPr>
-              <a:t>
-proc print
-    data=intro.fat(obs=10);
-  var case fat_brozek fat_siri dens age;
-  title1 "Ten rows and five columns";
-  title2 "of the fat data set";
-run;
-</a:t>
+              <a:t>Chunk 4</a:t>
             </a:r>
           </a:p>
         </p:txBody>
@@ -8135,7 +8104,7 @@
             </a:pPr>
             <a:r>
               <a:rPr/>
-              <a:t>SAS output: Part05. Print a small piece of the data</a:t>
+              <a:t>SAS Code: Part04. Add variable labels</a:t>
             </a:r>
           </a:p>
         </p:txBody>
@@ -8155,12 +8124,22 @@
           <a:bodyPr/>
           <a:lstStyle/>
           <a:p>
-            <a:pPr lvl="0" indent="0" marL="0">
-              <a:buNone/>
-            </a:pPr>
-            <a:r>
-              <a:rPr/>
-              <a:t>Figure 01</a:t>
+            <a:pPr lvl="0" indent="0">
+              <a:buNone/>
+            </a:pPr>
+            <a:r>
+              <a:rPr>
+                <a:latin typeface="Courier"/>
+              </a:rPr>
+              <a:t>
+label
+    case="Case number"
+    fat_brozek="Fat (Brozek's equation)"
+    fat_siri="Fat (Siri's equation)"
+    dens="Density"
+    age="Age (yrs)"
+    wt="Weight (lbs)"
+</a:t>
             </a:r>
           </a:p>
         </p:txBody>
@@ -8207,7 +8186,42 @@
             </a:pPr>
             <a:r>
               <a:rPr/>
-              <a:t>Chunk 6</a:t>
+              <a:t>SAS Code: Part04. Add variable labels</a:t>
+            </a:r>
+          </a:p>
+        </p:txBody>
+      </p:sp>
+      <p:sp>
+        <p:nvSpPr>
+          <p:cNvPr id="3" name="Content Placeholder 2"/>
+          <p:cNvSpPr>
+            <a:spLocks noGrp="1"/>
+          </p:cNvSpPr>
+          <p:nvPr>
+            <p:ph idx="1"/>
+          </p:nvPr>
+        </p:nvSpPr>
+        <p:spPr/>
+        <p:txBody>
+          <a:bodyPr/>
+          <a:lstStyle/>
+          <a:p>
+            <a:pPr lvl="0" indent="0">
+              <a:buNone/>
+            </a:pPr>
+            <a:r>
+              <a:rPr>
+                <a:latin typeface="Courier"/>
+              </a:rPr>
+              <a:t>
+    ht="Height (inches)"
+    bmi="Body mass index (kg/m^2)"
+    ffw="Fat Free Weight (lbs)"
+    neck="Neck circumference (cm)"
+    chest="Chest circumference (cm)"
+    abdomen="Abdomen circumference (cm)"
+    hip="Hip circumference (cm)"
+</a:t>
             </a:r>
           </a:p>
         </p:txBody>
@@ -8326,7 +8340,7 @@
             </a:pPr>
             <a:r>
               <a:rPr/>
-              <a:t>SAS Code: Part06. Calculate simple statistics for ht</a:t>
+              <a:t>SAS Code: Part04. Add variable labels</a:t>
             </a:r>
           </a:p>
         </p:txBody>
@@ -8354,12 +8368,12 @@
                 <a:latin typeface="Courier"/>
               </a:rPr>
               <a:t>
-proc means
-    n mean std min max
-    data=intro.fat;
-  var ht;
-  title1 "Descriptive statistics for ht";
-  title2 "Notice the unusual minimum";
+    thigh="Thigh circumference (cm)"
+    knee="Knee circumference (cm)"
+    ankle="Ankle circumference (cm)"
+    biceps="Biceps circumference (cm)"
+    forearm="Forearm circumference (cm)"
+    wrist="Wrist circumference (cm)";
 run;
 </a:t>
             </a:r>
@@ -8408,32 +8422,7 @@
             </a:pPr>
             <a:r>
               <a:rPr/>
-              <a:t>SAS output: Part06. Calculate simple statistics for ht</a:t>
-            </a:r>
-          </a:p>
-        </p:txBody>
-      </p:sp>
-      <p:sp>
-        <p:nvSpPr>
-          <p:cNvPr id="3" name="Content Placeholder 2"/>
-          <p:cNvSpPr>
-            <a:spLocks noGrp="1"/>
-          </p:cNvSpPr>
-          <p:nvPr>
-            <p:ph idx="1"/>
-          </p:nvPr>
-        </p:nvSpPr>
-        <p:spPr/>
-        <p:txBody>
-          <a:bodyPr/>
-          <a:lstStyle/>
-          <a:p>
-            <a:pPr lvl="0" indent="0" marL="0">
-              <a:buNone/>
-            </a:pPr>
-            <a:r>
-              <a:rPr/>
-              <a:t>Figure 02</a:t>
+              <a:t>Chunk 5</a:t>
             </a:r>
           </a:p>
         </p:txBody>
@@ -8480,7 +8469,41 @@
             </a:pPr>
             <a:r>
               <a:rPr/>
-              <a:t>Chunk 7</a:t>
+              <a:t>SAS Code: Part05. Print a small piece of the data</a:t>
+            </a:r>
+          </a:p>
+        </p:txBody>
+      </p:sp>
+      <p:sp>
+        <p:nvSpPr>
+          <p:cNvPr id="3" name="Content Placeholder 2"/>
+          <p:cNvSpPr>
+            <a:spLocks noGrp="1"/>
+          </p:cNvSpPr>
+          <p:nvPr>
+            <p:ph idx="1"/>
+          </p:nvPr>
+        </p:nvSpPr>
+        <p:spPr/>
+        <p:txBody>
+          <a:bodyPr/>
+          <a:lstStyle/>
+          <a:p>
+            <a:pPr lvl="0" indent="0">
+              <a:buNone/>
+            </a:pPr>
+            <a:r>
+              <a:rPr>
+                <a:latin typeface="Courier"/>
+              </a:rPr>
+              <a:t>
+proc print
+    data=intro.fat(obs=10);
+  var case fat_brozek fat_siri dens age;
+  title1 "Ten rows and five columns";
+  title2 "of the fat data set";
+run;
+</a:t>
             </a:r>
           </a:p>
         </p:txBody>
@@ -8527,7 +8550,7 @@
             </a:pPr>
             <a:r>
               <a:rPr/>
-              <a:t>SAS Code: Part07. Look at smallest value</a:t>
+              <a:t>SAS output: Part05. Print a small piece of the data</a:t>
             </a:r>
           </a:p>
         </p:txBody>
@@ -8547,19 +8570,12 @@
           <a:bodyPr/>
           <a:lstStyle/>
           <a:p>
-            <a:pPr lvl="0" indent="0">
-              <a:buNone/>
-            </a:pPr>
-            <a:r>
-              <a:rPr>
-                <a:latin typeface="Courier"/>
-              </a:rPr>
-              <a:t>
-proc sort
-    data=intro.fat;
-  by ht;
-run;
-</a:t>
+            <a:pPr lvl="0" indent="0" marL="0">
+              <a:buNone/>
+            </a:pPr>
+            <a:r>
+              <a:rPr/>
+              <a:t>Figure 01</a:t>
             </a:r>
           </a:p>
         </p:txBody>
@@ -8606,40 +8622,7 @@
             </a:pPr>
             <a:r>
               <a:rPr/>
-              <a:t>SAS Code: Part07. Look at smallest value</a:t>
-            </a:r>
-          </a:p>
-        </p:txBody>
-      </p:sp>
-      <p:sp>
-        <p:nvSpPr>
-          <p:cNvPr id="3" name="Content Placeholder 2"/>
-          <p:cNvSpPr>
-            <a:spLocks noGrp="1"/>
-          </p:cNvSpPr>
-          <p:nvPr>
-            <p:ph idx="1"/>
-          </p:nvPr>
-        </p:nvSpPr>
-        <p:spPr/>
-        <p:txBody>
-          <a:bodyPr/>
-          <a:lstStyle/>
-          <a:p>
-            <a:pPr lvl="0" indent="0">
-              <a:buNone/>
-            </a:pPr>
-            <a:r>
-              <a:rPr>
-                <a:latin typeface="Courier"/>
-              </a:rPr>
-              <a:t>
-proc print
-    data=intro.fat(obs=1);
-  title1 "The row with the smallest ht";
-  title2 "Note the inconsistency with wt";
-run;
-</a:t>
+              <a:t>Chunk 6</a:t>
             </a:r>
           </a:p>
         </p:txBody>
@@ -8686,7 +8669,7 @@
             </a:pPr>
             <a:r>
               <a:rPr/>
-              <a:t>SAS output: Part07. Look at smallest value</a:t>
+              <a:t>SAS Code: Part06. Calculate simple statistics for ht</a:t>
             </a:r>
           </a:p>
         </p:txBody>
@@ -8706,12 +8689,22 @@
           <a:bodyPr/>
           <a:lstStyle/>
           <a:p>
-            <a:pPr lvl="0" indent="0" marL="0">
-              <a:buNone/>
-            </a:pPr>
-            <a:r>
-              <a:rPr/>
-              <a:t>Figure 03</a:t>
+            <a:pPr lvl="0" indent="0">
+              <a:buNone/>
+            </a:pPr>
+            <a:r>
+              <a:rPr>
+                <a:latin typeface="Courier"/>
+              </a:rPr>
+              <a:t>
+proc means
+    n mean std min max
+    data=intro.fat;
+  var ht;
+  title1 "Descriptive statistics for ht";
+  title2 "Notice the unusual minimum";
+run;
+</a:t>
             </a:r>
           </a:p>
         </p:txBody>
@@ -8758,7 +8751,32 @@
             </a:pPr>
             <a:r>
               <a:rPr/>
-              <a:t>Chunk 8</a:t>
+              <a:t>SAS output: Part06. Calculate simple statistics for ht</a:t>
+            </a:r>
+          </a:p>
+        </p:txBody>
+      </p:sp>
+      <p:sp>
+        <p:nvSpPr>
+          <p:cNvPr id="3" name="Content Placeholder 2"/>
+          <p:cNvSpPr>
+            <a:spLocks noGrp="1"/>
+          </p:cNvSpPr>
+          <p:nvPr>
+            <p:ph idx="1"/>
+          </p:nvPr>
+        </p:nvSpPr>
+        <p:spPr/>
+        <p:txBody>
+          <a:bodyPr/>
+          <a:lstStyle/>
+          <a:p>
+            <a:pPr lvl="0" indent="0" marL="0">
+              <a:buNone/>
+            </a:pPr>
+            <a:r>
+              <a:rPr/>
+              <a:t>Figure 02</a:t>
             </a:r>
           </a:p>
         </p:txBody>
@@ -8805,39 +8823,7 @@
             </a:pPr>
             <a:r>
               <a:rPr/>
-              <a:t>SAS Code: Part08. Look at the largest value</a:t>
-            </a:r>
-          </a:p>
-        </p:txBody>
-      </p:sp>
-      <p:sp>
-        <p:nvSpPr>
-          <p:cNvPr id="3" name="Content Placeholder 2"/>
-          <p:cNvSpPr>
-            <a:spLocks noGrp="1"/>
-          </p:cNvSpPr>
-          <p:nvPr>
-            <p:ph idx="1"/>
-          </p:nvPr>
-        </p:nvSpPr>
-        <p:spPr/>
-        <p:txBody>
-          <a:bodyPr/>
-          <a:lstStyle/>
-          <a:p>
-            <a:pPr lvl="0" indent="0">
-              <a:buNone/>
-            </a:pPr>
-            <a:r>
-              <a:rPr>
-                <a:latin typeface="Courier"/>
-              </a:rPr>
-              <a:t>
-proc sort
-    data=intro.fat;
-  by descending ht;
-run;
-</a:t>
+              <a:t>Chunk 7</a:t>
             </a:r>
           </a:p>
         </p:txBody>
@@ -8884,7 +8870,7 @@
             </a:pPr>
             <a:r>
               <a:rPr/>
-              <a:t>SAS Code: Part08. Look at the largest value</a:t>
+              <a:t>SAS Code: Part07. Look at smallest value</a:t>
             </a:r>
           </a:p>
         </p:txBody>
@@ -8912,10 +8898,9 @@
                 <a:latin typeface="Courier"/>
               </a:rPr>
               <a:t>
-proc print
-    data=intro.fat(obs=1);
-  title1 "The row with the largest ht";
-  title2 "This seems quite normal to me";
+proc sort
+    data=intro.fat;
+  by ht;
 run;
 </a:t>
             </a:r>
@@ -8964,7 +8949,7 @@
             </a:pPr>
             <a:r>
               <a:rPr/>
-              <a:t>SAS output: Part08. Look at the largest value</a:t>
+              <a:t>SAS Code: Part07. Look at smallest value</a:t>
             </a:r>
           </a:p>
         </p:txBody>
@@ -8984,12 +8969,20 @@
           <a:bodyPr/>
           <a:lstStyle/>
           <a:p>
-            <a:pPr lvl="0" indent="0" marL="0">
-              <a:buNone/>
-            </a:pPr>
-            <a:r>
-              <a:rPr/>
-              <a:t>Figure 04</a:t>
+            <a:pPr lvl="0" indent="0">
+              <a:buNone/>
+            </a:pPr>
+            <a:r>
+              <a:rPr>
+                <a:latin typeface="Courier"/>
+              </a:rPr>
+              <a:t>
+proc print
+    data=intro.fat(obs=1);
+  title1 "The row with the smallest ht";
+  title2 "Note the inconsistency with wt";
+run;
+</a:t>
             </a:r>
           </a:p>
         </p:txBody>
@@ -9064,41 +9057,6 @@
               <a:t>1, 1, 1, 2, 2, 2, 3, 3, 3, 3, 3, 4, 4, 4, 4, 4, 5, 5, 5, 5, 6, 6, 6, 6, 7, 7, 7, 7, 7, 7, 8, 8, 8, 8, 8, 8, 9, 9, 9, 10, 10, 10, 11, 11, 11, 11, 12, 12, 12, 12, 12, 13, 13, 13, 13, 13, 13, 14, 14, 14, 14, 14, 15, 15, 15, 15, 15, 16, 16, 16, 16, 16, 17, 17, 17, 17, 17, 17, 17, 18, 18, 18, 18, 18, 18, 18, 19, 19, 19, 20, 20, 20, 20, 20, 21, 21, 21, 21, 21, 22, 22, 22, 22, 22, 23, 23, 23, 23, 23</a:t>
             </a:r>
           </a:p>
-          <a:p>
-            <a:pPr lvl="0" indent="0">
-              <a:buNone/>
-            </a:pPr>
-            <a:r>
-              <a:rPr>
-                <a:latin typeface="Courier"/>
-              </a:rPr>
-              <a:t>i </a:t>
-            </a:r>
-            <a:r>
-              <a:rPr>
-                <a:solidFill>
-                  <a:srgbClr val="007020"/>
-                </a:solidFill>
-                <a:latin typeface="Courier"/>
-              </a:rPr>
-              <a:t>&lt;-</a:t>
-            </a:r>
-            <a:r>
-              <a:rPr>
-                <a:latin typeface="Courier"/>
-              </a:rPr>
-              <a:t> </a:t>
-            </a:r>
-            <a:r>
-              <a:rPr>
-                <a:solidFill>
-                  <a:srgbClr val="40A070"/>
-                </a:solidFill>
-                <a:latin typeface="Courier"/>
-              </a:rPr>
-              <a:t>0</a:t>
-            </a:r>
-          </a:p>
         </p:txBody>
       </p:sp>
     </p:spTree>
@@ -9143,7 +9101,32 @@
             </a:pPr>
             <a:r>
               <a:rPr/>
-              <a:t>Chunk 9</a:t>
+              <a:t>SAS output: Part07. Look at smallest value</a:t>
+            </a:r>
+          </a:p>
+        </p:txBody>
+      </p:sp>
+      <p:sp>
+        <p:nvSpPr>
+          <p:cNvPr id="3" name="Content Placeholder 2"/>
+          <p:cNvSpPr>
+            <a:spLocks noGrp="1"/>
+          </p:cNvSpPr>
+          <p:nvPr>
+            <p:ph idx="1"/>
+          </p:nvPr>
+        </p:nvSpPr>
+        <p:spPr/>
+        <p:txBody>
+          <a:bodyPr/>
+          <a:lstStyle/>
+          <a:p>
+            <a:pPr lvl="0" indent="0" marL="0">
+              <a:buNone/>
+            </a:pPr>
+            <a:r>
+              <a:rPr/>
+              <a:t>Figure 03</a:t>
             </a:r>
           </a:p>
         </p:txBody>
@@ -9190,39 +9173,7 @@
             </a:pPr>
             <a:r>
               <a:rPr/>
-              <a:t>SAS Code: Part09. Removing the entire row</a:t>
-            </a:r>
-          </a:p>
-        </p:txBody>
-      </p:sp>
-      <p:sp>
-        <p:nvSpPr>
-          <p:cNvPr id="3" name="Content Placeholder 2"/>
-          <p:cNvSpPr>
-            <a:spLocks noGrp="1"/>
-          </p:cNvSpPr>
-          <p:nvPr>
-            <p:ph idx="1"/>
-          </p:nvPr>
-        </p:nvSpPr>
-        <p:spPr/>
-        <p:txBody>
-          <a:bodyPr/>
-          <a:lstStyle/>
-          <a:p>
-            <a:pPr lvl="0" indent="0">
-              <a:buNone/>
-            </a:pPr>
-            <a:r>
-              <a:rPr>
-                <a:latin typeface="Courier"/>
-              </a:rPr>
-              <a:t>
-data intro.fat1;
-  set intro.fat;
-  if ht &gt; 29.5;
-run;
-</a:t>
+              <a:t>Chunk 8</a:t>
             </a:r>
           </a:p>
         </p:txBody>
@@ -9269,7 +9220,39 @@
             </a:pPr>
             <a:r>
               <a:rPr/>
-              <a:t>Chunk 10</a:t>
+              <a:t>SAS Code: Part08. Look at the largest value</a:t>
+            </a:r>
+          </a:p>
+        </p:txBody>
+      </p:sp>
+      <p:sp>
+        <p:nvSpPr>
+          <p:cNvPr id="3" name="Content Placeholder 2"/>
+          <p:cNvSpPr>
+            <a:spLocks noGrp="1"/>
+          </p:cNvSpPr>
+          <p:nvPr>
+            <p:ph idx="1"/>
+          </p:nvPr>
+        </p:nvSpPr>
+        <p:spPr/>
+        <p:txBody>
+          <a:bodyPr/>
+          <a:lstStyle/>
+          <a:p>
+            <a:pPr lvl="0" indent="0">
+              <a:buNone/>
+            </a:pPr>
+            <a:r>
+              <a:rPr>
+                <a:latin typeface="Courier"/>
+              </a:rPr>
+              <a:t>
+proc sort
+    data=intro.fat;
+  by descending ht;
+run;
+</a:t>
             </a:r>
           </a:p>
         </p:txBody>
@@ -9316,7 +9299,7 @@
             </a:pPr>
             <a:r>
               <a:rPr/>
-              <a:t>SAS Code: Part10. Converting the outlier to a missing value</a:t>
+              <a:t>SAS Code: Part08. Look at the largest value</a:t>
             </a:r>
           </a:p>
         </p:txBody>
@@ -9344,9 +9327,10 @@
                 <a:latin typeface="Courier"/>
               </a:rPr>
               <a:t>
-data intro.fat2;
-  set intro.fat;
-  if ht=29.5 then ht=.;
+proc print
+    data=intro.fat(obs=1);
+  title1 "The row with the largest ht";
+  title2 "This seems quite normal to me";
 run;
 </a:t>
             </a:r>
@@ -9395,7 +9379,32 @@
             </a:pPr>
             <a:r>
               <a:rPr/>
-              <a:t>Chunk 11</a:t>
+              <a:t>SAS output: Part08. Look at the largest value</a:t>
+            </a:r>
+          </a:p>
+        </p:txBody>
+      </p:sp>
+      <p:sp>
+        <p:nvSpPr>
+          <p:cNvPr id="3" name="Content Placeholder 2"/>
+          <p:cNvSpPr>
+            <a:spLocks noGrp="1"/>
+          </p:cNvSpPr>
+          <p:nvPr>
+            <p:ph idx="1"/>
+          </p:nvPr>
+        </p:nvSpPr>
+        <p:spPr/>
+        <p:txBody>
+          <a:bodyPr/>
+          <a:lstStyle/>
+          <a:p>
+            <a:pPr lvl="0" indent="0" marL="0">
+              <a:buNone/>
+            </a:pPr>
+            <a:r>
+              <a:rPr/>
+              <a:t>Figure 04</a:t>
             </a:r>
           </a:p>
         </p:txBody>
@@ -9442,40 +9451,7 @@
             </a:pPr>
             <a:r>
               <a:rPr/>
-              <a:t>SAS Code: Part11. Faulty approach for filtering out negative values</a:t>
-            </a:r>
-          </a:p>
-        </p:txBody>
-      </p:sp>
-      <p:sp>
-        <p:nvSpPr>
-          <p:cNvPr id="3" name="Content Placeholder 2"/>
-          <p:cNvSpPr>
-            <a:spLocks noGrp="1"/>
-          </p:cNvSpPr>
-          <p:nvPr>
-            <p:ph idx="1"/>
-          </p:nvPr>
-        </p:nvSpPr>
-        <p:spPr/>
-        <p:txBody>
-          <a:bodyPr/>
-          <a:lstStyle/>
-          <a:p>
-            <a:pPr lvl="0" indent="0">
-              <a:buNone/>
-            </a:pPr>
-            <a:r>
-              <a:rPr>
-                <a:latin typeface="Courier"/>
-              </a:rPr>
-              <a:t>
-proc print
-    data=intro.fat2;
-  where ht &lt; 0;
-  title1 "ht &lt; 0 will include ht = .";
-run;
-</a:t>
+              <a:t>Chunk 9</a:t>
             </a:r>
           </a:p>
         </p:txBody>
@@ -9522,7 +9498,7 @@
             </a:pPr>
             <a:r>
               <a:rPr/>
-              <a:t>SAS output: Part11. Faulty approach for filtering out negative values</a:t>
+              <a:t>SAS Code: Part09. Removing the entire row</a:t>
             </a:r>
           </a:p>
         </p:txBody>
@@ -9542,12 +9518,19 @@
           <a:bodyPr/>
           <a:lstStyle/>
           <a:p>
-            <a:pPr lvl="0" indent="0" marL="0">
-              <a:buNone/>
-            </a:pPr>
-            <a:r>
-              <a:rPr/>
-              <a:t>Figure 05</a:t>
+            <a:pPr lvl="0" indent="0">
+              <a:buNone/>
+            </a:pPr>
+            <a:r>
+              <a:rPr>
+                <a:latin typeface="Courier"/>
+              </a:rPr>
+              <a:t>
+data intro.fat1;
+  set intro.fat;
+  if ht &gt; 29.5;
+run;
+</a:t>
             </a:r>
           </a:p>
         </p:txBody>
@@ -9594,7 +9577,7 @@
             </a:pPr>
             <a:r>
               <a:rPr/>
-              <a:t>Chunk 12</a:t>
+              <a:t>Chunk 10</a:t>
             </a:r>
           </a:p>
         </p:txBody>
@@ -9641,7 +9624,7 @@
             </a:pPr>
             <a:r>
               <a:rPr/>
-              <a:t>SAS Code: Part12. Counting missing values</a:t>
+              <a:t>SAS Code: Part10. Converting the outlier to a missing value</a:t>
             </a:r>
           </a:p>
         </p:txBody>
@@ -9669,11 +9652,9 @@
                 <a:latin typeface="Courier"/>
               </a:rPr>
               <a:t>
-proc means
-    n nmiss mean std min max
-    data=intro.fat2;
-  var ht;
-  title "Using the nmiss statistic";
+data intro.fat2;
+  set intro.fat;
+  if ht=29.5 then ht=.;
 run;
 </a:t>
             </a:r>
@@ -9722,32 +9703,7 @@
             </a:pPr>
             <a:r>
               <a:rPr/>
-              <a:t>SAS output: Part12. Counting missing values</a:t>
-            </a:r>
-          </a:p>
-        </p:txBody>
-      </p:sp>
-      <p:sp>
-        <p:nvSpPr>
-          <p:cNvPr id="3" name="Content Placeholder 2"/>
-          <p:cNvSpPr>
-            <a:spLocks noGrp="1"/>
-          </p:cNvSpPr>
-          <p:nvPr>
-            <p:ph idx="1"/>
-          </p:nvPr>
-        </p:nvSpPr>
-        <p:spPr/>
-        <p:txBody>
-          <a:bodyPr/>
-          <a:lstStyle/>
-          <a:p>
-            <a:pPr lvl="0" indent="0" marL="0">
-              <a:buNone/>
-            </a:pPr>
-            <a:r>
-              <a:rPr/>
-              <a:t>Figure 06</a:t>
+              <a:t>Chunk 11</a:t>
             </a:r>
           </a:p>
         </p:txBody>
@@ -9794,7 +9750,38 @@
             </a:pPr>
             <a:r>
               <a:rPr/>
-              <a:t>Chunk 1</a:t>
+              <a:t>QC check</a:t>
+            </a:r>
+          </a:p>
+        </p:txBody>
+      </p:sp>
+      <p:sp>
+        <p:nvSpPr>
+          <p:cNvPr id="3" name="Content Placeholder 2"/>
+          <p:cNvSpPr>
+            <a:spLocks noGrp="1"/>
+          </p:cNvSpPr>
+          <p:nvPr>
+            <p:ph idx="1"/>
+          </p:nvPr>
+        </p:nvSpPr>
+        <p:spPr/>
+        <p:txBody>
+          <a:bodyPr/>
+          <a:lstStyle/>
+          <a:p>
+            <a:pPr lvl="0" indent="0">
+              <a:buNone/>
+            </a:pPr>
+            <a:r>
+              <a:rPr>
+                <a:latin typeface="Courier"/>
+              </a:rPr>
+              <a:t>## [1] "&lt;!---Part01. Documentation header---&gt;"                    
+## [2] "&lt;!---Part02. Tell SAS where to find and store things.---&gt;"
+## [3] "&lt;!---Part03. Read in your data---&gt;"                       
+## [4] "&lt;!---Part04. Add variable labels---&gt;"                     
+## [5] "&lt;!---Part05. Print a small piece of the data---&gt;"</a:t>
             </a:r>
           </a:p>
         </p:txBody>
@@ -9841,7 +9828,40 @@
             </a:pPr>
             <a:r>
               <a:rPr/>
-              <a:t>Chunk 13</a:t>
+              <a:t>SAS Code: Part11. Faulty approach for filtering out negative values</a:t>
+            </a:r>
+          </a:p>
+        </p:txBody>
+      </p:sp>
+      <p:sp>
+        <p:nvSpPr>
+          <p:cNvPr id="3" name="Content Placeholder 2"/>
+          <p:cNvSpPr>
+            <a:spLocks noGrp="1"/>
+          </p:cNvSpPr>
+          <p:nvPr>
+            <p:ph idx="1"/>
+          </p:nvPr>
+        </p:nvSpPr>
+        <p:spPr/>
+        <p:txBody>
+          <a:bodyPr/>
+          <a:lstStyle/>
+          <a:p>
+            <a:pPr lvl="0" indent="0">
+              <a:buNone/>
+            </a:pPr>
+            <a:r>
+              <a:rPr>
+                <a:latin typeface="Courier"/>
+              </a:rPr>
+              <a:t>
+proc print
+    data=intro.fat2;
+  where ht &lt; 0;
+  title1 "ht &lt; 0 will include ht = .";
+run;
+</a:t>
             </a:r>
           </a:p>
         </p:txBody>
@@ -9888,7 +9908,7 @@
             </a:pPr>
             <a:r>
               <a:rPr/>
-              <a:t>SAS Code: Part13. Simple transformations</a:t>
+              <a:t>SAS output: Part11. Faulty approach for filtering out negative values</a:t>
             </a:r>
           </a:p>
         </p:txBody>
@@ -9908,20 +9928,12 @@
           <a:bodyPr/>
           <a:lstStyle/>
           <a:p>
-            <a:pPr lvl="0" indent="0">
-              <a:buNone/>
-            </a:pPr>
-            <a:r>
-              <a:rPr>
-                <a:latin typeface="Courier"/>
-              </a:rPr>
-              <a:t>
-data converted_units;
-  set intro.fat2;
-  ht_cm = ht * 2.54;
-  wt_kg = wt / 2.2; 
-run;
-</a:t>
+            <a:pPr lvl="0" indent="0" marL="0">
+              <a:buNone/>
+            </a:pPr>
+            <a:r>
+              <a:rPr/>
+              <a:t>Figure 05</a:t>
             </a:r>
           </a:p>
         </p:txBody>
@@ -9968,40 +9980,7 @@
             </a:pPr>
             <a:r>
               <a:rPr/>
-              <a:t>SAS Code: Part13. Simple transformations</a:t>
-            </a:r>
-          </a:p>
-        </p:txBody>
-      </p:sp>
-      <p:sp>
-        <p:nvSpPr>
-          <p:cNvPr id="3" name="Content Placeholder 2"/>
-          <p:cNvSpPr>
-            <a:spLocks noGrp="1"/>
-          </p:cNvSpPr>
-          <p:nvPr>
-            <p:ph idx="1"/>
-          </p:nvPr>
-        </p:nvSpPr>
-        <p:spPr/>
-        <p:txBody>
-          <a:bodyPr/>
-          <a:lstStyle/>
-          <a:p>
-            <a:pPr lvl="0" indent="0">
-              <a:buNone/>
-            </a:pPr>
-            <a:r>
-              <a:rPr>
-                <a:latin typeface="Courier"/>
-              </a:rPr>
-              <a:t>
-proc print 
-    data=converted_units(obs=10);
-  var ht ht_cm wt wt_kg;
-  title1 "Original and converted units";
-run;
-</a:t>
+              <a:t>Chunk 12</a:t>
             </a:r>
           </a:p>
         </p:txBody>
@@ -10048,7 +10027,7 @@
             </a:pPr>
             <a:r>
               <a:rPr/>
-              <a:t>SAS output: Part13. Simple transformations</a:t>
+              <a:t>SAS Code: Part12. Counting missing values</a:t>
             </a:r>
           </a:p>
         </p:txBody>
@@ -10068,12 +10047,21 @@
           <a:bodyPr/>
           <a:lstStyle/>
           <a:p>
-            <a:pPr lvl="0" indent="0" marL="0">
-              <a:buNone/>
-            </a:pPr>
-            <a:r>
-              <a:rPr/>
-              <a:t>Figure 07</a:t>
+            <a:pPr lvl="0" indent="0">
+              <a:buNone/>
+            </a:pPr>
+            <a:r>
+              <a:rPr>
+                <a:latin typeface="Courier"/>
+              </a:rPr>
+              <a:t>
+proc means
+    n nmiss mean std min max
+    data=intro.fat2;
+  var ht;
+  title "Using the nmiss statistic";
+run;
+</a:t>
             </a:r>
           </a:p>
         </p:txBody>
@@ -10120,7 +10108,32 @@
             </a:pPr>
             <a:r>
               <a:rPr/>
-              <a:t>Chunk 14</a:t>
+              <a:t>SAS output: Part12. Counting missing values</a:t>
+            </a:r>
+          </a:p>
+        </p:txBody>
+      </p:sp>
+      <p:sp>
+        <p:nvSpPr>
+          <p:cNvPr id="3" name="Content Placeholder 2"/>
+          <p:cNvSpPr>
+            <a:spLocks noGrp="1"/>
+          </p:cNvSpPr>
+          <p:nvPr>
+            <p:ph idx="1"/>
+          </p:nvPr>
+        </p:nvSpPr>
+        <p:spPr/>
+        <p:txBody>
+          <a:bodyPr/>
+          <a:lstStyle/>
+          <a:p>
+            <a:pPr lvl="0" indent="0" marL="0">
+              <a:buNone/>
+            </a:pPr>
+            <a:r>
+              <a:rPr/>
+              <a:t>Figure 06</a:t>
             </a:r>
           </a:p>
         </p:txBody>
@@ -10167,40 +10180,7 @@
             </a:pPr>
             <a:r>
               <a:rPr/>
-              <a:t>SAS Code: Part14. Display a histogram</a:t>
-            </a:r>
-          </a:p>
-        </p:txBody>
-      </p:sp>
-      <p:sp>
-        <p:nvSpPr>
-          <p:cNvPr id="3" name="Content Placeholder 2"/>
-          <p:cNvSpPr>
-            <a:spLocks noGrp="1"/>
-          </p:cNvSpPr>
-          <p:nvPr>
-            <p:ph idx="1"/>
-          </p:nvPr>
-        </p:nvSpPr>
-        <p:spPr/>
-        <p:txBody>
-          <a:bodyPr/>
-          <a:lstStyle/>
-          <a:p>
-            <a:pPr lvl="0" indent="0">
-              <a:buNone/>
-            </a:pPr>
-            <a:r>
-              <a:rPr>
-                <a:latin typeface="Courier"/>
-              </a:rPr>
-              <a:t>
-proc sgplot
-    data=intro.fat2;
-  histogram ht;
-  title "Histogram with default bins";
-run;
-</a:t>
+              <a:t>Chunk 13</a:t>
             </a:r>
           </a:p>
         </p:txBody>
@@ -10247,7 +10227,7 @@
             </a:pPr>
             <a:r>
               <a:rPr/>
-              <a:t>SAS output: Part14. Display a histogram</a:t>
+              <a:t>SAS Code: Part13. Simple transformations</a:t>
             </a:r>
           </a:p>
         </p:txBody>
@@ -10267,12 +10247,20 @@
           <a:bodyPr/>
           <a:lstStyle/>
           <a:p>
-            <a:pPr lvl="0" indent="0" marL="0">
-              <a:buNone/>
-            </a:pPr>
-            <a:r>
-              <a:rPr/>
-              <a:t>Figure 08</a:t>
+            <a:pPr lvl="0" indent="0">
+              <a:buNone/>
+            </a:pPr>
+            <a:r>
+              <a:rPr>
+                <a:latin typeface="Courier"/>
+              </a:rPr>
+              <a:t>
+data converted_units;
+  set intro.fat2;
+  ht_cm = ht * 2.54;
+  wt_kg = wt / 2.2; 
+run;
+</a:t>
             </a:r>
           </a:p>
         </p:txBody>
@@ -10319,7 +10307,40 @@
             </a:pPr>
             <a:r>
               <a:rPr/>
-              <a:t>Chunk 15</a:t>
+              <a:t>SAS Code: Part13. Simple transformations</a:t>
+            </a:r>
+          </a:p>
+        </p:txBody>
+      </p:sp>
+      <p:sp>
+        <p:nvSpPr>
+          <p:cNvPr id="3" name="Content Placeholder 2"/>
+          <p:cNvSpPr>
+            <a:spLocks noGrp="1"/>
+          </p:cNvSpPr>
+          <p:nvPr>
+            <p:ph idx="1"/>
+          </p:nvPr>
+        </p:nvSpPr>
+        <p:spPr/>
+        <p:txBody>
+          <a:bodyPr/>
+          <a:lstStyle/>
+          <a:p>
+            <a:pPr lvl="0" indent="0">
+              <a:buNone/>
+            </a:pPr>
+            <a:r>
+              <a:rPr>
+                <a:latin typeface="Courier"/>
+              </a:rPr>
+              <a:t>
+proc print 
+    data=converted_units(obs=10);
+  var ht ht_cm wt wt_kg;
+  title1 "Original and converted units";
+run;
+</a:t>
             </a:r>
           </a:p>
         </p:txBody>
@@ -10366,7 +10387,7 @@
             </a:pPr>
             <a:r>
               <a:rPr/>
-              <a:t>SAS Code: Part15. Revised histogram with narrow bins</a:t>
+              <a:t>SAS output: Part13. Simple transformations</a:t>
             </a:r>
           </a:p>
         </p:txBody>
@@ -10386,20 +10407,12 @@
           <a:bodyPr/>
           <a:lstStyle/>
           <a:p>
-            <a:pPr lvl="0" indent="0">
-              <a:buNone/>
-            </a:pPr>
-            <a:r>
-              <a:rPr>
-                <a:latin typeface="Courier"/>
-              </a:rPr>
-              <a:t>
-proc sgplot
-    data=intro.fat2;
-  histogram ht / binstart=60 binwidth=1;
-  title "Histogram with narrow bins";
-run;
-</a:t>
+            <a:pPr lvl="0" indent="0" marL="0">
+              <a:buNone/>
+            </a:pPr>
+            <a:r>
+              <a:rPr/>
+              <a:t>Figure 07</a:t>
             </a:r>
           </a:p>
         </p:txBody>
@@ -10446,32 +10459,7 @@
             </a:pPr>
             <a:r>
               <a:rPr/>
-              <a:t>SAS output: Part15. Revised histogram with narrow bins</a:t>
-            </a:r>
-          </a:p>
-        </p:txBody>
-      </p:sp>
-      <p:sp>
-        <p:nvSpPr>
-          <p:cNvPr id="3" name="Content Placeholder 2"/>
-          <p:cNvSpPr>
-            <a:spLocks noGrp="1"/>
-          </p:cNvSpPr>
-          <p:nvPr>
-            <p:ph idx="1"/>
-          </p:nvPr>
-        </p:nvSpPr>
-        <p:spPr/>
-        <p:txBody>
-          <a:bodyPr/>
-          <a:lstStyle/>
-          <a:p>
-            <a:pPr lvl="0" indent="0" marL="0">
-              <a:buNone/>
-            </a:pPr>
-            <a:r>
-              <a:rPr/>
-              <a:t>Figure 09</a:t>
+              <a:t>Chunk 14</a:t>
             </a:r>
           </a:p>
         </p:txBody>
@@ -10518,7 +10506,7 @@
             </a:pPr>
             <a:r>
               <a:rPr/>
-              <a:t>SAS Code: Part01. Documentation header</a:t>
+              <a:t>QC check</a:t>
             </a:r>
           </a:p>
         </p:txBody>
@@ -10545,14 +10533,11 @@
               <a:rPr>
                 <a:latin typeface="Courier"/>
               </a:rPr>
-              <a:t>
-* 5507-02-simon-continuous-variables.sas
-* author: Steve Simon
-* date: created 2021-05-30
-* purpose: to work with continuous variables
-* license: public domain;
-options papersize=(6 4); 
-</a:t>
+              <a:t>## [1] "&lt;!---Part06. Calculate simple statistics for ht---&gt;"       
+## [2] "&lt;!---Part07. Look at smallest value---&gt;"                   
+## [3] "&lt;!---Part08. Look at the largest value---&gt;"                
+## [4] "&lt;!---Part09. Removing the entire row---&gt;"                  
+## [5] "&lt;!---Part10. Converting the outlier to a missing value---&gt;"</a:t>
             </a:r>
           </a:p>
         </p:txBody>
@@ -10599,7 +10584,40 @@
             </a:pPr>
             <a:r>
               <a:rPr/>
-              <a:t>Chunk 16</a:t>
+              <a:t>SAS Code: Part14. Display a histogram</a:t>
+            </a:r>
+          </a:p>
+        </p:txBody>
+      </p:sp>
+      <p:sp>
+        <p:nvSpPr>
+          <p:cNvPr id="3" name="Content Placeholder 2"/>
+          <p:cNvSpPr>
+            <a:spLocks noGrp="1"/>
+          </p:cNvSpPr>
+          <p:nvPr>
+            <p:ph idx="1"/>
+          </p:nvPr>
+        </p:nvSpPr>
+        <p:spPr/>
+        <p:txBody>
+          <a:bodyPr/>
+          <a:lstStyle/>
+          <a:p>
+            <a:pPr lvl="0" indent="0">
+              <a:buNone/>
+            </a:pPr>
+            <a:r>
+              <a:rPr>
+                <a:latin typeface="Courier"/>
+              </a:rPr>
+              <a:t>
+proc sgplot
+    data=intro.fat2;
+  histogram ht;
+  title "Histogram with default bins";
+run;
+</a:t>
             </a:r>
           </a:p>
         </p:txBody>
@@ -10646,7 +10664,7 @@
             </a:pPr>
             <a:r>
               <a:rPr/>
-              <a:t>SAS Code: Part16. Revised histogram with wide bins</a:t>
+              <a:t>SAS output: Part14. Display a histogram</a:t>
             </a:r>
           </a:p>
         </p:txBody>
@@ -10666,20 +10684,12 @@
           <a:bodyPr/>
           <a:lstStyle/>
           <a:p>
-            <a:pPr lvl="0" indent="0">
-              <a:buNone/>
-            </a:pPr>
-            <a:r>
-              <a:rPr>
-                <a:latin typeface="Courier"/>
-              </a:rPr>
-              <a:t>
-proc sgplot
-    data=intro.fat2;
-  histogram ht / binstart=60 binwidth=5;
-  title "Histogram with wide bins";
-run;
-</a:t>
+            <a:pPr lvl="0" indent="0" marL="0">
+              <a:buNone/>
+            </a:pPr>
+            <a:r>
+              <a:rPr/>
+              <a:t>Figure 08</a:t>
             </a:r>
           </a:p>
         </p:txBody>
@@ -10726,32 +10736,7 @@
             </a:pPr>
             <a:r>
               <a:rPr/>
-              <a:t>SAS output: Part16. Revised histogram with wide bins</a:t>
-            </a:r>
-          </a:p>
-        </p:txBody>
-      </p:sp>
-      <p:sp>
-        <p:nvSpPr>
-          <p:cNvPr id="3" name="Content Placeholder 2"/>
-          <p:cNvSpPr>
-            <a:spLocks noGrp="1"/>
-          </p:cNvSpPr>
-          <p:nvPr>
-            <p:ph idx="1"/>
-          </p:nvPr>
-        </p:nvSpPr>
-        <p:spPr/>
-        <p:txBody>
-          <a:bodyPr/>
-          <a:lstStyle/>
-          <a:p>
-            <a:pPr lvl="0" indent="0" marL="0">
-              <a:buNone/>
-            </a:pPr>
-            <a:r>
-              <a:rPr/>
-              <a:t>Figure 10</a:t>
+              <a:t>Chunk 15</a:t>
             </a:r>
           </a:p>
         </p:txBody>
@@ -10798,7 +10783,40 @@
             </a:pPr>
             <a:r>
               <a:rPr/>
-              <a:t>Chunk 17</a:t>
+              <a:t>SAS Code: Part15. Revised histogram with narrow bins</a:t>
+            </a:r>
+          </a:p>
+        </p:txBody>
+      </p:sp>
+      <p:sp>
+        <p:nvSpPr>
+          <p:cNvPr id="3" name="Content Placeholder 2"/>
+          <p:cNvSpPr>
+            <a:spLocks noGrp="1"/>
+          </p:cNvSpPr>
+          <p:nvPr>
+            <p:ph idx="1"/>
+          </p:nvPr>
+        </p:nvSpPr>
+        <p:spPr/>
+        <p:txBody>
+          <a:bodyPr/>
+          <a:lstStyle/>
+          <a:p>
+            <a:pPr lvl="0" indent="0">
+              <a:buNone/>
+            </a:pPr>
+            <a:r>
+              <a:rPr>
+                <a:latin typeface="Courier"/>
+              </a:rPr>
+              <a:t>
+proc sgplot
+    data=intro.fat2;
+  histogram ht / binstart=60 binwidth=1;
+  title "Histogram with narrow bins";
+run;
+</a:t>
             </a:r>
           </a:p>
         </p:txBody>
@@ -10845,7 +10863,7 @@
             </a:pPr>
             <a:r>
               <a:rPr/>
-              <a:t>SAS Code: Part17. Calculate correlations</a:t>
+              <a:t>SAS output: Part15. Revised histogram with narrow bins</a:t>
             </a:r>
           </a:p>
         </p:txBody>
@@ -10865,22 +10883,12 @@
           <a:bodyPr/>
           <a:lstStyle/>
           <a:p>
-            <a:pPr lvl="0" indent="0">
-              <a:buNone/>
-            </a:pPr>
-            <a:r>
-              <a:rPr>
-                <a:latin typeface="Courier"/>
-              </a:rPr>
-              <a:t>
-proc corr
-    data=intro.fat2
-    noprob nosimple;
-  var fat_brozek fat_siri;
-  with neck -- wrist;
-  title "Correlation matrix";
-run;
-</a:t>
+            <a:pPr lvl="0" indent="0" marL="0">
+              <a:buNone/>
+            </a:pPr>
+            <a:r>
+              <a:rPr/>
+              <a:t>Figure 09</a:t>
             </a:r>
           </a:p>
         </p:txBody>
@@ -10927,32 +10935,7 @@
             </a:pPr>
             <a:r>
               <a:rPr/>
-              <a:t>SAS output: Part17. Calculate correlations</a:t>
-            </a:r>
-          </a:p>
-        </p:txBody>
-      </p:sp>
-      <p:sp>
-        <p:nvSpPr>
-          <p:cNvPr id="3" name="Content Placeholder 2"/>
-          <p:cNvSpPr>
-            <a:spLocks noGrp="1"/>
-          </p:cNvSpPr>
-          <p:nvPr>
-            <p:ph idx="1"/>
-          </p:nvPr>
-        </p:nvSpPr>
-        <p:spPr/>
-        <p:txBody>
-          <a:bodyPr/>
-          <a:lstStyle/>
-          <a:p>
-            <a:pPr lvl="0" indent="0" marL="0">
-              <a:buNone/>
-            </a:pPr>
-            <a:r>
-              <a:rPr/>
-              <a:t>Figure 11</a:t>
+              <a:t>Chunk 16</a:t>
             </a:r>
           </a:p>
         </p:txBody>
@@ -10999,7 +10982,7 @@
             </a:pPr>
             <a:r>
               <a:rPr/>
-              <a:t>SAS output: Part17. Calculate correlations</a:t>
+              <a:t>SAS Code: Part16. Revised histogram with wide bins</a:t>
             </a:r>
           </a:p>
         </p:txBody>
@@ -11019,12 +11002,20 @@
           <a:bodyPr/>
           <a:lstStyle/>
           <a:p>
-            <a:pPr lvl="0" indent="0" marL="0">
-              <a:buNone/>
-            </a:pPr>
-            <a:r>
-              <a:rPr/>
-              <a:t>Figure 12</a:t>
+            <a:pPr lvl="0" indent="0">
+              <a:buNone/>
+            </a:pPr>
+            <a:r>
+              <a:rPr>
+                <a:latin typeface="Courier"/>
+              </a:rPr>
+              <a:t>
+proc sgplot
+    data=intro.fat2;
+  histogram ht / binstart=60 binwidth=5;
+  title "Histogram with wide bins";
+run;
+</a:t>
             </a:r>
           </a:p>
         </p:txBody>
@@ -11071,7 +11062,32 @@
             </a:pPr>
             <a:r>
               <a:rPr/>
-              <a:t>Chunk 18</a:t>
+              <a:t>SAS output: Part16. Revised histogram with wide bins</a:t>
+            </a:r>
+          </a:p>
+        </p:txBody>
+      </p:sp>
+      <p:sp>
+        <p:nvSpPr>
+          <p:cNvPr id="3" name="Content Placeholder 2"/>
+          <p:cNvSpPr>
+            <a:spLocks noGrp="1"/>
+          </p:cNvSpPr>
+          <p:nvPr>
+            <p:ph idx="1"/>
+          </p:nvPr>
+        </p:nvSpPr>
+        <p:spPr/>
+        <p:txBody>
+          <a:bodyPr/>
+          <a:lstStyle/>
+          <a:p>
+            <a:pPr lvl="0" indent="0" marL="0">
+              <a:buNone/>
+            </a:pPr>
+            <a:r>
+              <a:rPr/>
+              <a:t>Figure 10</a:t>
             </a:r>
           </a:p>
         </p:txBody>
@@ -11118,46 +11134,7 @@
             </a:pPr>
             <a:r>
               <a:rPr/>
-              <a:t>SAS Code: Part18. Save the correlations in a separate data file.</a:t>
-            </a:r>
-          </a:p>
-        </p:txBody>
-      </p:sp>
-      <p:sp>
-        <p:nvSpPr>
-          <p:cNvPr id="3" name="Content Placeholder 2"/>
-          <p:cNvSpPr>
-            <a:spLocks noGrp="1"/>
-          </p:cNvSpPr>
-          <p:nvPr>
-            <p:ph idx="1"/>
-          </p:nvPr>
-        </p:nvSpPr>
-        <p:spPr/>
-        <p:txBody>
-          <a:bodyPr/>
-          <a:lstStyle/>
-          <a:p>
-            <a:pPr lvl="0" indent="0">
-              <a:buNone/>
-            </a:pPr>
-            <a:r>
-              <a:rPr>
-                <a:latin typeface="Courier"/>
-              </a:rPr>
-              <a:t>
-proc corr
-    data=intro.fat2
-    noprint
-    outp=correlations;
-  var fat_brozek fat_siri;
-  with neck -- wrist;
-run;
-proc print 
-    data=correlations;
-  title "Correlation matrix output to a data set";
-run;
-</a:t>
+              <a:t>Chunk 17</a:t>
             </a:r>
           </a:p>
         </p:txBody>
@@ -11204,7 +11181,7 @@
             </a:pPr>
             <a:r>
               <a:rPr/>
-              <a:t>SAS output: Part18. Save the correlations in a separate data file.</a:t>
+              <a:t>SAS Code: Part17. Calculate correlations</a:t>
             </a:r>
           </a:p>
         </p:txBody>
@@ -11224,12 +11201,22 @@
           <a:bodyPr/>
           <a:lstStyle/>
           <a:p>
-            <a:pPr lvl="0" indent="0" marL="0">
-              <a:buNone/>
-            </a:pPr>
-            <a:r>
-              <a:rPr/>
-              <a:t>Figure 13</a:t>
+            <a:pPr lvl="0" indent="0">
+              <a:buNone/>
+            </a:pPr>
+            <a:r>
+              <a:rPr>
+                <a:latin typeface="Courier"/>
+              </a:rPr>
+              <a:t>
+proc corr
+    data=intro.fat2
+    noprob nosimple;
+  var fat_brozek fat_siri;
+  with neck -- wrist;
+  title "Correlation matrix";
+run;
+</a:t>
             </a:r>
           </a:p>
         </p:txBody>
@@ -11276,7 +11263,38 @@
             </a:pPr>
             <a:r>
               <a:rPr/>
-              <a:t>Chunk 2</a:t>
+              <a:t>QC check</a:t>
+            </a:r>
+          </a:p>
+        </p:txBody>
+      </p:sp>
+      <p:sp>
+        <p:nvSpPr>
+          <p:cNvPr id="3" name="Content Placeholder 2"/>
+          <p:cNvSpPr>
+            <a:spLocks noGrp="1"/>
+          </p:cNvSpPr>
+          <p:nvPr>
+            <p:ph idx="1"/>
+          </p:nvPr>
+        </p:nvSpPr>
+        <p:spPr/>
+        <p:txBody>
+          <a:bodyPr/>
+          <a:lstStyle/>
+          <a:p>
+            <a:pPr lvl="0" indent="0">
+              <a:buNone/>
+            </a:pPr>
+            <a:r>
+              <a:rPr>
+                <a:latin typeface="Courier"/>
+              </a:rPr>
+              <a:t>## [1] "&lt;!---Part11. Faulty approach for filtering out negative values---&gt;"
+## [2] "&lt;!---Part12. Counting missing values---&gt;"                          
+## [3] "&lt;!---Part13. Simple transformations---&gt;"                           
+## [4] "&lt;!---Part14. Display a histogram---&gt;"                              
+## [5] "&lt;!---Part15. Revised histogram with narrow bins---&gt;"</a:t>
             </a:r>
           </a:p>
         </p:txBody>
@@ -11323,7 +11341,7 @@
             </a:pPr>
             <a:r>
               <a:rPr/>
-              <a:t>SAS output: Part18. Save the correlations in a separate data file.</a:t>
+              <a:t>SAS output: Part17. Calculate correlations</a:t>
             </a:r>
           </a:p>
         </p:txBody>
@@ -11348,7 +11366,7 @@
             </a:pPr>
             <a:r>
               <a:rPr/>
-              <a:t>Figure 14</a:t>
+              <a:t>Figure 11</a:t>
             </a:r>
           </a:p>
         </p:txBody>
@@ -11395,7 +11413,32 @@
             </a:pPr>
             <a:r>
               <a:rPr/>
-              <a:t>Chunk 19</a:t>
+              <a:t>SAS output: Part17. Calculate correlations</a:t>
+            </a:r>
+          </a:p>
+        </p:txBody>
+      </p:sp>
+      <p:sp>
+        <p:nvSpPr>
+          <p:cNvPr id="3" name="Content Placeholder 2"/>
+          <p:cNvSpPr>
+            <a:spLocks noGrp="1"/>
+          </p:cNvSpPr>
+          <p:nvPr>
+            <p:ph idx="1"/>
+          </p:nvPr>
+        </p:nvSpPr>
+        <p:spPr/>
+        <p:txBody>
+          <a:bodyPr/>
+          <a:lstStyle/>
+          <a:p>
+            <a:pPr lvl="0" indent="0" marL="0">
+              <a:buNone/>
+            </a:pPr>
+            <a:r>
+              <a:rPr/>
+              <a:t>Figure 12</a:t>
             </a:r>
           </a:p>
         </p:txBody>
@@ -11442,46 +11485,7 @@
             </a:pPr>
             <a:r>
               <a:rPr/>
-              <a:t>SAS Code: Part19. Modify these correlations.</a:t>
-            </a:r>
-          </a:p>
-        </p:txBody>
-      </p:sp>
-      <p:sp>
-        <p:nvSpPr>
-          <p:cNvPr id="3" name="Content Placeholder 2"/>
-          <p:cNvSpPr>
-            <a:spLocks noGrp="1"/>
-          </p:cNvSpPr>
-          <p:nvPr>
-            <p:ph idx="1"/>
-          </p:nvPr>
-        </p:nvSpPr>
-        <p:spPr/>
-        <p:txBody>
-          <a:bodyPr/>
-          <a:lstStyle/>
-          <a:p>
-            <a:pPr lvl="0" indent="0">
-              <a:buNone/>
-            </a:pPr>
-            <a:r>
-              <a:rPr>
-                <a:latin typeface="Courier"/>
-              </a:rPr>
-              <a:t>
-data correlations;
-  set correlations;
-  if _type_="CORR";
-  drop type;
-  fat_brozek=round(100*fat_brozek);
-  fat_siri=round(100*fat_siri);
-run;
-proc sort
-    data=correlations;
-  by descending fat_brozek;
-run;
-</a:t>
+              <a:t>Chunk 18</a:t>
             </a:r>
           </a:p>
         </p:txBody>
@@ -11528,7 +11532,46 @@
             </a:pPr>
             <a:r>
               <a:rPr/>
-              <a:t>Chunk 20</a:t>
+              <a:t>SAS Code: Part18. Save the correlations in a separate data file.</a:t>
+            </a:r>
+          </a:p>
+        </p:txBody>
+      </p:sp>
+      <p:sp>
+        <p:nvSpPr>
+          <p:cNvPr id="3" name="Content Placeholder 2"/>
+          <p:cNvSpPr>
+            <a:spLocks noGrp="1"/>
+          </p:cNvSpPr>
+          <p:nvPr>
+            <p:ph idx="1"/>
+          </p:nvPr>
+        </p:nvSpPr>
+        <p:spPr/>
+        <p:txBody>
+          <a:bodyPr/>
+          <a:lstStyle/>
+          <a:p>
+            <a:pPr lvl="0" indent="0">
+              <a:buNone/>
+            </a:pPr>
+            <a:r>
+              <a:rPr>
+                <a:latin typeface="Courier"/>
+              </a:rPr>
+              <a:t>
+proc corr
+    data=intro.fat2
+    noprint
+    outp=correlations;
+  var fat_brozek fat_siri;
+  with neck -- wrist;
+run;
+proc print 
+    data=correlations;
+  title "Correlation matrix output to a data set";
+run;
+</a:t>
             </a:r>
           </a:p>
         </p:txBody>
@@ -11575,7 +11618,7 @@
             </a:pPr>
             <a:r>
               <a:rPr/>
-              <a:t>SAS Code: Part20. Print the modified correlations.</a:t>
+              <a:t>SAS output: Part18. Save the correlations in a separate data file.</a:t>
             </a:r>
           </a:p>
         </p:txBody>
@@ -11595,19 +11638,12 @@
           <a:bodyPr/>
           <a:lstStyle/>
           <a:p>
-            <a:pPr lvl="0" indent="0">
-              <a:buNone/>
-            </a:pPr>
-            <a:r>
-              <a:rPr>
-                <a:latin typeface="Courier"/>
-              </a:rPr>
-              <a:t>
-proc print 
-    data=correlations;
-  title "Rounded and re-ordered correlation matrix";
-run;
-</a:t>
+            <a:pPr lvl="0" indent="0" marL="0">
+              <a:buNone/>
+            </a:pPr>
+            <a:r>
+              <a:rPr/>
+              <a:t>Figure 13</a:t>
             </a:r>
           </a:p>
         </p:txBody>
@@ -11654,7 +11690,7 @@
             </a:pPr>
             <a:r>
               <a:rPr/>
-              <a:t>SAS output: Part20. Print the modified correlations.</a:t>
+              <a:t>SAS output: Part18. Save the correlations in a separate data file.</a:t>
             </a:r>
           </a:p>
         </p:txBody>
@@ -11679,7 +11715,7 @@
             </a:pPr>
             <a:r>
               <a:rPr/>
-              <a:t>Figure 15</a:t>
+              <a:t>Figure 14</a:t>
             </a:r>
           </a:p>
         </p:txBody>
@@ -11726,7 +11762,7 @@
             </a:pPr>
             <a:r>
               <a:rPr/>
-              <a:t>Chunk 21</a:t>
+              <a:t>Chunk 19</a:t>
             </a:r>
           </a:p>
         </p:txBody>
@@ -11773,7 +11809,7 @@
             </a:pPr>
             <a:r>
               <a:rPr/>
-              <a:t>SAS Code: Part21. Draw a scatterplot.</a:t>
+              <a:t>SAS Code: Part19. Modify these correlations.</a:t>
             </a:r>
           </a:p>
         </p:txBody>
@@ -11801,10 +11837,16 @@
                 <a:latin typeface="Courier"/>
               </a:rPr>
               <a:t>
-proc sgplot
-    data=intro.fat2;
-  scatter x=abdomen y=fat_brozek;
-  title1 "Simple scatterplot";
+data correlations;
+  set correlations;
+  if _type_="CORR";
+  drop type;
+  fat_brozek=round(100*fat_brozek);
+  fat_siri=round(100*fat_siri);
+run;
+proc sort
+    data=correlations;
+  by descending fat_brozek;
 run;
 </a:t>
             </a:r>
@@ -11853,32 +11895,7 @@
             </a:pPr>
             <a:r>
               <a:rPr/>
-              <a:t>SAS output: Part21. Draw a scatterplot.</a:t>
-            </a:r>
-          </a:p>
-        </p:txBody>
-      </p:sp>
-      <p:sp>
-        <p:nvSpPr>
-          <p:cNvPr id="3" name="Content Placeholder 2"/>
-          <p:cNvSpPr>
-            <a:spLocks noGrp="1"/>
-          </p:cNvSpPr>
-          <p:nvPr>
-            <p:ph idx="1"/>
-          </p:nvPr>
-        </p:nvSpPr>
-        <p:spPr/>
-        <p:txBody>
-          <a:bodyPr/>
-          <a:lstStyle/>
-          <a:p>
-            <a:pPr lvl="0" indent="0" marL="0">
-              <a:buNone/>
-            </a:pPr>
-            <a:r>
-              <a:rPr/>
-              <a:t>Figure 16</a:t>
+              <a:t>Chunk 20</a:t>
             </a:r>
           </a:p>
         </p:txBody>
@@ -11925,7 +11942,39 @@
             </a:pPr>
             <a:r>
               <a:rPr/>
-              <a:t>Chunk 22</a:t>
+              <a:t>SAS Code: Part20. Print the modified correlations.</a:t>
+            </a:r>
+          </a:p>
+        </p:txBody>
+      </p:sp>
+      <p:sp>
+        <p:nvSpPr>
+          <p:cNvPr id="3" name="Content Placeholder 2"/>
+          <p:cNvSpPr>
+            <a:spLocks noGrp="1"/>
+          </p:cNvSpPr>
+          <p:nvPr>
+            <p:ph idx="1"/>
+          </p:nvPr>
+        </p:nvSpPr>
+        <p:spPr/>
+        <p:txBody>
+          <a:bodyPr/>
+          <a:lstStyle/>
+          <a:p>
+            <a:pPr lvl="0" indent="0">
+              <a:buNone/>
+            </a:pPr>
+            <a:r>
+              <a:rPr>
+                <a:latin typeface="Courier"/>
+              </a:rPr>
+              <a:t>
+proc print 
+    data=correlations;
+  title "Rounded and re-ordered correlation matrix";
+run;
+</a:t>
             </a:r>
           </a:p>
         </p:txBody>
@@ -11972,7 +12021,7 @@
             </a:pPr>
             <a:r>
               <a:rPr/>
-              <a:t>SAS Code: Part02. Tell SAS where to find and store things.</a:t>
+              <a:t>QC check</a:t>
             </a:r>
           </a:p>
         </p:txBody>
@@ -11999,14 +12048,11 @@
               <a:rPr>
                 <a:latin typeface="Courier"/>
               </a:rPr>
-              <a:t>
-filename fat
-  "q:/introduction-to-sas/data/fat.txt";
-libname intro
-  "q:/introduction-to-sas/data";
-ods pdf file=
-  "q:/introduction-to-sas/results/5507-02-simon-continuous-variables.pdf";
-</a:t>
+              <a:t>## [1] "&lt;!---Part16. Revised histogram with wide bins---&gt;"              
+## [2] "&lt;!---Part17. Calculate correlations---&gt;"                        
+## [3] "&lt;!---Part18. Save the correlations in a separate data file.---&gt;"
+## [4] "&lt;!---Part19. Modify these correlations.---&gt;"                    
+## [5] "&lt;!---Part20. Print the modified correlations.---&gt;"</a:t>
             </a:r>
           </a:p>
         </p:txBody>
@@ -12053,7 +12099,7 @@
             </a:pPr>
             <a:r>
               <a:rPr/>
-              <a:t>SAS Code: Part22. Adding linear trend line.</a:t>
+              <a:t>SAS output: Part20. Print the modified correlations.</a:t>
             </a:r>
           </a:p>
         </p:txBody>
@@ -12073,21 +12119,12 @@
           <a:bodyPr/>
           <a:lstStyle/>
           <a:p>
-            <a:pPr lvl="0" indent="0">
-              <a:buNone/>
-            </a:pPr>
-            <a:r>
-              <a:rPr>
-                <a:latin typeface="Courier"/>
-              </a:rPr>
-              <a:t>
-proc sgplot
-    data=intro.fat2;
-  scatter x=abdomen y=fat_brozek;
-  reg x=abdomen y=fat_brozek;
-  title2 "with linear trend";
-run;
-</a:t>
+            <a:pPr lvl="0" indent="0" marL="0">
+              <a:buNone/>
+            </a:pPr>
+            <a:r>
+              <a:rPr/>
+              <a:t>Figure 15</a:t>
             </a:r>
           </a:p>
         </p:txBody>
@@ -12134,6 +12171,333 @@
             </a:pPr>
             <a:r>
               <a:rPr/>
+              <a:t>Chunk 21</a:t>
+            </a:r>
+          </a:p>
+        </p:txBody>
+      </p:sp>
+    </p:spTree>
+  </p:cSld>
+</p:sld>
+</file>
+
+<file path=ppt/slides/slide72.xml><?xml version="1.0" encoding="utf-8"?>
+<p:sld xmlns:a="http://schemas.openxmlformats.org/drawingml/2006/main" xmlns:r="http://schemas.openxmlformats.org/officeDocument/2006/relationships" xmlns:p="http://schemas.openxmlformats.org/presentationml/2006/main">
+  <p:cSld>
+    <p:spTree>
+      <p:nvGrpSpPr>
+        <p:cNvPr id="1" name=""/>
+        <p:cNvGrpSpPr/>
+        <p:nvPr/>
+      </p:nvGrpSpPr>
+      <p:grpSpPr>
+        <a:xfrm>
+          <a:off x="0" y="0"/>
+          <a:ext cx="0" cy="0"/>
+          <a:chOff x="0" y="0"/>
+          <a:chExt cx="0" cy="0"/>
+        </a:xfrm>
+      </p:grpSpPr>
+      <p:sp>
+        <p:nvSpPr>
+          <p:cNvPr id="2" name="Title 1"/>
+          <p:cNvSpPr>
+            <a:spLocks noGrp="1"/>
+          </p:cNvSpPr>
+          <p:nvPr>
+            <p:ph type="title"/>
+          </p:nvPr>
+        </p:nvSpPr>
+        <p:spPr/>
+        <p:txBody>
+          <a:bodyPr/>
+          <a:lstStyle/>
+          <a:p>
+            <a:pPr lvl="0" indent="0" marL="0">
+              <a:buNone/>
+            </a:pPr>
+            <a:r>
+              <a:rPr/>
+              <a:t>SAS Code: Part21. Draw a scatterplot.</a:t>
+            </a:r>
+          </a:p>
+        </p:txBody>
+      </p:sp>
+      <p:sp>
+        <p:nvSpPr>
+          <p:cNvPr id="3" name="Content Placeholder 2"/>
+          <p:cNvSpPr>
+            <a:spLocks noGrp="1"/>
+          </p:cNvSpPr>
+          <p:nvPr>
+            <p:ph idx="1"/>
+          </p:nvPr>
+        </p:nvSpPr>
+        <p:spPr/>
+        <p:txBody>
+          <a:bodyPr/>
+          <a:lstStyle/>
+          <a:p>
+            <a:pPr lvl="0" indent="0">
+              <a:buNone/>
+            </a:pPr>
+            <a:r>
+              <a:rPr>
+                <a:latin typeface="Courier"/>
+              </a:rPr>
+              <a:t>
+proc sgplot
+    data=intro.fat2;
+  scatter x=abdomen y=fat_brozek;
+  title1 "Simple scatterplot";
+run;
+</a:t>
+            </a:r>
+          </a:p>
+        </p:txBody>
+      </p:sp>
+    </p:spTree>
+  </p:cSld>
+</p:sld>
+</file>
+
+<file path=ppt/slides/slide73.xml><?xml version="1.0" encoding="utf-8"?>
+<p:sld xmlns:a="http://schemas.openxmlformats.org/drawingml/2006/main" xmlns:r="http://schemas.openxmlformats.org/officeDocument/2006/relationships" xmlns:p="http://schemas.openxmlformats.org/presentationml/2006/main">
+  <p:cSld>
+    <p:spTree>
+      <p:nvGrpSpPr>
+        <p:cNvPr id="1" name=""/>
+        <p:cNvGrpSpPr/>
+        <p:nvPr/>
+      </p:nvGrpSpPr>
+      <p:grpSpPr>
+        <a:xfrm>
+          <a:off x="0" y="0"/>
+          <a:ext cx="0" cy="0"/>
+          <a:chOff x="0" y="0"/>
+          <a:chExt cx="0" cy="0"/>
+        </a:xfrm>
+      </p:grpSpPr>
+      <p:sp>
+        <p:nvSpPr>
+          <p:cNvPr id="2" name="Title 1"/>
+          <p:cNvSpPr>
+            <a:spLocks noGrp="1"/>
+          </p:cNvSpPr>
+          <p:nvPr>
+            <p:ph type="title"/>
+          </p:nvPr>
+        </p:nvSpPr>
+        <p:spPr/>
+        <p:txBody>
+          <a:bodyPr/>
+          <a:lstStyle/>
+          <a:p>
+            <a:pPr lvl="0" indent="0" marL="0">
+              <a:buNone/>
+            </a:pPr>
+            <a:r>
+              <a:rPr/>
+              <a:t>SAS output: Part21. Draw a scatterplot.</a:t>
+            </a:r>
+          </a:p>
+        </p:txBody>
+      </p:sp>
+      <p:sp>
+        <p:nvSpPr>
+          <p:cNvPr id="3" name="Content Placeholder 2"/>
+          <p:cNvSpPr>
+            <a:spLocks noGrp="1"/>
+          </p:cNvSpPr>
+          <p:nvPr>
+            <p:ph idx="1"/>
+          </p:nvPr>
+        </p:nvSpPr>
+        <p:spPr/>
+        <p:txBody>
+          <a:bodyPr/>
+          <a:lstStyle/>
+          <a:p>
+            <a:pPr lvl="0" indent="0" marL="0">
+              <a:buNone/>
+            </a:pPr>
+            <a:r>
+              <a:rPr/>
+              <a:t>Figure 16</a:t>
+            </a:r>
+          </a:p>
+        </p:txBody>
+      </p:sp>
+    </p:spTree>
+  </p:cSld>
+</p:sld>
+</file>
+
+<file path=ppt/slides/slide74.xml><?xml version="1.0" encoding="utf-8"?>
+<p:sld xmlns:a="http://schemas.openxmlformats.org/drawingml/2006/main" xmlns:r="http://schemas.openxmlformats.org/officeDocument/2006/relationships" xmlns:p="http://schemas.openxmlformats.org/presentationml/2006/main">
+  <p:cSld>
+    <p:spTree>
+      <p:nvGrpSpPr>
+        <p:cNvPr id="1" name=""/>
+        <p:cNvGrpSpPr/>
+        <p:nvPr/>
+      </p:nvGrpSpPr>
+      <p:grpSpPr>
+        <a:xfrm>
+          <a:off x="0" y="0"/>
+          <a:ext cx="0" cy="0"/>
+          <a:chOff x="0" y="0"/>
+          <a:chExt cx="0" cy="0"/>
+        </a:xfrm>
+      </p:grpSpPr>
+      <p:sp>
+        <p:nvSpPr>
+          <p:cNvPr id="2" name="Title 1"/>
+          <p:cNvSpPr>
+            <a:spLocks noGrp="1"/>
+          </p:cNvSpPr>
+          <p:nvPr>
+            <p:ph type="title"/>
+          </p:nvPr>
+        </p:nvSpPr>
+        <p:spPr/>
+        <p:txBody>
+          <a:bodyPr/>
+          <a:lstStyle/>
+          <a:p>
+            <a:pPr lvl="0" indent="0" marL="0">
+              <a:buNone/>
+            </a:pPr>
+            <a:r>
+              <a:rPr/>
+              <a:t>Chunk 22</a:t>
+            </a:r>
+          </a:p>
+        </p:txBody>
+      </p:sp>
+    </p:spTree>
+  </p:cSld>
+</p:sld>
+</file>
+
+<file path=ppt/slides/slide75.xml><?xml version="1.0" encoding="utf-8"?>
+<p:sld xmlns:a="http://schemas.openxmlformats.org/drawingml/2006/main" xmlns:r="http://schemas.openxmlformats.org/officeDocument/2006/relationships" xmlns:p="http://schemas.openxmlformats.org/presentationml/2006/main">
+  <p:cSld>
+    <p:spTree>
+      <p:nvGrpSpPr>
+        <p:cNvPr id="1" name=""/>
+        <p:cNvGrpSpPr/>
+        <p:nvPr/>
+      </p:nvGrpSpPr>
+      <p:grpSpPr>
+        <a:xfrm>
+          <a:off x="0" y="0"/>
+          <a:ext cx="0" cy="0"/>
+          <a:chOff x="0" y="0"/>
+          <a:chExt cx="0" cy="0"/>
+        </a:xfrm>
+      </p:grpSpPr>
+      <p:sp>
+        <p:nvSpPr>
+          <p:cNvPr id="2" name="Title 1"/>
+          <p:cNvSpPr>
+            <a:spLocks noGrp="1"/>
+          </p:cNvSpPr>
+          <p:nvPr>
+            <p:ph type="title"/>
+          </p:nvPr>
+        </p:nvSpPr>
+        <p:spPr/>
+        <p:txBody>
+          <a:bodyPr/>
+          <a:lstStyle/>
+          <a:p>
+            <a:pPr lvl="0" indent="0" marL="0">
+              <a:buNone/>
+            </a:pPr>
+            <a:r>
+              <a:rPr/>
+              <a:t>SAS Code: Part22. Adding linear trend line.</a:t>
+            </a:r>
+          </a:p>
+        </p:txBody>
+      </p:sp>
+      <p:sp>
+        <p:nvSpPr>
+          <p:cNvPr id="3" name="Content Placeholder 2"/>
+          <p:cNvSpPr>
+            <a:spLocks noGrp="1"/>
+          </p:cNvSpPr>
+          <p:nvPr>
+            <p:ph idx="1"/>
+          </p:nvPr>
+        </p:nvSpPr>
+        <p:spPr/>
+        <p:txBody>
+          <a:bodyPr/>
+          <a:lstStyle/>
+          <a:p>
+            <a:pPr lvl="0" indent="0">
+              <a:buNone/>
+            </a:pPr>
+            <a:r>
+              <a:rPr>
+                <a:latin typeface="Courier"/>
+              </a:rPr>
+              <a:t>
+proc sgplot
+    data=intro.fat2;
+  scatter x=abdomen y=fat_brozek;
+  reg x=abdomen y=fat_brozek;
+  title2 "with linear trend";
+run;
+</a:t>
+            </a:r>
+          </a:p>
+        </p:txBody>
+      </p:sp>
+    </p:spTree>
+  </p:cSld>
+</p:sld>
+</file>
+
+<file path=ppt/slides/slide76.xml><?xml version="1.0" encoding="utf-8"?>
+<p:sld xmlns:a="http://schemas.openxmlformats.org/drawingml/2006/main" xmlns:r="http://schemas.openxmlformats.org/officeDocument/2006/relationships" xmlns:p="http://schemas.openxmlformats.org/presentationml/2006/main">
+  <p:cSld>
+    <p:spTree>
+      <p:nvGrpSpPr>
+        <p:cNvPr id="1" name=""/>
+        <p:cNvGrpSpPr/>
+        <p:nvPr/>
+      </p:nvGrpSpPr>
+      <p:grpSpPr>
+        <a:xfrm>
+          <a:off x="0" y="0"/>
+          <a:ext cx="0" cy="0"/>
+          <a:chOff x="0" y="0"/>
+          <a:chExt cx="0" cy="0"/>
+        </a:xfrm>
+      </p:grpSpPr>
+      <p:sp>
+        <p:nvSpPr>
+          <p:cNvPr id="2" name="Title 1"/>
+          <p:cNvSpPr>
+            <a:spLocks noGrp="1"/>
+          </p:cNvSpPr>
+          <p:nvPr>
+            <p:ph type="title"/>
+          </p:nvPr>
+        </p:nvSpPr>
+        <p:spPr/>
+        <p:txBody>
+          <a:bodyPr/>
+          <a:lstStyle/>
+          <a:p>
+            <a:pPr lvl="0" indent="0" marL="0">
+              <a:buNone/>
+            </a:pPr>
+            <a:r>
+              <a:rPr/>
               <a:t>SAS output: Part22. Adding linear trend line.</a:t>
             </a:r>
           </a:p>
@@ -12206,7 +12570,36 @@
             </a:pPr>
             <a:r>
               <a:rPr/>
-              <a:t>Chunk 3</a:t>
+              <a:t>QC check</a:t>
+            </a:r>
+          </a:p>
+        </p:txBody>
+      </p:sp>
+      <p:sp>
+        <p:nvSpPr>
+          <p:cNvPr id="3" name="Content Placeholder 2"/>
+          <p:cNvSpPr>
+            <a:spLocks noGrp="1"/>
+          </p:cNvSpPr>
+          <p:nvPr>
+            <p:ph idx="1"/>
+          </p:nvPr>
+        </p:nvSpPr>
+        <p:spPr/>
+        <p:txBody>
+          <a:bodyPr/>
+          <a:lstStyle/>
+          <a:p>
+            <a:pPr lvl="0" indent="0">
+              <a:buNone/>
+            </a:pPr>
+            <a:r>
+              <a:rPr>
+                <a:latin typeface="Courier"/>
+              </a:rPr>
+              <a:t>## [1] "&lt;!---Part21. Draw a scatterplot.---&gt;"      
+## [2] "&lt;!---Part22. Adding linear trend line.---&gt;"
+## [3] "&lt;!---Part23. Adding a smooth curve.---&gt;"</a:t>
             </a:r>
           </a:p>
         </p:txBody>
@@ -12253,42 +12646,7 @@
             </a:pPr>
             <a:r>
               <a:rPr/>
-              <a:t>SAS Code: Part03. Read in your data</a:t>
-            </a:r>
-          </a:p>
-        </p:txBody>
-      </p:sp>
-      <p:sp>
-        <p:nvSpPr>
-          <p:cNvPr id="3" name="Content Placeholder 2"/>
-          <p:cNvSpPr>
-            <a:spLocks noGrp="1"/>
-          </p:cNvSpPr>
-          <p:nvPr>
-            <p:ph idx="1"/>
-          </p:nvPr>
-        </p:nvSpPr>
-        <p:spPr/>
-        <p:txBody>
-          <a:bodyPr/>
-          <a:lstStyle/>
-          <a:p>
-            <a:pPr lvl="0" indent="0">
-              <a:buNone/>
-            </a:pPr>
-            <a:r>
-              <a:rPr>
-                <a:latin typeface="Courier"/>
-              </a:rPr>
-              <a:t>
-data intro.fat;
-  infile fat;
-  input 
-    case
-    fat_brozek
-    fat_siri
-    dens
-</a:t>
+              <a:t>Chunk 1</a:t>
             </a:r>
           </a:p>
         </p:txBody>
